--- a/Chapitre_03_Strategie/Cy_12_Ch_03_PFS_2D_TD_04_ChasseNeige/images/Nouveau Présentation Microsoft PowerPoint.pptx
+++ b/Chapitre_03_Strategie/Cy_12_Ch_03_PFS_2D_TD_04_ChasseNeige/images/Nouveau Présentation Microsoft PowerPoint.pptx
@@ -7,6 +7,8 @@
   <p:sldIdLst>
     <p:sldId id="256" r:id="rId2"/>
     <p:sldId id="257" r:id="rId3"/>
+    <p:sldId id="258" r:id="rId4"/>
+    <p:sldId id="259" r:id="rId5"/>
   </p:sldIdLst>
   <p:sldSz cx="12192000" cy="6858000"/>
   <p:notesSz cx="6858000" cy="9144000"/>
@@ -271,7 +273,7 @@
           <a:p>
             <a:fld id="{4B4ADF2E-433A-4AE0-B13A-3CFD6B06A6A9}" type="datetimeFigureOut">
               <a:rPr lang="fr-FR" smtClean="0"/>
-              <a:t>11/03/2024</a:t>
+              <a:t>12/03/2024</a:t>
             </a:fld>
             <a:endParaRPr lang="fr-FR"/>
           </a:p>
@@ -469,7 +471,7 @@
           <a:p>
             <a:fld id="{4B4ADF2E-433A-4AE0-B13A-3CFD6B06A6A9}" type="datetimeFigureOut">
               <a:rPr lang="fr-FR" smtClean="0"/>
-              <a:t>11/03/2024</a:t>
+              <a:t>12/03/2024</a:t>
             </a:fld>
             <a:endParaRPr lang="fr-FR"/>
           </a:p>
@@ -677,7 +679,7 @@
           <a:p>
             <a:fld id="{4B4ADF2E-433A-4AE0-B13A-3CFD6B06A6A9}" type="datetimeFigureOut">
               <a:rPr lang="fr-FR" smtClean="0"/>
-              <a:t>11/03/2024</a:t>
+              <a:t>12/03/2024</a:t>
             </a:fld>
             <a:endParaRPr lang="fr-FR"/>
           </a:p>
@@ -875,7 +877,7 @@
           <a:p>
             <a:fld id="{4B4ADF2E-433A-4AE0-B13A-3CFD6B06A6A9}" type="datetimeFigureOut">
               <a:rPr lang="fr-FR" smtClean="0"/>
-              <a:t>11/03/2024</a:t>
+              <a:t>12/03/2024</a:t>
             </a:fld>
             <a:endParaRPr lang="fr-FR"/>
           </a:p>
@@ -1150,7 +1152,7 @@
           <a:p>
             <a:fld id="{4B4ADF2E-433A-4AE0-B13A-3CFD6B06A6A9}" type="datetimeFigureOut">
               <a:rPr lang="fr-FR" smtClean="0"/>
-              <a:t>11/03/2024</a:t>
+              <a:t>12/03/2024</a:t>
             </a:fld>
             <a:endParaRPr lang="fr-FR"/>
           </a:p>
@@ -1415,7 +1417,7 @@
           <a:p>
             <a:fld id="{4B4ADF2E-433A-4AE0-B13A-3CFD6B06A6A9}" type="datetimeFigureOut">
               <a:rPr lang="fr-FR" smtClean="0"/>
-              <a:t>11/03/2024</a:t>
+              <a:t>12/03/2024</a:t>
             </a:fld>
             <a:endParaRPr lang="fr-FR"/>
           </a:p>
@@ -1827,7 +1829,7 @@
           <a:p>
             <a:fld id="{4B4ADF2E-433A-4AE0-B13A-3CFD6B06A6A9}" type="datetimeFigureOut">
               <a:rPr lang="fr-FR" smtClean="0"/>
-              <a:t>11/03/2024</a:t>
+              <a:t>12/03/2024</a:t>
             </a:fld>
             <a:endParaRPr lang="fr-FR"/>
           </a:p>
@@ -1968,7 +1970,7 @@
           <a:p>
             <a:fld id="{4B4ADF2E-433A-4AE0-B13A-3CFD6B06A6A9}" type="datetimeFigureOut">
               <a:rPr lang="fr-FR" smtClean="0"/>
-              <a:t>11/03/2024</a:t>
+              <a:t>12/03/2024</a:t>
             </a:fld>
             <a:endParaRPr lang="fr-FR"/>
           </a:p>
@@ -2081,7 +2083,7 @@
           <a:p>
             <a:fld id="{4B4ADF2E-433A-4AE0-B13A-3CFD6B06A6A9}" type="datetimeFigureOut">
               <a:rPr lang="fr-FR" smtClean="0"/>
-              <a:t>11/03/2024</a:t>
+              <a:t>12/03/2024</a:t>
             </a:fld>
             <a:endParaRPr lang="fr-FR"/>
           </a:p>
@@ -2392,7 +2394,7 @@
           <a:p>
             <a:fld id="{4B4ADF2E-433A-4AE0-B13A-3CFD6B06A6A9}" type="datetimeFigureOut">
               <a:rPr lang="fr-FR" smtClean="0"/>
-              <a:t>11/03/2024</a:t>
+              <a:t>12/03/2024</a:t>
             </a:fld>
             <a:endParaRPr lang="fr-FR"/>
           </a:p>
@@ -2680,7 +2682,7 @@
           <a:p>
             <a:fld id="{4B4ADF2E-433A-4AE0-B13A-3CFD6B06A6A9}" type="datetimeFigureOut">
               <a:rPr lang="fr-FR" smtClean="0"/>
-              <a:t>11/03/2024</a:t>
+              <a:t>12/03/2024</a:t>
             </a:fld>
             <a:endParaRPr lang="fr-FR"/>
           </a:p>
@@ -2921,7 +2923,7 @@
           <a:p>
             <a:fld id="{4B4ADF2E-433A-4AE0-B13A-3CFD6B06A6A9}" type="datetimeFigureOut">
               <a:rPr lang="fr-FR" smtClean="0"/>
-              <a:t>11/03/2024</a:t>
+              <a:t>12/03/2024</a:t>
             </a:fld>
             <a:endParaRPr lang="fr-FR"/>
           </a:p>
@@ -4068,8 +4070,8 @@
           </a:fontRef>
         </p:style>
       </p:cxnSp>
-      <mc:AlternateContent xmlns:mc="http://schemas.openxmlformats.org/markup-compatibility/2006">
-        <mc:Choice xmlns:a14="http://schemas.microsoft.com/office/drawing/2010/main" Requires="a14">
+      <mc:AlternateContent xmlns:mc="http://schemas.openxmlformats.org/markup-compatibility/2006" xmlns:a14="http://schemas.microsoft.com/office/drawing/2010/main">
+        <mc:Choice Requires="a14">
           <p:sp>
             <p:nvSpPr>
               <p:cNvPr id="52" name="ZoneTexte 51">
@@ -4098,6 +4100,7 @@
               </a:bodyPr>
               <a:lstStyle/>
               <a:p>
+                <a:pPr/>
                 <a14:m>
                   <m:oMathPara xmlns:m="http://schemas.openxmlformats.org/officeDocument/2006/math">
                     <m:oMathParaPr>
@@ -4149,7 +4152,7 @@
             </p:txBody>
           </p:sp>
         </mc:Choice>
-        <mc:Fallback>
+        <mc:Fallback xmlns="">
           <p:sp>
             <p:nvSpPr>
               <p:cNvPr id="52" name="ZoneTexte 51">
@@ -4194,8 +4197,8 @@
           </p:sp>
         </mc:Fallback>
       </mc:AlternateContent>
-      <mc:AlternateContent xmlns:mc="http://schemas.openxmlformats.org/markup-compatibility/2006">
-        <mc:Choice xmlns:a14="http://schemas.microsoft.com/office/drawing/2010/main" Requires="a14">
+      <mc:AlternateContent xmlns:mc="http://schemas.openxmlformats.org/markup-compatibility/2006" xmlns:a14="http://schemas.microsoft.com/office/drawing/2010/main">
+        <mc:Choice Requires="a14">
           <p:sp>
             <p:nvSpPr>
               <p:cNvPr id="53" name="ZoneTexte 52">
@@ -4224,6 +4227,7 @@
               </a:bodyPr>
               <a:lstStyle/>
               <a:p>
+                <a:pPr/>
                 <a14:m>
                   <m:oMathPara xmlns:m="http://schemas.openxmlformats.org/officeDocument/2006/math">
                     <m:oMathParaPr>
@@ -4275,7 +4279,7 @@
             </p:txBody>
           </p:sp>
         </mc:Choice>
-        <mc:Fallback>
+        <mc:Fallback xmlns="">
           <p:sp>
             <p:nvSpPr>
               <p:cNvPr id="53" name="ZoneTexte 52">
@@ -4838,8 +4842,8 @@
           </a:fontRef>
         </p:style>
       </p:cxnSp>
-      <mc:AlternateContent xmlns:mc="http://schemas.openxmlformats.org/markup-compatibility/2006">
-        <mc:Choice xmlns:a14="http://schemas.microsoft.com/office/drawing/2010/main" Requires="a14">
+      <mc:AlternateContent xmlns:mc="http://schemas.openxmlformats.org/markup-compatibility/2006" xmlns:a14="http://schemas.microsoft.com/office/drawing/2010/main">
+        <mc:Choice Requires="a14">
           <p:sp>
             <p:nvSpPr>
               <p:cNvPr id="64" name="ZoneTexte 63">
@@ -4868,6 +4872,7 @@
               </a:bodyPr>
               <a:lstStyle/>
               <a:p>
+                <a:pPr/>
                 <a14:m>
                   <m:oMathPara xmlns:m="http://schemas.openxmlformats.org/officeDocument/2006/math">
                     <m:oMathParaPr>
@@ -4919,7 +4924,7 @@
             </p:txBody>
           </p:sp>
         </mc:Choice>
-        <mc:Fallback>
+        <mc:Fallback xmlns="">
           <p:sp>
             <p:nvSpPr>
               <p:cNvPr id="64" name="ZoneTexte 63">
@@ -4964,8 +4969,8 @@
           </p:sp>
         </mc:Fallback>
       </mc:AlternateContent>
-      <mc:AlternateContent xmlns:mc="http://schemas.openxmlformats.org/markup-compatibility/2006">
-        <mc:Choice xmlns:a14="http://schemas.microsoft.com/office/drawing/2010/main" Requires="a14">
+      <mc:AlternateContent xmlns:mc="http://schemas.openxmlformats.org/markup-compatibility/2006" xmlns:a14="http://schemas.microsoft.com/office/drawing/2010/main">
+        <mc:Choice Requires="a14">
           <p:sp>
             <p:nvSpPr>
               <p:cNvPr id="65" name="ZoneTexte 64">
@@ -4994,6 +4999,7 @@
               </a:bodyPr>
               <a:lstStyle/>
               <a:p>
+                <a:pPr/>
                 <a14:m>
                   <m:oMathPara xmlns:m="http://schemas.openxmlformats.org/officeDocument/2006/math">
                     <m:oMathParaPr>
@@ -5045,7 +5051,7 @@
             </p:txBody>
           </p:sp>
         </mc:Choice>
-        <mc:Fallback>
+        <mc:Fallback xmlns="">
           <p:sp>
             <p:nvSpPr>
               <p:cNvPr id="65" name="ZoneTexte 64">
@@ -5090,8 +5096,8 @@
           </p:sp>
         </mc:Fallback>
       </mc:AlternateContent>
-      <mc:AlternateContent xmlns:mc="http://schemas.openxmlformats.org/markup-compatibility/2006">
-        <mc:Choice xmlns:a14="http://schemas.microsoft.com/office/drawing/2010/main" Requires="a14">
+      <mc:AlternateContent xmlns:mc="http://schemas.openxmlformats.org/markup-compatibility/2006" xmlns:a14="http://schemas.microsoft.com/office/drawing/2010/main">
+        <mc:Choice Requires="a14">
           <p:sp>
             <p:nvSpPr>
               <p:cNvPr id="66" name="ZoneTexte 65">
@@ -5120,6 +5126,7 @@
               </a:bodyPr>
               <a:lstStyle/>
               <a:p>
+                <a:pPr/>
                 <a14:m>
                   <m:oMathPara xmlns:m="http://schemas.openxmlformats.org/officeDocument/2006/math">
                     <m:oMathParaPr>
@@ -5140,7 +5147,7 @@
             </p:txBody>
           </p:sp>
         </mc:Choice>
-        <mc:Fallback>
+        <mc:Fallback xmlns="">
           <p:sp>
             <p:nvSpPr>
               <p:cNvPr id="66" name="ZoneTexte 65">
@@ -5185,8 +5192,8 @@
           </p:sp>
         </mc:Fallback>
       </mc:AlternateContent>
-      <mc:AlternateContent xmlns:mc="http://schemas.openxmlformats.org/markup-compatibility/2006">
-        <mc:Choice xmlns:a14="http://schemas.microsoft.com/office/drawing/2010/main" Requires="a14">
+      <mc:AlternateContent xmlns:mc="http://schemas.openxmlformats.org/markup-compatibility/2006" xmlns:a14="http://schemas.microsoft.com/office/drawing/2010/main">
+        <mc:Choice Requires="a14">
           <p:sp>
             <p:nvSpPr>
               <p:cNvPr id="68" name="ZoneTexte 67">
@@ -5215,6 +5222,7 @@
               </a:bodyPr>
               <a:lstStyle/>
               <a:p>
+                <a:pPr/>
                 <a14:m>
                   <m:oMathPara xmlns:m="http://schemas.openxmlformats.org/officeDocument/2006/math">
                     <m:oMathParaPr>
@@ -5235,7 +5243,7 @@
             </p:txBody>
           </p:sp>
         </mc:Choice>
-        <mc:Fallback>
+        <mc:Fallback xmlns="">
           <p:sp>
             <p:nvSpPr>
               <p:cNvPr id="68" name="ZoneTexte 67">
@@ -5280,8 +5288,8 @@
           </p:sp>
         </mc:Fallback>
       </mc:AlternateContent>
-      <mc:AlternateContent xmlns:mc="http://schemas.openxmlformats.org/markup-compatibility/2006">
-        <mc:Choice xmlns:a14="http://schemas.microsoft.com/office/drawing/2010/main" Requires="a14">
+      <mc:AlternateContent xmlns:mc="http://schemas.openxmlformats.org/markup-compatibility/2006" xmlns:a14="http://schemas.microsoft.com/office/drawing/2010/main">
+        <mc:Choice Requires="a14">
           <p:sp>
             <p:nvSpPr>
               <p:cNvPr id="69" name="ZoneTexte 68">
@@ -5310,6 +5318,7 @@
               </a:bodyPr>
               <a:lstStyle/>
               <a:p>
+                <a:pPr/>
                 <a14:m>
                   <m:oMathPara xmlns:m="http://schemas.openxmlformats.org/officeDocument/2006/math">
                     <m:oMathParaPr>
@@ -5330,7 +5339,7 @@
             </p:txBody>
           </p:sp>
         </mc:Choice>
-        <mc:Fallback>
+        <mc:Fallback xmlns="">
           <p:sp>
             <p:nvSpPr>
               <p:cNvPr id="69" name="ZoneTexte 68">
@@ -5375,8 +5384,8 @@
           </p:sp>
         </mc:Fallback>
       </mc:AlternateContent>
-      <mc:AlternateContent xmlns:mc="http://schemas.openxmlformats.org/markup-compatibility/2006">
-        <mc:Choice xmlns:a14="http://schemas.microsoft.com/office/drawing/2010/main" Requires="a14">
+      <mc:AlternateContent xmlns:mc="http://schemas.openxmlformats.org/markup-compatibility/2006" xmlns:a14="http://schemas.microsoft.com/office/drawing/2010/main">
+        <mc:Choice Requires="a14">
           <p:sp>
             <p:nvSpPr>
               <p:cNvPr id="71" name="ZoneTexte 70">
@@ -6858,7 +6867,7 @@
             </p:txBody>
           </p:sp>
         </mc:Choice>
-        <mc:Fallback>
+        <mc:Fallback xmlns="">
           <p:sp>
             <p:nvSpPr>
               <p:cNvPr id="71" name="ZoneTexte 70">
@@ -7622,8 +7631,8 @@
           </a:fontRef>
         </p:style>
       </p:cxnSp>
-      <mc:AlternateContent xmlns:mc="http://schemas.openxmlformats.org/markup-compatibility/2006">
-        <mc:Choice xmlns:a14="http://schemas.microsoft.com/office/drawing/2010/main" Requires="a14">
+      <mc:AlternateContent xmlns:mc="http://schemas.openxmlformats.org/markup-compatibility/2006" xmlns:a14="http://schemas.microsoft.com/office/drawing/2010/main">
+        <mc:Choice Requires="a14">
           <p:sp>
             <p:nvSpPr>
               <p:cNvPr id="52" name="ZoneTexte 51">
@@ -7652,6 +7661,7 @@
               </a:bodyPr>
               <a:lstStyle/>
               <a:p>
+                <a:pPr/>
                 <a14:m>
                   <m:oMathPara xmlns:m="http://schemas.openxmlformats.org/officeDocument/2006/math">
                     <m:oMathParaPr>
@@ -7703,7 +7713,7 @@
             </p:txBody>
           </p:sp>
         </mc:Choice>
-        <mc:Fallback>
+        <mc:Fallback xmlns="">
           <p:sp>
             <p:nvSpPr>
               <p:cNvPr id="52" name="ZoneTexte 51">
@@ -7748,8 +7758,8 @@
           </p:sp>
         </mc:Fallback>
       </mc:AlternateContent>
-      <mc:AlternateContent xmlns:mc="http://schemas.openxmlformats.org/markup-compatibility/2006">
-        <mc:Choice xmlns:a14="http://schemas.microsoft.com/office/drawing/2010/main" Requires="a14">
+      <mc:AlternateContent xmlns:mc="http://schemas.openxmlformats.org/markup-compatibility/2006" xmlns:a14="http://schemas.microsoft.com/office/drawing/2010/main">
+        <mc:Choice Requires="a14">
           <p:sp>
             <p:nvSpPr>
               <p:cNvPr id="53" name="ZoneTexte 52">
@@ -7778,6 +7788,7 @@
               </a:bodyPr>
               <a:lstStyle/>
               <a:p>
+                <a:pPr/>
                 <a14:m>
                   <m:oMathPara xmlns:m="http://schemas.openxmlformats.org/officeDocument/2006/math">
                     <m:oMathParaPr>
@@ -7829,7 +7840,7 @@
             </p:txBody>
           </p:sp>
         </mc:Choice>
-        <mc:Fallback>
+        <mc:Fallback xmlns="">
           <p:sp>
             <p:nvSpPr>
               <p:cNvPr id="53" name="ZoneTexte 52">
@@ -8392,8 +8403,8 @@
           </a:fontRef>
         </p:style>
       </p:cxnSp>
-      <mc:AlternateContent xmlns:mc="http://schemas.openxmlformats.org/markup-compatibility/2006">
-        <mc:Choice xmlns:a14="http://schemas.microsoft.com/office/drawing/2010/main" Requires="a14">
+      <mc:AlternateContent xmlns:mc="http://schemas.openxmlformats.org/markup-compatibility/2006" xmlns:a14="http://schemas.microsoft.com/office/drawing/2010/main">
+        <mc:Choice Requires="a14">
           <p:sp>
             <p:nvSpPr>
               <p:cNvPr id="64" name="ZoneTexte 63">
@@ -8422,6 +8433,7 @@
               </a:bodyPr>
               <a:lstStyle/>
               <a:p>
+                <a:pPr/>
                 <a14:m>
                   <m:oMathPara xmlns:m="http://schemas.openxmlformats.org/officeDocument/2006/math">
                     <m:oMathParaPr>
@@ -8473,7 +8485,7 @@
             </p:txBody>
           </p:sp>
         </mc:Choice>
-        <mc:Fallback>
+        <mc:Fallback xmlns="">
           <p:sp>
             <p:nvSpPr>
               <p:cNvPr id="64" name="ZoneTexte 63">
@@ -8518,8 +8530,8 @@
           </p:sp>
         </mc:Fallback>
       </mc:AlternateContent>
-      <mc:AlternateContent xmlns:mc="http://schemas.openxmlformats.org/markup-compatibility/2006">
-        <mc:Choice xmlns:a14="http://schemas.microsoft.com/office/drawing/2010/main" Requires="a14">
+      <mc:AlternateContent xmlns:mc="http://schemas.openxmlformats.org/markup-compatibility/2006" xmlns:a14="http://schemas.microsoft.com/office/drawing/2010/main">
+        <mc:Choice Requires="a14">
           <p:sp>
             <p:nvSpPr>
               <p:cNvPr id="65" name="ZoneTexte 64">
@@ -8548,6 +8560,7 @@
               </a:bodyPr>
               <a:lstStyle/>
               <a:p>
+                <a:pPr/>
                 <a14:m>
                   <m:oMathPara xmlns:m="http://schemas.openxmlformats.org/officeDocument/2006/math">
                     <m:oMathParaPr>
@@ -8599,7 +8612,7 @@
             </p:txBody>
           </p:sp>
         </mc:Choice>
-        <mc:Fallback>
+        <mc:Fallback xmlns="">
           <p:sp>
             <p:nvSpPr>
               <p:cNvPr id="65" name="ZoneTexte 64">
@@ -8644,8 +8657,8 @@
           </p:sp>
         </mc:Fallback>
       </mc:AlternateContent>
-      <mc:AlternateContent xmlns:mc="http://schemas.openxmlformats.org/markup-compatibility/2006">
-        <mc:Choice xmlns:a14="http://schemas.microsoft.com/office/drawing/2010/main" Requires="a14">
+      <mc:AlternateContent xmlns:mc="http://schemas.openxmlformats.org/markup-compatibility/2006" xmlns:a14="http://schemas.microsoft.com/office/drawing/2010/main">
+        <mc:Choice Requires="a14">
           <p:sp>
             <p:nvSpPr>
               <p:cNvPr id="66" name="ZoneTexte 65">
@@ -8674,6 +8687,7 @@
               </a:bodyPr>
               <a:lstStyle/>
               <a:p>
+                <a:pPr/>
                 <a14:m>
                   <m:oMathPara xmlns:m="http://schemas.openxmlformats.org/officeDocument/2006/math">
                     <m:oMathParaPr>
@@ -8694,7 +8708,7 @@
             </p:txBody>
           </p:sp>
         </mc:Choice>
-        <mc:Fallback>
+        <mc:Fallback xmlns="">
           <p:sp>
             <p:nvSpPr>
               <p:cNvPr id="66" name="ZoneTexte 65">
@@ -8739,8 +8753,8 @@
           </p:sp>
         </mc:Fallback>
       </mc:AlternateContent>
-      <mc:AlternateContent xmlns:mc="http://schemas.openxmlformats.org/markup-compatibility/2006">
-        <mc:Choice xmlns:a14="http://schemas.microsoft.com/office/drawing/2010/main" Requires="a14">
+      <mc:AlternateContent xmlns:mc="http://schemas.openxmlformats.org/markup-compatibility/2006" xmlns:a14="http://schemas.microsoft.com/office/drawing/2010/main">
+        <mc:Choice Requires="a14">
           <p:sp>
             <p:nvSpPr>
               <p:cNvPr id="68" name="ZoneTexte 67">
@@ -8769,6 +8783,7 @@
               </a:bodyPr>
               <a:lstStyle/>
               <a:p>
+                <a:pPr/>
                 <a14:m>
                   <m:oMathPara xmlns:m="http://schemas.openxmlformats.org/officeDocument/2006/math">
                     <m:oMathParaPr>
@@ -8789,7 +8804,7 @@
             </p:txBody>
           </p:sp>
         </mc:Choice>
-        <mc:Fallback>
+        <mc:Fallback xmlns="">
           <p:sp>
             <p:nvSpPr>
               <p:cNvPr id="68" name="ZoneTexte 67">
@@ -8834,8 +8849,8 @@
           </p:sp>
         </mc:Fallback>
       </mc:AlternateContent>
-      <mc:AlternateContent xmlns:mc="http://schemas.openxmlformats.org/markup-compatibility/2006">
-        <mc:Choice xmlns:a14="http://schemas.microsoft.com/office/drawing/2010/main" Requires="a14">
+      <mc:AlternateContent xmlns:mc="http://schemas.openxmlformats.org/markup-compatibility/2006" xmlns:a14="http://schemas.microsoft.com/office/drawing/2010/main">
+        <mc:Choice Requires="a14">
           <p:sp>
             <p:nvSpPr>
               <p:cNvPr id="69" name="ZoneTexte 68">
@@ -8864,6 +8879,7 @@
               </a:bodyPr>
               <a:lstStyle/>
               <a:p>
+                <a:pPr/>
                 <a14:m>
                   <m:oMathPara xmlns:m="http://schemas.openxmlformats.org/officeDocument/2006/math">
                     <m:oMathParaPr>
@@ -8884,7 +8900,7 @@
             </p:txBody>
           </p:sp>
         </mc:Choice>
-        <mc:Fallback>
+        <mc:Fallback xmlns="">
           <p:sp>
             <p:nvSpPr>
               <p:cNvPr id="69" name="ZoneTexte 68">
@@ -8933,6 +8949,7285 @@
     <p:extLst>
       <p:ext uri="{BB962C8B-B14F-4D97-AF65-F5344CB8AC3E}">
         <p14:creationId xmlns:p14="http://schemas.microsoft.com/office/powerpoint/2010/main" val="2597240042"/>
+      </p:ext>
+    </p:extLst>
+  </p:cSld>
+  <p:clrMapOvr>
+    <a:masterClrMapping/>
+  </p:clrMapOvr>
+</p:sld>
+</file>
+
+<file path=ppt/slides/slide3.xml><?xml version="1.0" encoding="utf-8"?>
+<p:sld xmlns:a="http://schemas.openxmlformats.org/drawingml/2006/main" xmlns:r="http://schemas.openxmlformats.org/officeDocument/2006/relationships" xmlns:p="http://schemas.openxmlformats.org/presentationml/2006/main">
+  <p:cSld>
+    <p:spTree>
+      <p:nvGrpSpPr>
+        <p:cNvPr id="1" name=""/>
+        <p:cNvGrpSpPr/>
+        <p:nvPr/>
+      </p:nvGrpSpPr>
+      <p:grpSpPr>
+        <a:xfrm>
+          <a:off x="0" y="0"/>
+          <a:ext cx="0" cy="0"/>
+          <a:chOff x="0" y="0"/>
+          <a:chExt cx="0" cy="0"/>
+        </a:xfrm>
+      </p:grpSpPr>
+      <p:pic>
+        <p:nvPicPr>
+          <p:cNvPr id="4" name="Image 3">
+            <a:extLst>
+              <a:ext uri="{FF2B5EF4-FFF2-40B4-BE49-F238E27FC236}">
+                <a16:creationId xmlns:a16="http://schemas.microsoft.com/office/drawing/2014/main" id="{C09A1E18-0C4F-F0D6-1CB2-E8F417BBD07E}"/>
+              </a:ext>
+            </a:extLst>
+          </p:cNvPr>
+          <p:cNvPicPr>
+            <a:picLocks noChangeAspect="1"/>
+          </p:cNvPicPr>
+          <p:nvPr/>
+        </p:nvPicPr>
+        <p:blipFill>
+          <a:blip r:embed="rId2"/>
+          <a:stretch>
+            <a:fillRect/>
+          </a:stretch>
+        </p:blipFill>
+        <p:spPr>
+          <a:xfrm>
+            <a:off x="0" y="252709"/>
+            <a:ext cx="3771900" cy="4975087"/>
+          </a:xfrm>
+          <a:prstGeom prst="rect">
+            <a:avLst/>
+          </a:prstGeom>
+        </p:spPr>
+      </p:pic>
+      <p:grpSp>
+        <p:nvGrpSpPr>
+          <p:cNvPr id="76" name="Groupe 75">
+            <a:extLst>
+              <a:ext uri="{FF2B5EF4-FFF2-40B4-BE49-F238E27FC236}">
+                <a16:creationId xmlns:a16="http://schemas.microsoft.com/office/drawing/2014/main" id="{8D09E6ED-1981-1511-841C-A2AEA1697D8D}"/>
+              </a:ext>
+            </a:extLst>
+          </p:cNvPr>
+          <p:cNvGrpSpPr/>
+          <p:nvPr/>
+        </p:nvGrpSpPr>
+        <p:grpSpPr>
+          <a:xfrm>
+            <a:off x="9201141" y="1782821"/>
+            <a:ext cx="1456936" cy="2537111"/>
+            <a:chOff x="9144438" y="2504259"/>
+            <a:chExt cx="1456936" cy="2537111"/>
+          </a:xfrm>
+        </p:grpSpPr>
+        <p:sp>
+          <p:nvSpPr>
+            <p:cNvPr id="48" name="Arc 47">
+              <a:extLst>
+                <a:ext uri="{FF2B5EF4-FFF2-40B4-BE49-F238E27FC236}">
+                  <a16:creationId xmlns:a16="http://schemas.microsoft.com/office/drawing/2014/main" id="{387782AC-DFF9-A2CF-5A83-D602ADB14BD8}"/>
+                </a:ext>
+              </a:extLst>
+            </p:cNvPr>
+            <p:cNvSpPr/>
+            <p:nvPr/>
+          </p:nvSpPr>
+          <p:spPr>
+            <a:xfrm>
+              <a:off x="9150152" y="2871004"/>
+              <a:ext cx="1119912" cy="1119912"/>
+            </a:xfrm>
+            <a:prstGeom prst="arc">
+              <a:avLst>
+                <a:gd name="adj1" fmla="val 20645190"/>
+                <a:gd name="adj2" fmla="val 0"/>
+              </a:avLst>
+            </a:prstGeom>
+            <a:ln w="12700">
+              <a:solidFill>
+                <a:schemeClr val="accent2"/>
+              </a:solidFill>
+              <a:headEnd type="stealth" w="sm" len="med"/>
+              <a:tailEnd type="none" w="med" len="sm"/>
+            </a:ln>
+          </p:spPr>
+          <p:style>
+            <a:lnRef idx="2">
+              <a:schemeClr val="accent1"/>
+            </a:lnRef>
+            <a:fillRef idx="0">
+              <a:schemeClr val="accent1"/>
+            </a:fillRef>
+            <a:effectRef idx="1">
+              <a:schemeClr val="accent1"/>
+            </a:effectRef>
+            <a:fontRef idx="minor">
+              <a:schemeClr val="tx1"/>
+            </a:fontRef>
+          </p:style>
+          <p:txBody>
+            <a:bodyPr rtlCol="0" anchor="ctr"/>
+            <a:lstStyle/>
+            <a:p>
+              <a:pPr algn="ctr"/>
+              <a:endParaRPr lang="fr-FR"/>
+            </a:p>
+          </p:txBody>
+        </p:sp>
+        <p:grpSp>
+          <p:nvGrpSpPr>
+            <p:cNvPr id="50" name="Groupe 49">
+              <a:extLst>
+                <a:ext uri="{FF2B5EF4-FFF2-40B4-BE49-F238E27FC236}">
+                  <a16:creationId xmlns:a16="http://schemas.microsoft.com/office/drawing/2014/main" id="{222E2131-A2CB-1217-CDDA-97A27FEABA1B}"/>
+                </a:ext>
+              </a:extLst>
+            </p:cNvPr>
+            <p:cNvGrpSpPr/>
+            <p:nvPr/>
+          </p:nvGrpSpPr>
+          <p:grpSpPr>
+            <a:xfrm>
+              <a:off x="9429712" y="2504259"/>
+              <a:ext cx="1171662" cy="1009379"/>
+              <a:chOff x="9429712" y="2504259"/>
+              <a:chExt cx="1171662" cy="1009379"/>
+            </a:xfrm>
+          </p:grpSpPr>
+          <p:grpSp>
+            <p:nvGrpSpPr>
+              <p:cNvPr id="42" name="Groupe 41">
+                <a:extLst>
+                  <a:ext uri="{FF2B5EF4-FFF2-40B4-BE49-F238E27FC236}">
+                    <a16:creationId xmlns:a16="http://schemas.microsoft.com/office/drawing/2014/main" id="{0687200C-22F4-6875-FEE6-DA2CD90CDA16}"/>
+                  </a:ext>
+                </a:extLst>
+              </p:cNvPr>
+              <p:cNvGrpSpPr/>
+              <p:nvPr/>
+            </p:nvGrpSpPr>
+            <p:grpSpPr>
+              <a:xfrm rot="20700000">
+                <a:off x="9607576" y="2619092"/>
+                <a:ext cx="720000" cy="720000"/>
+                <a:chOff x="9707534" y="2709000"/>
+                <a:chExt cx="720000" cy="720000"/>
+              </a:xfrm>
+            </p:grpSpPr>
+            <p:cxnSp>
+              <p:nvCxnSpPr>
+                <p:cNvPr id="43" name="Connecteur droit 42">
+                  <a:extLst>
+                    <a:ext uri="{FF2B5EF4-FFF2-40B4-BE49-F238E27FC236}">
+                      <a16:creationId xmlns:a16="http://schemas.microsoft.com/office/drawing/2014/main" id="{691AE9DC-9D38-6F9A-8680-AC4ADABC6039}"/>
+                    </a:ext>
+                  </a:extLst>
+                </p:cNvPr>
+                <p:cNvCxnSpPr>
+                  <a:cxnSpLocks/>
+                </p:cNvCxnSpPr>
+                <p:nvPr/>
+              </p:nvCxnSpPr>
+              <p:spPr>
+                <a:xfrm flipV="1">
+                  <a:off x="9707534" y="2709000"/>
+                  <a:ext cx="0" cy="720000"/>
+                </a:xfrm>
+                <a:prstGeom prst="line">
+                  <a:avLst/>
+                </a:prstGeom>
+                <a:ln w="12700">
+                  <a:solidFill>
+                    <a:schemeClr val="accent2"/>
+                  </a:solidFill>
+                  <a:tailEnd type="stealth" w="med" len="lg"/>
+                </a:ln>
+              </p:spPr>
+              <p:style>
+                <a:lnRef idx="2">
+                  <a:schemeClr val="accent1"/>
+                </a:lnRef>
+                <a:fillRef idx="0">
+                  <a:schemeClr val="accent1"/>
+                </a:fillRef>
+                <a:effectRef idx="1">
+                  <a:schemeClr val="accent1"/>
+                </a:effectRef>
+                <a:fontRef idx="minor">
+                  <a:schemeClr val="tx1"/>
+                </a:fontRef>
+              </p:style>
+            </p:cxnSp>
+            <p:cxnSp>
+              <p:nvCxnSpPr>
+                <p:cNvPr id="44" name="Connecteur droit 43">
+                  <a:extLst>
+                    <a:ext uri="{FF2B5EF4-FFF2-40B4-BE49-F238E27FC236}">
+                      <a16:creationId xmlns:a16="http://schemas.microsoft.com/office/drawing/2014/main" id="{E837E7F7-872B-7BCB-6C31-C2F390A9E477}"/>
+                    </a:ext>
+                  </a:extLst>
+                </p:cNvPr>
+                <p:cNvCxnSpPr>
+                  <a:cxnSpLocks/>
+                </p:cNvCxnSpPr>
+                <p:nvPr/>
+              </p:nvCxnSpPr>
+              <p:spPr>
+                <a:xfrm>
+                  <a:off x="9707534" y="3429000"/>
+                  <a:ext cx="720000" cy="0"/>
+                </a:xfrm>
+                <a:prstGeom prst="line">
+                  <a:avLst/>
+                </a:prstGeom>
+                <a:ln w="12700">
+                  <a:solidFill>
+                    <a:schemeClr val="accent2"/>
+                  </a:solidFill>
+                  <a:tailEnd type="stealth" w="med" len="lg"/>
+                </a:ln>
+              </p:spPr>
+              <p:style>
+                <a:lnRef idx="2">
+                  <a:schemeClr val="accent1"/>
+                </a:lnRef>
+                <a:fillRef idx="0">
+                  <a:schemeClr val="accent1"/>
+                </a:fillRef>
+                <a:effectRef idx="1">
+                  <a:schemeClr val="accent1"/>
+                </a:effectRef>
+                <a:fontRef idx="minor">
+                  <a:schemeClr val="tx1"/>
+                </a:fontRef>
+              </p:style>
+            </p:cxnSp>
+          </p:grpSp>
+          <mc:AlternateContent xmlns:mc="http://schemas.openxmlformats.org/markup-compatibility/2006">
+            <mc:Choice xmlns:a14="http://schemas.microsoft.com/office/drawing/2010/main" Requires="a14">
+              <p:sp>
+                <p:nvSpPr>
+                  <p:cNvPr id="33" name="ZoneTexte 32">
+                    <a:extLst>
+                      <a:ext uri="{FF2B5EF4-FFF2-40B4-BE49-F238E27FC236}">
+                        <a16:creationId xmlns:a16="http://schemas.microsoft.com/office/drawing/2014/main" id="{7D74DBE7-5FA1-710D-7492-DF7672A5B336}"/>
+                      </a:ext>
+                    </a:extLst>
+                  </p:cNvPr>
+                  <p:cNvSpPr txBox="1"/>
+                  <p:nvPr/>
+                </p:nvSpPr>
+                <p:spPr>
+                  <a:xfrm>
+                    <a:off x="10441908" y="3344361"/>
+                    <a:ext cx="159466" cy="169277"/>
+                  </a:xfrm>
+                  <a:prstGeom prst="rect">
+                    <a:avLst/>
+                  </a:prstGeom>
+                  <a:noFill/>
+                </p:spPr>
+                <p:txBody>
+                  <a:bodyPr wrap="none" lIns="0" tIns="0" rIns="0" bIns="0" rtlCol="0">
+                    <a:spAutoFit/>
+                  </a:bodyPr>
+                  <a:lstStyle/>
+                  <a:p>
+                    <a:pPr/>
+                    <a14:m>
+                      <m:oMathPara xmlns:m="http://schemas.openxmlformats.org/officeDocument/2006/math">
+                        <m:oMathParaPr>
+                          <m:jc m:val="centerGroup"/>
+                        </m:oMathParaPr>
+                        <m:oMath xmlns:m="http://schemas.openxmlformats.org/officeDocument/2006/math">
+                          <m:acc>
+                            <m:accPr>
+                              <m:chr m:val="⃗"/>
+                              <m:ctrlPr>
+                                <a:rPr lang="fr-FR" sz="1100" b="0" i="1" smtClean="0">
+                                  <a:latin typeface="Cambria Math" panose="02040503050406030204" pitchFamily="18" charset="0"/>
+                                </a:rPr>
+                              </m:ctrlPr>
+                            </m:accPr>
+                            <m:e>
+                              <m:sSub>
+                                <m:sSubPr>
+                                  <m:ctrlPr>
+                                    <a:rPr lang="fr-FR" sz="1100" b="0" i="1" smtClean="0">
+                                      <a:latin typeface="Cambria Math" panose="02040503050406030204" pitchFamily="18" charset="0"/>
+                                    </a:rPr>
+                                  </m:ctrlPr>
+                                </m:sSubPr>
+                                <m:e>
+                                  <m:r>
+                                    <a:rPr lang="fr-FR" sz="1100" b="0" i="1" smtClean="0">
+                                      <a:latin typeface="Cambria Math" panose="02040503050406030204" pitchFamily="18" charset="0"/>
+                                    </a:rPr>
+                                    <m:t>𝑧</m:t>
+                                  </m:r>
+                                </m:e>
+                                <m:sub>
+                                  <m:r>
+                                    <a:rPr lang="fr-FR" sz="1100" b="0" i="1" smtClean="0">
+                                      <a:latin typeface="Cambria Math" panose="02040503050406030204" pitchFamily="18" charset="0"/>
+                                    </a:rPr>
+                                    <m:t>3</m:t>
+                                  </m:r>
+                                </m:sub>
+                              </m:sSub>
+                            </m:e>
+                          </m:acc>
+                        </m:oMath>
+                      </m:oMathPara>
+                    </a14:m>
+                    <a:endParaRPr lang="fr-FR" sz="1100" dirty="0"/>
+                  </a:p>
+                </p:txBody>
+              </p:sp>
+            </mc:Choice>
+            <mc:Fallback>
+              <p:sp>
+                <p:nvSpPr>
+                  <p:cNvPr id="33" name="ZoneTexte 32">
+                    <a:extLst>
+                      <a:ext uri="{FF2B5EF4-FFF2-40B4-BE49-F238E27FC236}">
+                        <a16:creationId xmlns:a16="http://schemas.microsoft.com/office/drawing/2014/main" id="{7D74DBE7-5FA1-710D-7492-DF7672A5B336}"/>
+                      </a:ext>
+                    </a:extLst>
+                  </p:cNvPr>
+                  <p:cNvSpPr txBox="1">
+                    <a:spLocks noRot="1" noChangeAspect="1" noMove="1" noResize="1" noEditPoints="1" noAdjustHandles="1" noChangeArrowheads="1" noChangeShapeType="1" noTextEdit="1"/>
+                  </p:cNvSpPr>
+                  <p:nvPr/>
+                </p:nvSpPr>
+                <p:spPr>
+                  <a:xfrm>
+                    <a:off x="10441908" y="3344361"/>
+                    <a:ext cx="159466" cy="169277"/>
+                  </a:xfrm>
+                  <a:prstGeom prst="rect">
+                    <a:avLst/>
+                  </a:prstGeom>
+                  <a:blipFill>
+                    <a:blip r:embed="rId3"/>
+                    <a:stretch>
+                      <a:fillRect l="-15385" r="-7692" b="-14286"/>
+                    </a:stretch>
+                  </a:blipFill>
+                </p:spPr>
+                <p:txBody>
+                  <a:bodyPr/>
+                  <a:lstStyle/>
+                  <a:p>
+                    <a:r>
+                      <a:rPr lang="fr-FR">
+                        <a:noFill/>
+                      </a:rPr>
+                      <a:t> </a:t>
+                    </a:r>
+                  </a:p>
+                </p:txBody>
+              </p:sp>
+            </mc:Fallback>
+          </mc:AlternateContent>
+          <p:grpSp>
+            <p:nvGrpSpPr>
+              <p:cNvPr id="41" name="Groupe 40">
+                <a:extLst>
+                  <a:ext uri="{FF2B5EF4-FFF2-40B4-BE49-F238E27FC236}">
+                    <a16:creationId xmlns:a16="http://schemas.microsoft.com/office/drawing/2014/main" id="{9F494787-CD9B-A90D-A0AA-94B14199CF29}"/>
+                  </a:ext>
+                </a:extLst>
+              </p:cNvPr>
+              <p:cNvGrpSpPr/>
+              <p:nvPr/>
+            </p:nvGrpSpPr>
+            <p:grpSpPr>
+              <a:xfrm>
+                <a:off x="9707534" y="2709000"/>
+                <a:ext cx="720000" cy="720000"/>
+                <a:chOff x="9707534" y="2709000"/>
+                <a:chExt cx="720000" cy="720000"/>
+              </a:xfrm>
+            </p:grpSpPr>
+            <p:cxnSp>
+              <p:nvCxnSpPr>
+                <p:cNvPr id="35" name="Connecteur droit 34">
+                  <a:extLst>
+                    <a:ext uri="{FF2B5EF4-FFF2-40B4-BE49-F238E27FC236}">
+                      <a16:creationId xmlns:a16="http://schemas.microsoft.com/office/drawing/2014/main" id="{C9A99333-5791-C958-3844-CAD85817C420}"/>
+                    </a:ext>
+                  </a:extLst>
+                </p:cNvPr>
+                <p:cNvCxnSpPr>
+                  <a:cxnSpLocks/>
+                </p:cNvCxnSpPr>
+                <p:nvPr/>
+              </p:nvCxnSpPr>
+              <p:spPr>
+                <a:xfrm flipV="1">
+                  <a:off x="9707534" y="2709000"/>
+                  <a:ext cx="0" cy="720000"/>
+                </a:xfrm>
+                <a:prstGeom prst="line">
+                  <a:avLst/>
+                </a:prstGeom>
+                <a:ln w="12700">
+                  <a:solidFill>
+                    <a:schemeClr val="accent5"/>
+                  </a:solidFill>
+                  <a:tailEnd type="stealth" w="med" len="lg"/>
+                </a:ln>
+              </p:spPr>
+              <p:style>
+                <a:lnRef idx="2">
+                  <a:schemeClr val="accent1"/>
+                </a:lnRef>
+                <a:fillRef idx="0">
+                  <a:schemeClr val="accent1"/>
+                </a:fillRef>
+                <a:effectRef idx="1">
+                  <a:schemeClr val="accent1"/>
+                </a:effectRef>
+                <a:fontRef idx="minor">
+                  <a:schemeClr val="tx1"/>
+                </a:fontRef>
+              </p:style>
+            </p:cxnSp>
+            <p:cxnSp>
+              <p:nvCxnSpPr>
+                <p:cNvPr id="36" name="Connecteur droit 35">
+                  <a:extLst>
+                    <a:ext uri="{FF2B5EF4-FFF2-40B4-BE49-F238E27FC236}">
+                      <a16:creationId xmlns:a16="http://schemas.microsoft.com/office/drawing/2014/main" id="{D57C4B69-88FA-82C2-57C8-A12CB6A5599B}"/>
+                    </a:ext>
+                  </a:extLst>
+                </p:cNvPr>
+                <p:cNvCxnSpPr>
+                  <a:cxnSpLocks/>
+                </p:cNvCxnSpPr>
+                <p:nvPr/>
+              </p:nvCxnSpPr>
+              <p:spPr>
+                <a:xfrm>
+                  <a:off x="9707534" y="3429000"/>
+                  <a:ext cx="720000" cy="0"/>
+                </a:xfrm>
+                <a:prstGeom prst="line">
+                  <a:avLst/>
+                </a:prstGeom>
+                <a:ln w="12700">
+                  <a:solidFill>
+                    <a:schemeClr val="accent5"/>
+                  </a:solidFill>
+                  <a:tailEnd type="stealth" w="med" len="lg"/>
+                </a:ln>
+              </p:spPr>
+              <p:style>
+                <a:lnRef idx="2">
+                  <a:schemeClr val="accent1"/>
+                </a:lnRef>
+                <a:fillRef idx="0">
+                  <a:schemeClr val="accent1"/>
+                </a:fillRef>
+                <a:effectRef idx="1">
+                  <a:schemeClr val="accent1"/>
+                </a:effectRef>
+                <a:fontRef idx="minor">
+                  <a:schemeClr val="tx1"/>
+                </a:fontRef>
+              </p:style>
+            </p:cxnSp>
+          </p:grpSp>
+          <p:sp>
+            <p:nvSpPr>
+              <p:cNvPr id="39" name="Ellipse 38">
+                <a:extLst>
+                  <a:ext uri="{FF2B5EF4-FFF2-40B4-BE49-F238E27FC236}">
+                    <a16:creationId xmlns:a16="http://schemas.microsoft.com/office/drawing/2014/main" id="{BAB873E0-D191-AA87-797E-3CD35CE8D513}"/>
+                  </a:ext>
+                </a:extLst>
+              </p:cNvPr>
+              <p:cNvSpPr/>
+              <p:nvPr/>
+            </p:nvSpPr>
+            <p:spPr>
+              <a:xfrm>
+                <a:off x="9655875" y="3375001"/>
+                <a:ext cx="108000" cy="108000"/>
+              </a:xfrm>
+              <a:prstGeom prst="ellipse">
+                <a:avLst/>
+              </a:prstGeom>
+              <a:solidFill>
+                <a:schemeClr val="bg1"/>
+              </a:solidFill>
+              <a:ln w="19050">
+                <a:solidFill>
+                  <a:schemeClr val="accent5"/>
+                </a:solidFill>
+              </a:ln>
+            </p:spPr>
+            <p:style>
+              <a:lnRef idx="2">
+                <a:schemeClr val="accent1"/>
+              </a:lnRef>
+              <a:fillRef idx="0">
+                <a:schemeClr val="accent1"/>
+              </a:fillRef>
+              <a:effectRef idx="1">
+                <a:schemeClr val="accent1"/>
+              </a:effectRef>
+              <a:fontRef idx="minor">
+                <a:schemeClr val="tx1"/>
+              </a:fontRef>
+            </p:style>
+            <p:txBody>
+              <a:bodyPr lIns="0" rIns="0" rtlCol="0" anchor="ctr"/>
+              <a:lstStyle/>
+              <a:p>
+                <a:pPr algn="ctr"/>
+                <a:endParaRPr lang="fr-FR" sz="1200" b="1" dirty="0">
+                  <a:solidFill>
+                    <a:schemeClr val="accent5"/>
+                  </a:solidFill>
+                </a:endParaRPr>
+              </a:p>
+            </p:txBody>
+          </p:sp>
+          <p:sp>
+            <p:nvSpPr>
+              <p:cNvPr id="40" name="Ellipse 39">
+                <a:extLst>
+                  <a:ext uri="{FF2B5EF4-FFF2-40B4-BE49-F238E27FC236}">
+                    <a16:creationId xmlns:a16="http://schemas.microsoft.com/office/drawing/2014/main" id="{79EDDA1D-10C3-3E7D-7AB3-FA8BECEE08D1}"/>
+                  </a:ext>
+                </a:extLst>
+              </p:cNvPr>
+              <p:cNvSpPr/>
+              <p:nvPr/>
+            </p:nvSpPr>
+            <p:spPr>
+              <a:xfrm>
+                <a:off x="9693160" y="3411000"/>
+                <a:ext cx="36000" cy="36000"/>
+              </a:xfrm>
+              <a:prstGeom prst="ellipse">
+                <a:avLst/>
+              </a:prstGeom>
+              <a:solidFill>
+                <a:schemeClr val="accent5"/>
+              </a:solidFill>
+              <a:ln w="19050">
+                <a:solidFill>
+                  <a:schemeClr val="accent5"/>
+                </a:solidFill>
+              </a:ln>
+            </p:spPr>
+            <p:style>
+              <a:lnRef idx="2">
+                <a:schemeClr val="accent1"/>
+              </a:lnRef>
+              <a:fillRef idx="0">
+                <a:schemeClr val="accent1"/>
+              </a:fillRef>
+              <a:effectRef idx="1">
+                <a:schemeClr val="accent1"/>
+              </a:effectRef>
+              <a:fontRef idx="minor">
+                <a:schemeClr val="tx1"/>
+              </a:fontRef>
+            </p:style>
+            <p:txBody>
+              <a:bodyPr lIns="0" rIns="0" rtlCol="0" anchor="ctr"/>
+              <a:lstStyle/>
+              <a:p>
+                <a:pPr algn="ctr"/>
+                <a:endParaRPr lang="fr-FR" sz="1200" b="1" dirty="0">
+                  <a:solidFill>
+                    <a:schemeClr val="accent5"/>
+                  </a:solidFill>
+                </a:endParaRPr>
+              </a:p>
+            </p:txBody>
+          </p:sp>
+          <mc:AlternateContent xmlns:mc="http://schemas.openxmlformats.org/markup-compatibility/2006">
+            <mc:Choice xmlns:a14="http://schemas.microsoft.com/office/drawing/2010/main" Requires="a14">
+              <p:sp>
+                <p:nvSpPr>
+                  <p:cNvPr id="45" name="ZoneTexte 44">
+                    <a:extLst>
+                      <a:ext uri="{FF2B5EF4-FFF2-40B4-BE49-F238E27FC236}">
+                        <a16:creationId xmlns:a16="http://schemas.microsoft.com/office/drawing/2014/main" id="{739DD7E9-80B5-3202-63C6-E5240A2B4A2C}"/>
+                      </a:ext>
+                    </a:extLst>
+                  </p:cNvPr>
+                  <p:cNvSpPr txBox="1"/>
+                  <p:nvPr/>
+                </p:nvSpPr>
+                <p:spPr>
+                  <a:xfrm>
+                    <a:off x="9634593" y="2504259"/>
+                    <a:ext cx="167995" cy="169277"/>
+                  </a:xfrm>
+                  <a:prstGeom prst="rect">
+                    <a:avLst/>
+                  </a:prstGeom>
+                  <a:noFill/>
+                </p:spPr>
+                <p:txBody>
+                  <a:bodyPr wrap="none" lIns="0" tIns="0" rIns="0" bIns="0" rtlCol="0">
+                    <a:spAutoFit/>
+                  </a:bodyPr>
+                  <a:lstStyle/>
+                  <a:p>
+                    <a:pPr/>
+                    <a14:m>
+                      <m:oMathPara xmlns:m="http://schemas.openxmlformats.org/officeDocument/2006/math">
+                        <m:oMathParaPr>
+                          <m:jc m:val="centerGroup"/>
+                        </m:oMathParaPr>
+                        <m:oMath xmlns:m="http://schemas.openxmlformats.org/officeDocument/2006/math">
+                          <m:acc>
+                            <m:accPr>
+                              <m:chr m:val="⃗"/>
+                              <m:ctrlPr>
+                                <a:rPr lang="fr-FR" sz="1100" b="0" i="1" smtClean="0">
+                                  <a:latin typeface="Cambria Math" panose="02040503050406030204" pitchFamily="18" charset="0"/>
+                                </a:rPr>
+                              </m:ctrlPr>
+                            </m:accPr>
+                            <m:e>
+                              <m:sSub>
+                                <m:sSubPr>
+                                  <m:ctrlPr>
+                                    <a:rPr lang="fr-FR" sz="1100" b="0" i="1" smtClean="0">
+                                      <a:latin typeface="Cambria Math" panose="02040503050406030204" pitchFamily="18" charset="0"/>
+                                    </a:rPr>
+                                  </m:ctrlPr>
+                                </m:sSubPr>
+                                <m:e>
+                                  <m:r>
+                                    <a:rPr lang="fr-FR" sz="1100" b="0" i="1" smtClean="0">
+                                      <a:latin typeface="Cambria Math" panose="02040503050406030204" pitchFamily="18" charset="0"/>
+                                    </a:rPr>
+                                    <m:t>𝑥</m:t>
+                                  </m:r>
+                                </m:e>
+                                <m:sub>
+                                  <m:r>
+                                    <a:rPr lang="fr-FR" sz="1100" b="0" i="1" smtClean="0">
+                                      <a:latin typeface="Cambria Math" panose="02040503050406030204" pitchFamily="18" charset="0"/>
+                                    </a:rPr>
+                                    <m:t>3</m:t>
+                                  </m:r>
+                                </m:sub>
+                              </m:sSub>
+                            </m:e>
+                          </m:acc>
+                        </m:oMath>
+                      </m:oMathPara>
+                    </a14:m>
+                    <a:endParaRPr lang="fr-FR" sz="1100" dirty="0"/>
+                  </a:p>
+                </p:txBody>
+              </p:sp>
+            </mc:Choice>
+            <mc:Fallback>
+              <p:sp>
+                <p:nvSpPr>
+                  <p:cNvPr id="45" name="ZoneTexte 44">
+                    <a:extLst>
+                      <a:ext uri="{FF2B5EF4-FFF2-40B4-BE49-F238E27FC236}">
+                        <a16:creationId xmlns:a16="http://schemas.microsoft.com/office/drawing/2014/main" id="{739DD7E9-80B5-3202-63C6-E5240A2B4A2C}"/>
+                      </a:ext>
+                    </a:extLst>
+                  </p:cNvPr>
+                  <p:cNvSpPr txBox="1">
+                    <a:spLocks noRot="1" noChangeAspect="1" noMove="1" noResize="1" noEditPoints="1" noAdjustHandles="1" noChangeArrowheads="1" noChangeShapeType="1" noTextEdit="1"/>
+                  </p:cNvSpPr>
+                  <p:nvPr/>
+                </p:nvSpPr>
+                <p:spPr>
+                  <a:xfrm>
+                    <a:off x="9634593" y="2504259"/>
+                    <a:ext cx="167995" cy="169277"/>
+                  </a:xfrm>
+                  <a:prstGeom prst="rect">
+                    <a:avLst/>
+                  </a:prstGeom>
+                  <a:blipFill>
+                    <a:blip r:embed="rId4"/>
+                    <a:stretch>
+                      <a:fillRect l="-14815" r="-11111" b="-14286"/>
+                    </a:stretch>
+                  </a:blipFill>
+                </p:spPr>
+                <p:txBody>
+                  <a:bodyPr/>
+                  <a:lstStyle/>
+                  <a:p>
+                    <a:r>
+                      <a:rPr lang="fr-FR">
+                        <a:noFill/>
+                      </a:rPr>
+                      <a:t> </a:t>
+                    </a:r>
+                  </a:p>
+                </p:txBody>
+              </p:sp>
+            </mc:Fallback>
+          </mc:AlternateContent>
+          <mc:AlternateContent xmlns:mc="http://schemas.openxmlformats.org/markup-compatibility/2006">
+            <mc:Choice xmlns:a14="http://schemas.microsoft.com/office/drawing/2010/main" Requires="a14">
+              <p:sp>
+                <p:nvSpPr>
+                  <p:cNvPr id="46" name="ZoneTexte 45">
+                    <a:extLst>
+                      <a:ext uri="{FF2B5EF4-FFF2-40B4-BE49-F238E27FC236}">
+                        <a16:creationId xmlns:a16="http://schemas.microsoft.com/office/drawing/2014/main" id="{085339AB-BB0B-3F0C-F3AB-E8A77F8E2516}"/>
+                      </a:ext>
+                    </a:extLst>
+                  </p:cNvPr>
+                  <p:cNvSpPr txBox="1"/>
+                  <p:nvPr/>
+                </p:nvSpPr>
+                <p:spPr>
+                  <a:xfrm>
+                    <a:off x="9429712" y="2555256"/>
+                    <a:ext cx="167995" cy="169277"/>
+                  </a:xfrm>
+                  <a:prstGeom prst="rect">
+                    <a:avLst/>
+                  </a:prstGeom>
+                  <a:noFill/>
+                </p:spPr>
+                <p:txBody>
+                  <a:bodyPr wrap="none" lIns="0" tIns="0" rIns="0" bIns="0" rtlCol="0">
+                    <a:spAutoFit/>
+                  </a:bodyPr>
+                  <a:lstStyle/>
+                  <a:p>
+                    <a:pPr/>
+                    <a14:m>
+                      <m:oMathPara xmlns:m="http://schemas.openxmlformats.org/officeDocument/2006/math">
+                        <m:oMathParaPr>
+                          <m:jc m:val="centerGroup"/>
+                        </m:oMathParaPr>
+                        <m:oMath xmlns:m="http://schemas.openxmlformats.org/officeDocument/2006/math">
+                          <m:acc>
+                            <m:accPr>
+                              <m:chr m:val="⃗"/>
+                              <m:ctrlPr>
+                                <a:rPr lang="fr-FR" sz="1100" b="0" i="1" smtClean="0">
+                                  <a:latin typeface="Cambria Math" panose="02040503050406030204" pitchFamily="18" charset="0"/>
+                                </a:rPr>
+                              </m:ctrlPr>
+                            </m:accPr>
+                            <m:e>
+                              <m:sSub>
+                                <m:sSubPr>
+                                  <m:ctrlPr>
+                                    <a:rPr lang="fr-FR" sz="1100" b="0" i="1" smtClean="0">
+                                      <a:latin typeface="Cambria Math" panose="02040503050406030204" pitchFamily="18" charset="0"/>
+                                    </a:rPr>
+                                  </m:ctrlPr>
+                                </m:sSubPr>
+                                <m:e>
+                                  <m:r>
+                                    <a:rPr lang="fr-FR" sz="1100" b="0" i="1" smtClean="0">
+                                      <a:latin typeface="Cambria Math" panose="02040503050406030204" pitchFamily="18" charset="0"/>
+                                    </a:rPr>
+                                    <m:t>𝑥</m:t>
+                                  </m:r>
+                                </m:e>
+                                <m:sub>
+                                  <m:r>
+                                    <a:rPr lang="fr-FR" sz="1100" b="0" i="1" smtClean="0">
+                                      <a:latin typeface="Cambria Math" panose="02040503050406030204" pitchFamily="18" charset="0"/>
+                                    </a:rPr>
+                                    <m:t>7</m:t>
+                                  </m:r>
+                                </m:sub>
+                              </m:sSub>
+                            </m:e>
+                          </m:acc>
+                        </m:oMath>
+                      </m:oMathPara>
+                    </a14:m>
+                    <a:endParaRPr lang="fr-FR" sz="1100" dirty="0"/>
+                  </a:p>
+                </p:txBody>
+              </p:sp>
+            </mc:Choice>
+            <mc:Fallback>
+              <p:sp>
+                <p:nvSpPr>
+                  <p:cNvPr id="46" name="ZoneTexte 45">
+                    <a:extLst>
+                      <a:ext uri="{FF2B5EF4-FFF2-40B4-BE49-F238E27FC236}">
+                        <a16:creationId xmlns:a16="http://schemas.microsoft.com/office/drawing/2014/main" id="{085339AB-BB0B-3F0C-F3AB-E8A77F8E2516}"/>
+                      </a:ext>
+                    </a:extLst>
+                  </p:cNvPr>
+                  <p:cNvSpPr txBox="1">
+                    <a:spLocks noRot="1" noChangeAspect="1" noMove="1" noResize="1" noEditPoints="1" noAdjustHandles="1" noChangeArrowheads="1" noChangeShapeType="1" noTextEdit="1"/>
+                  </p:cNvSpPr>
+                  <p:nvPr/>
+                </p:nvSpPr>
+                <p:spPr>
+                  <a:xfrm>
+                    <a:off x="9429712" y="2555256"/>
+                    <a:ext cx="167995" cy="169277"/>
+                  </a:xfrm>
+                  <a:prstGeom prst="rect">
+                    <a:avLst/>
+                  </a:prstGeom>
+                  <a:blipFill>
+                    <a:blip r:embed="rId5"/>
+                    <a:stretch>
+                      <a:fillRect l="-14286" r="-7143" b="-14286"/>
+                    </a:stretch>
+                  </a:blipFill>
+                </p:spPr>
+                <p:txBody>
+                  <a:bodyPr/>
+                  <a:lstStyle/>
+                  <a:p>
+                    <a:r>
+                      <a:rPr lang="fr-FR">
+                        <a:noFill/>
+                      </a:rPr>
+                      <a:t> </a:t>
+                    </a:r>
+                  </a:p>
+                </p:txBody>
+              </p:sp>
+            </mc:Fallback>
+          </mc:AlternateContent>
+          <mc:AlternateContent xmlns:mc="http://schemas.openxmlformats.org/markup-compatibility/2006">
+            <mc:Choice xmlns:a14="http://schemas.microsoft.com/office/drawing/2010/main" Requires="a14">
+              <p:sp>
+                <p:nvSpPr>
+                  <p:cNvPr id="47" name="ZoneTexte 46">
+                    <a:extLst>
+                      <a:ext uri="{FF2B5EF4-FFF2-40B4-BE49-F238E27FC236}">
+                        <a16:creationId xmlns:a16="http://schemas.microsoft.com/office/drawing/2014/main" id="{3868D2DE-5B1F-8D4B-7685-06C49AD279CB}"/>
+                      </a:ext>
+                    </a:extLst>
+                  </p:cNvPr>
+                  <p:cNvSpPr txBox="1"/>
+                  <p:nvPr/>
+                </p:nvSpPr>
+                <p:spPr>
+                  <a:xfrm>
+                    <a:off x="10362175" y="3059873"/>
+                    <a:ext cx="159466" cy="169277"/>
+                  </a:xfrm>
+                  <a:prstGeom prst="rect">
+                    <a:avLst/>
+                  </a:prstGeom>
+                  <a:noFill/>
+                </p:spPr>
+                <p:txBody>
+                  <a:bodyPr wrap="none" lIns="0" tIns="0" rIns="0" bIns="0" rtlCol="0">
+                    <a:spAutoFit/>
+                  </a:bodyPr>
+                  <a:lstStyle/>
+                  <a:p>
+                    <a:pPr/>
+                    <a14:m>
+                      <m:oMathPara xmlns:m="http://schemas.openxmlformats.org/officeDocument/2006/math">
+                        <m:oMathParaPr>
+                          <m:jc m:val="centerGroup"/>
+                        </m:oMathParaPr>
+                        <m:oMath xmlns:m="http://schemas.openxmlformats.org/officeDocument/2006/math">
+                          <m:acc>
+                            <m:accPr>
+                              <m:chr m:val="⃗"/>
+                              <m:ctrlPr>
+                                <a:rPr lang="fr-FR" sz="1100" b="0" i="1" smtClean="0">
+                                  <a:latin typeface="Cambria Math" panose="02040503050406030204" pitchFamily="18" charset="0"/>
+                                </a:rPr>
+                              </m:ctrlPr>
+                            </m:accPr>
+                            <m:e>
+                              <m:sSub>
+                                <m:sSubPr>
+                                  <m:ctrlPr>
+                                    <a:rPr lang="fr-FR" sz="1100" b="0" i="1" smtClean="0">
+                                      <a:latin typeface="Cambria Math" panose="02040503050406030204" pitchFamily="18" charset="0"/>
+                                    </a:rPr>
+                                  </m:ctrlPr>
+                                </m:sSubPr>
+                                <m:e>
+                                  <m:r>
+                                    <a:rPr lang="fr-FR" sz="1100" b="0" i="1" smtClean="0">
+                                      <a:latin typeface="Cambria Math" panose="02040503050406030204" pitchFamily="18" charset="0"/>
+                                    </a:rPr>
+                                    <m:t>𝑧</m:t>
+                                  </m:r>
+                                </m:e>
+                                <m:sub>
+                                  <m:r>
+                                    <a:rPr lang="fr-FR" sz="1100" b="0" i="1" smtClean="0">
+                                      <a:latin typeface="Cambria Math" panose="02040503050406030204" pitchFamily="18" charset="0"/>
+                                    </a:rPr>
+                                    <m:t>7</m:t>
+                                  </m:r>
+                                </m:sub>
+                              </m:sSub>
+                            </m:e>
+                          </m:acc>
+                        </m:oMath>
+                      </m:oMathPara>
+                    </a14:m>
+                    <a:endParaRPr lang="fr-FR" sz="1100" dirty="0"/>
+                  </a:p>
+                </p:txBody>
+              </p:sp>
+            </mc:Choice>
+            <mc:Fallback>
+              <p:sp>
+                <p:nvSpPr>
+                  <p:cNvPr id="47" name="ZoneTexte 46">
+                    <a:extLst>
+                      <a:ext uri="{FF2B5EF4-FFF2-40B4-BE49-F238E27FC236}">
+                        <a16:creationId xmlns:a16="http://schemas.microsoft.com/office/drawing/2014/main" id="{3868D2DE-5B1F-8D4B-7685-06C49AD279CB}"/>
+                      </a:ext>
+                    </a:extLst>
+                  </p:cNvPr>
+                  <p:cNvSpPr txBox="1">
+                    <a:spLocks noRot="1" noChangeAspect="1" noMove="1" noResize="1" noEditPoints="1" noAdjustHandles="1" noChangeArrowheads="1" noChangeShapeType="1" noTextEdit="1"/>
+                  </p:cNvSpPr>
+                  <p:nvPr/>
+                </p:nvSpPr>
+                <p:spPr>
+                  <a:xfrm>
+                    <a:off x="10362175" y="3059873"/>
+                    <a:ext cx="159466" cy="169277"/>
+                  </a:xfrm>
+                  <a:prstGeom prst="rect">
+                    <a:avLst/>
+                  </a:prstGeom>
+                  <a:blipFill>
+                    <a:blip r:embed="rId6"/>
+                    <a:stretch>
+                      <a:fillRect l="-15385" r="-7692" b="-18519"/>
+                    </a:stretch>
+                  </a:blipFill>
+                </p:spPr>
+                <p:txBody>
+                  <a:bodyPr/>
+                  <a:lstStyle/>
+                  <a:p>
+                    <a:r>
+                      <a:rPr lang="fr-FR">
+                        <a:noFill/>
+                      </a:rPr>
+                      <a:t> </a:t>
+                    </a:r>
+                  </a:p>
+                </p:txBody>
+              </p:sp>
+            </mc:Fallback>
+          </mc:AlternateContent>
+          <mc:AlternateContent xmlns:mc="http://schemas.openxmlformats.org/markup-compatibility/2006">
+            <mc:Choice xmlns:a14="http://schemas.microsoft.com/office/drawing/2010/main" Requires="a14">
+              <p:sp>
+                <p:nvSpPr>
+                  <p:cNvPr id="49" name="ZoneTexte 48">
+                    <a:extLst>
+                      <a:ext uri="{FF2B5EF4-FFF2-40B4-BE49-F238E27FC236}">
+                        <a16:creationId xmlns:a16="http://schemas.microsoft.com/office/drawing/2014/main" id="{D8D76FC2-841E-DF09-80F6-7164CF56EA4D}"/>
+                      </a:ext>
+                    </a:extLst>
+                  </p:cNvPr>
+                  <p:cNvSpPr txBox="1"/>
+                  <p:nvPr/>
+                </p:nvSpPr>
+                <p:spPr>
+                  <a:xfrm>
+                    <a:off x="10166904" y="3059873"/>
+                    <a:ext cx="106375" cy="169277"/>
+                  </a:xfrm>
+                  <a:prstGeom prst="rect">
+                    <a:avLst/>
+                  </a:prstGeom>
+                  <a:noFill/>
+                </p:spPr>
+                <p:txBody>
+                  <a:bodyPr wrap="none" lIns="0" tIns="0" rIns="0" bIns="0" rtlCol="0">
+                    <a:spAutoFit/>
+                  </a:bodyPr>
+                  <a:lstStyle/>
+                  <a:p>
+                    <a:pPr/>
+                    <a14:m>
+                      <m:oMathPara xmlns:m="http://schemas.openxmlformats.org/officeDocument/2006/math">
+                        <m:oMathParaPr>
+                          <m:jc m:val="centerGroup"/>
+                        </m:oMathParaPr>
+                        <m:oMath xmlns:m="http://schemas.openxmlformats.org/officeDocument/2006/math">
+                          <m:r>
+                            <a:rPr lang="fr-FR" sz="1100" b="0" i="1" smtClean="0">
+                              <a:latin typeface="Cambria Math" panose="02040503050406030204" pitchFamily="18" charset="0"/>
+                            </a:rPr>
+                            <m:t>𝛾</m:t>
+                          </m:r>
+                        </m:oMath>
+                      </m:oMathPara>
+                    </a14:m>
+                    <a:endParaRPr lang="fr-FR" sz="1100" dirty="0"/>
+                  </a:p>
+                </p:txBody>
+              </p:sp>
+            </mc:Choice>
+            <mc:Fallback>
+              <p:sp>
+                <p:nvSpPr>
+                  <p:cNvPr id="49" name="ZoneTexte 48">
+                    <a:extLst>
+                      <a:ext uri="{FF2B5EF4-FFF2-40B4-BE49-F238E27FC236}">
+                        <a16:creationId xmlns:a16="http://schemas.microsoft.com/office/drawing/2014/main" id="{D8D76FC2-841E-DF09-80F6-7164CF56EA4D}"/>
+                      </a:ext>
+                    </a:extLst>
+                  </p:cNvPr>
+                  <p:cNvSpPr txBox="1">
+                    <a:spLocks noRot="1" noChangeAspect="1" noMove="1" noResize="1" noEditPoints="1" noAdjustHandles="1" noChangeArrowheads="1" noChangeShapeType="1" noTextEdit="1"/>
+                  </p:cNvSpPr>
+                  <p:nvPr/>
+                </p:nvSpPr>
+                <p:spPr>
+                  <a:xfrm>
+                    <a:off x="10166904" y="3059873"/>
+                    <a:ext cx="106375" cy="169277"/>
+                  </a:xfrm>
+                  <a:prstGeom prst="rect">
+                    <a:avLst/>
+                  </a:prstGeom>
+                  <a:blipFill>
+                    <a:blip r:embed="rId7"/>
+                    <a:stretch>
+                      <a:fillRect l="-33333" r="-22222" b="-22222"/>
+                    </a:stretch>
+                  </a:blipFill>
+                </p:spPr>
+                <p:txBody>
+                  <a:bodyPr/>
+                  <a:lstStyle/>
+                  <a:p>
+                    <a:r>
+                      <a:rPr lang="fr-FR">
+                        <a:noFill/>
+                      </a:rPr>
+                      <a:t> </a:t>
+                    </a:r>
+                  </a:p>
+                </p:txBody>
+              </p:sp>
+            </mc:Fallback>
+          </mc:AlternateContent>
+        </p:grpSp>
+        <p:grpSp>
+          <p:nvGrpSpPr>
+            <p:cNvPr id="51" name="Groupe 50">
+              <a:extLst>
+                <a:ext uri="{FF2B5EF4-FFF2-40B4-BE49-F238E27FC236}">
+                  <a16:creationId xmlns:a16="http://schemas.microsoft.com/office/drawing/2014/main" id="{20F10F35-4A71-0E5D-B667-E320DCB44C70}"/>
+                </a:ext>
+              </a:extLst>
+            </p:cNvPr>
+            <p:cNvGrpSpPr/>
+            <p:nvPr/>
+          </p:nvGrpSpPr>
+          <p:grpSpPr>
+            <a:xfrm>
+              <a:off x="9424230" y="3557204"/>
+              <a:ext cx="1171662" cy="1009379"/>
+              <a:chOff x="9429712" y="2504259"/>
+              <a:chExt cx="1171662" cy="1009379"/>
+            </a:xfrm>
+          </p:grpSpPr>
+          <p:grpSp>
+            <p:nvGrpSpPr>
+              <p:cNvPr id="52" name="Groupe 51">
+                <a:extLst>
+                  <a:ext uri="{FF2B5EF4-FFF2-40B4-BE49-F238E27FC236}">
+                    <a16:creationId xmlns:a16="http://schemas.microsoft.com/office/drawing/2014/main" id="{32B2A18D-CDD2-3963-D9A7-F778668CA724}"/>
+                  </a:ext>
+                </a:extLst>
+              </p:cNvPr>
+              <p:cNvGrpSpPr/>
+              <p:nvPr/>
+            </p:nvGrpSpPr>
+            <p:grpSpPr>
+              <a:xfrm rot="20700000">
+                <a:off x="9607576" y="2619092"/>
+                <a:ext cx="720000" cy="720000"/>
+                <a:chOff x="9707534" y="2709000"/>
+                <a:chExt cx="720000" cy="720000"/>
+              </a:xfrm>
+            </p:grpSpPr>
+            <p:cxnSp>
+              <p:nvCxnSpPr>
+                <p:cNvPr id="63" name="Connecteur droit 62">
+                  <a:extLst>
+                    <a:ext uri="{FF2B5EF4-FFF2-40B4-BE49-F238E27FC236}">
+                      <a16:creationId xmlns:a16="http://schemas.microsoft.com/office/drawing/2014/main" id="{6493B4DD-2B3D-7C13-AA4C-770E0092FD9B}"/>
+                    </a:ext>
+                  </a:extLst>
+                </p:cNvPr>
+                <p:cNvCxnSpPr>
+                  <a:cxnSpLocks/>
+                </p:cNvCxnSpPr>
+                <p:nvPr/>
+              </p:nvCxnSpPr>
+              <p:spPr>
+                <a:xfrm flipV="1">
+                  <a:off x="9707534" y="2709000"/>
+                  <a:ext cx="0" cy="720000"/>
+                </a:xfrm>
+                <a:prstGeom prst="line">
+                  <a:avLst/>
+                </a:prstGeom>
+                <a:ln w="12700">
+                  <a:solidFill>
+                    <a:schemeClr val="accent1"/>
+                  </a:solidFill>
+                  <a:tailEnd type="stealth" w="med" len="lg"/>
+                </a:ln>
+              </p:spPr>
+              <p:style>
+                <a:lnRef idx="2">
+                  <a:schemeClr val="accent1"/>
+                </a:lnRef>
+                <a:fillRef idx="0">
+                  <a:schemeClr val="accent1"/>
+                </a:fillRef>
+                <a:effectRef idx="1">
+                  <a:schemeClr val="accent1"/>
+                </a:effectRef>
+                <a:fontRef idx="minor">
+                  <a:schemeClr val="tx1"/>
+                </a:fontRef>
+              </p:style>
+            </p:cxnSp>
+            <p:cxnSp>
+              <p:nvCxnSpPr>
+                <p:cNvPr id="64" name="Connecteur droit 63">
+                  <a:extLst>
+                    <a:ext uri="{FF2B5EF4-FFF2-40B4-BE49-F238E27FC236}">
+                      <a16:creationId xmlns:a16="http://schemas.microsoft.com/office/drawing/2014/main" id="{6A68B265-C05B-F30C-7541-0918A3566FF8}"/>
+                    </a:ext>
+                  </a:extLst>
+                </p:cNvPr>
+                <p:cNvCxnSpPr>
+                  <a:cxnSpLocks/>
+                </p:cNvCxnSpPr>
+                <p:nvPr/>
+              </p:nvCxnSpPr>
+              <p:spPr>
+                <a:xfrm>
+                  <a:off x="9707534" y="3429000"/>
+                  <a:ext cx="720000" cy="0"/>
+                </a:xfrm>
+                <a:prstGeom prst="line">
+                  <a:avLst/>
+                </a:prstGeom>
+                <a:ln w="12700">
+                  <a:solidFill>
+                    <a:schemeClr val="accent1"/>
+                  </a:solidFill>
+                  <a:tailEnd type="stealth" w="med" len="lg"/>
+                </a:ln>
+              </p:spPr>
+              <p:style>
+                <a:lnRef idx="2">
+                  <a:schemeClr val="accent1"/>
+                </a:lnRef>
+                <a:fillRef idx="0">
+                  <a:schemeClr val="accent1"/>
+                </a:fillRef>
+                <a:effectRef idx="1">
+                  <a:schemeClr val="accent1"/>
+                </a:effectRef>
+                <a:fontRef idx="minor">
+                  <a:schemeClr val="tx1"/>
+                </a:fontRef>
+              </p:style>
+            </p:cxnSp>
+          </p:grpSp>
+          <mc:AlternateContent xmlns:mc="http://schemas.openxmlformats.org/markup-compatibility/2006">
+            <mc:Choice xmlns:a14="http://schemas.microsoft.com/office/drawing/2010/main" Requires="a14">
+              <p:sp>
+                <p:nvSpPr>
+                  <p:cNvPr id="53" name="ZoneTexte 52">
+                    <a:extLst>
+                      <a:ext uri="{FF2B5EF4-FFF2-40B4-BE49-F238E27FC236}">
+                        <a16:creationId xmlns:a16="http://schemas.microsoft.com/office/drawing/2014/main" id="{5167BA50-3E77-00DF-F664-64CDB4FA33A5}"/>
+                      </a:ext>
+                    </a:extLst>
+                  </p:cNvPr>
+                  <p:cNvSpPr txBox="1"/>
+                  <p:nvPr/>
+                </p:nvSpPr>
+                <p:spPr>
+                  <a:xfrm>
+                    <a:off x="10441908" y="3344361"/>
+                    <a:ext cx="159466" cy="169277"/>
+                  </a:xfrm>
+                  <a:prstGeom prst="rect">
+                    <a:avLst/>
+                  </a:prstGeom>
+                  <a:noFill/>
+                </p:spPr>
+                <p:txBody>
+                  <a:bodyPr wrap="none" lIns="0" tIns="0" rIns="0" bIns="0" rtlCol="0">
+                    <a:spAutoFit/>
+                  </a:bodyPr>
+                  <a:lstStyle/>
+                  <a:p>
+                    <a:pPr/>
+                    <a14:m>
+                      <m:oMathPara xmlns:m="http://schemas.openxmlformats.org/officeDocument/2006/math">
+                        <m:oMathParaPr>
+                          <m:jc m:val="centerGroup"/>
+                        </m:oMathParaPr>
+                        <m:oMath xmlns:m="http://schemas.openxmlformats.org/officeDocument/2006/math">
+                          <m:acc>
+                            <m:accPr>
+                              <m:chr m:val="⃗"/>
+                              <m:ctrlPr>
+                                <a:rPr lang="fr-FR" sz="1100" b="0" i="1" smtClean="0">
+                                  <a:latin typeface="Cambria Math" panose="02040503050406030204" pitchFamily="18" charset="0"/>
+                                </a:rPr>
+                              </m:ctrlPr>
+                            </m:accPr>
+                            <m:e>
+                              <m:sSub>
+                                <m:sSubPr>
+                                  <m:ctrlPr>
+                                    <a:rPr lang="fr-FR" sz="1100" b="0" i="1" smtClean="0">
+                                      <a:latin typeface="Cambria Math" panose="02040503050406030204" pitchFamily="18" charset="0"/>
+                                    </a:rPr>
+                                  </m:ctrlPr>
+                                </m:sSubPr>
+                                <m:e>
+                                  <m:r>
+                                    <a:rPr lang="fr-FR" sz="1100" b="0" i="1" smtClean="0">
+                                      <a:latin typeface="Cambria Math" panose="02040503050406030204" pitchFamily="18" charset="0"/>
+                                    </a:rPr>
+                                    <m:t>𝑧</m:t>
+                                  </m:r>
+                                </m:e>
+                                <m:sub>
+                                  <m:r>
+                                    <a:rPr lang="fr-FR" sz="1100" b="0" i="1" smtClean="0">
+                                      <a:latin typeface="Cambria Math" panose="02040503050406030204" pitchFamily="18" charset="0"/>
+                                    </a:rPr>
+                                    <m:t>3</m:t>
+                                  </m:r>
+                                </m:sub>
+                              </m:sSub>
+                            </m:e>
+                          </m:acc>
+                        </m:oMath>
+                      </m:oMathPara>
+                    </a14:m>
+                    <a:endParaRPr lang="fr-FR" sz="1100" dirty="0"/>
+                  </a:p>
+                </p:txBody>
+              </p:sp>
+            </mc:Choice>
+            <mc:Fallback>
+              <p:sp>
+                <p:nvSpPr>
+                  <p:cNvPr id="53" name="ZoneTexte 52">
+                    <a:extLst>
+                      <a:ext uri="{FF2B5EF4-FFF2-40B4-BE49-F238E27FC236}">
+                        <a16:creationId xmlns:a16="http://schemas.microsoft.com/office/drawing/2014/main" id="{5167BA50-3E77-00DF-F664-64CDB4FA33A5}"/>
+                      </a:ext>
+                    </a:extLst>
+                  </p:cNvPr>
+                  <p:cNvSpPr txBox="1">
+                    <a:spLocks noRot="1" noChangeAspect="1" noMove="1" noResize="1" noEditPoints="1" noAdjustHandles="1" noChangeArrowheads="1" noChangeShapeType="1" noTextEdit="1"/>
+                  </p:cNvSpPr>
+                  <p:nvPr/>
+                </p:nvSpPr>
+                <p:spPr>
+                  <a:xfrm>
+                    <a:off x="10441908" y="3344361"/>
+                    <a:ext cx="159466" cy="169277"/>
+                  </a:xfrm>
+                  <a:prstGeom prst="rect">
+                    <a:avLst/>
+                  </a:prstGeom>
+                  <a:blipFill>
+                    <a:blip r:embed="rId8"/>
+                    <a:stretch>
+                      <a:fillRect l="-15385" r="-7692" b="-14286"/>
+                    </a:stretch>
+                  </a:blipFill>
+                </p:spPr>
+                <p:txBody>
+                  <a:bodyPr/>
+                  <a:lstStyle/>
+                  <a:p>
+                    <a:r>
+                      <a:rPr lang="fr-FR">
+                        <a:noFill/>
+                      </a:rPr>
+                      <a:t> </a:t>
+                    </a:r>
+                  </a:p>
+                </p:txBody>
+              </p:sp>
+            </mc:Fallback>
+          </mc:AlternateContent>
+          <p:grpSp>
+            <p:nvGrpSpPr>
+              <p:cNvPr id="54" name="Groupe 53">
+                <a:extLst>
+                  <a:ext uri="{FF2B5EF4-FFF2-40B4-BE49-F238E27FC236}">
+                    <a16:creationId xmlns:a16="http://schemas.microsoft.com/office/drawing/2014/main" id="{ECFAC91C-AA9D-4B85-FF9E-0ECF2EE8301D}"/>
+                  </a:ext>
+                </a:extLst>
+              </p:cNvPr>
+              <p:cNvGrpSpPr/>
+              <p:nvPr/>
+            </p:nvGrpSpPr>
+            <p:grpSpPr>
+              <a:xfrm>
+                <a:off x="9707534" y="2709000"/>
+                <a:ext cx="720000" cy="720000"/>
+                <a:chOff x="9707534" y="2709000"/>
+                <a:chExt cx="720000" cy="720000"/>
+              </a:xfrm>
+            </p:grpSpPr>
+            <p:cxnSp>
+              <p:nvCxnSpPr>
+                <p:cNvPr id="61" name="Connecteur droit 60">
+                  <a:extLst>
+                    <a:ext uri="{FF2B5EF4-FFF2-40B4-BE49-F238E27FC236}">
+                      <a16:creationId xmlns:a16="http://schemas.microsoft.com/office/drawing/2014/main" id="{C501A561-B0AD-CB53-AEAD-958F92A7C3FC}"/>
+                    </a:ext>
+                  </a:extLst>
+                </p:cNvPr>
+                <p:cNvCxnSpPr>
+                  <a:cxnSpLocks/>
+                </p:cNvCxnSpPr>
+                <p:nvPr/>
+              </p:nvCxnSpPr>
+              <p:spPr>
+                <a:xfrm flipV="1">
+                  <a:off x="9707534" y="2709000"/>
+                  <a:ext cx="0" cy="720000"/>
+                </a:xfrm>
+                <a:prstGeom prst="line">
+                  <a:avLst/>
+                </a:prstGeom>
+                <a:ln w="12700">
+                  <a:solidFill>
+                    <a:schemeClr val="accent5"/>
+                  </a:solidFill>
+                  <a:tailEnd type="stealth" w="med" len="lg"/>
+                </a:ln>
+              </p:spPr>
+              <p:style>
+                <a:lnRef idx="2">
+                  <a:schemeClr val="accent1"/>
+                </a:lnRef>
+                <a:fillRef idx="0">
+                  <a:schemeClr val="accent1"/>
+                </a:fillRef>
+                <a:effectRef idx="1">
+                  <a:schemeClr val="accent1"/>
+                </a:effectRef>
+                <a:fontRef idx="minor">
+                  <a:schemeClr val="tx1"/>
+                </a:fontRef>
+              </p:style>
+            </p:cxnSp>
+            <p:cxnSp>
+              <p:nvCxnSpPr>
+                <p:cNvPr id="62" name="Connecteur droit 61">
+                  <a:extLst>
+                    <a:ext uri="{FF2B5EF4-FFF2-40B4-BE49-F238E27FC236}">
+                      <a16:creationId xmlns:a16="http://schemas.microsoft.com/office/drawing/2014/main" id="{C5626C72-67B4-1D07-1E87-E55FD788982A}"/>
+                    </a:ext>
+                  </a:extLst>
+                </p:cNvPr>
+                <p:cNvCxnSpPr>
+                  <a:cxnSpLocks/>
+                </p:cNvCxnSpPr>
+                <p:nvPr/>
+              </p:nvCxnSpPr>
+              <p:spPr>
+                <a:xfrm>
+                  <a:off x="9707534" y="3429000"/>
+                  <a:ext cx="720000" cy="0"/>
+                </a:xfrm>
+                <a:prstGeom prst="line">
+                  <a:avLst/>
+                </a:prstGeom>
+                <a:ln w="12700">
+                  <a:solidFill>
+                    <a:schemeClr val="accent5"/>
+                  </a:solidFill>
+                  <a:tailEnd type="stealth" w="med" len="lg"/>
+                </a:ln>
+              </p:spPr>
+              <p:style>
+                <a:lnRef idx="2">
+                  <a:schemeClr val="accent1"/>
+                </a:lnRef>
+                <a:fillRef idx="0">
+                  <a:schemeClr val="accent1"/>
+                </a:fillRef>
+                <a:effectRef idx="1">
+                  <a:schemeClr val="accent1"/>
+                </a:effectRef>
+                <a:fontRef idx="minor">
+                  <a:schemeClr val="tx1"/>
+                </a:fontRef>
+              </p:style>
+            </p:cxnSp>
+          </p:grpSp>
+          <p:sp>
+            <p:nvSpPr>
+              <p:cNvPr id="55" name="Ellipse 54">
+                <a:extLst>
+                  <a:ext uri="{FF2B5EF4-FFF2-40B4-BE49-F238E27FC236}">
+                    <a16:creationId xmlns:a16="http://schemas.microsoft.com/office/drawing/2014/main" id="{91CE25FD-E051-0896-9563-ACEFB30476E6}"/>
+                  </a:ext>
+                </a:extLst>
+              </p:cNvPr>
+              <p:cNvSpPr/>
+              <p:nvPr/>
+            </p:nvSpPr>
+            <p:spPr>
+              <a:xfrm>
+                <a:off x="9655875" y="3375001"/>
+                <a:ext cx="108000" cy="108000"/>
+              </a:xfrm>
+              <a:prstGeom prst="ellipse">
+                <a:avLst/>
+              </a:prstGeom>
+              <a:solidFill>
+                <a:schemeClr val="bg1"/>
+              </a:solidFill>
+              <a:ln w="19050">
+                <a:solidFill>
+                  <a:schemeClr val="accent5"/>
+                </a:solidFill>
+              </a:ln>
+            </p:spPr>
+            <p:style>
+              <a:lnRef idx="2">
+                <a:schemeClr val="accent1"/>
+              </a:lnRef>
+              <a:fillRef idx="0">
+                <a:schemeClr val="accent1"/>
+              </a:fillRef>
+              <a:effectRef idx="1">
+                <a:schemeClr val="accent1"/>
+              </a:effectRef>
+              <a:fontRef idx="minor">
+                <a:schemeClr val="tx1"/>
+              </a:fontRef>
+            </p:style>
+            <p:txBody>
+              <a:bodyPr lIns="0" rIns="0" rtlCol="0" anchor="ctr"/>
+              <a:lstStyle/>
+              <a:p>
+                <a:pPr algn="ctr"/>
+                <a:endParaRPr lang="fr-FR" sz="1200" b="1" dirty="0">
+                  <a:solidFill>
+                    <a:schemeClr val="accent5"/>
+                  </a:solidFill>
+                </a:endParaRPr>
+              </a:p>
+            </p:txBody>
+          </p:sp>
+          <p:sp>
+            <p:nvSpPr>
+              <p:cNvPr id="56" name="Ellipse 55">
+                <a:extLst>
+                  <a:ext uri="{FF2B5EF4-FFF2-40B4-BE49-F238E27FC236}">
+                    <a16:creationId xmlns:a16="http://schemas.microsoft.com/office/drawing/2014/main" id="{9A1FC056-99EC-01B9-5AD7-1BE00AC19C06}"/>
+                  </a:ext>
+                </a:extLst>
+              </p:cNvPr>
+              <p:cNvSpPr/>
+              <p:nvPr/>
+            </p:nvSpPr>
+            <p:spPr>
+              <a:xfrm>
+                <a:off x="9693160" y="3411000"/>
+                <a:ext cx="36000" cy="36000"/>
+              </a:xfrm>
+              <a:prstGeom prst="ellipse">
+                <a:avLst/>
+              </a:prstGeom>
+              <a:solidFill>
+                <a:schemeClr val="accent5"/>
+              </a:solidFill>
+              <a:ln w="19050">
+                <a:solidFill>
+                  <a:schemeClr val="accent5"/>
+                </a:solidFill>
+              </a:ln>
+            </p:spPr>
+            <p:style>
+              <a:lnRef idx="2">
+                <a:schemeClr val="accent1"/>
+              </a:lnRef>
+              <a:fillRef idx="0">
+                <a:schemeClr val="accent1"/>
+              </a:fillRef>
+              <a:effectRef idx="1">
+                <a:schemeClr val="accent1"/>
+              </a:effectRef>
+              <a:fontRef idx="minor">
+                <a:schemeClr val="tx1"/>
+              </a:fontRef>
+            </p:style>
+            <p:txBody>
+              <a:bodyPr lIns="0" rIns="0" rtlCol="0" anchor="ctr"/>
+              <a:lstStyle/>
+              <a:p>
+                <a:pPr algn="ctr"/>
+                <a:endParaRPr lang="fr-FR" sz="1200" b="1" dirty="0">
+                  <a:solidFill>
+                    <a:schemeClr val="accent5"/>
+                  </a:solidFill>
+                </a:endParaRPr>
+              </a:p>
+            </p:txBody>
+          </p:sp>
+          <mc:AlternateContent xmlns:mc="http://schemas.openxmlformats.org/markup-compatibility/2006">
+            <mc:Choice xmlns:a14="http://schemas.microsoft.com/office/drawing/2010/main" Requires="a14">
+              <p:sp>
+                <p:nvSpPr>
+                  <p:cNvPr id="57" name="ZoneTexte 56">
+                    <a:extLst>
+                      <a:ext uri="{FF2B5EF4-FFF2-40B4-BE49-F238E27FC236}">
+                        <a16:creationId xmlns:a16="http://schemas.microsoft.com/office/drawing/2014/main" id="{8C09F5CF-4490-4C72-B217-E96282CA0719}"/>
+                      </a:ext>
+                    </a:extLst>
+                  </p:cNvPr>
+                  <p:cNvSpPr txBox="1"/>
+                  <p:nvPr/>
+                </p:nvSpPr>
+                <p:spPr>
+                  <a:xfrm>
+                    <a:off x="9634593" y="2504259"/>
+                    <a:ext cx="167995" cy="169277"/>
+                  </a:xfrm>
+                  <a:prstGeom prst="rect">
+                    <a:avLst/>
+                  </a:prstGeom>
+                  <a:noFill/>
+                </p:spPr>
+                <p:txBody>
+                  <a:bodyPr wrap="none" lIns="0" tIns="0" rIns="0" bIns="0" rtlCol="0">
+                    <a:spAutoFit/>
+                  </a:bodyPr>
+                  <a:lstStyle/>
+                  <a:p>
+                    <a:pPr/>
+                    <a14:m>
+                      <m:oMathPara xmlns:m="http://schemas.openxmlformats.org/officeDocument/2006/math">
+                        <m:oMathParaPr>
+                          <m:jc m:val="centerGroup"/>
+                        </m:oMathParaPr>
+                        <m:oMath xmlns:m="http://schemas.openxmlformats.org/officeDocument/2006/math">
+                          <m:acc>
+                            <m:accPr>
+                              <m:chr m:val="⃗"/>
+                              <m:ctrlPr>
+                                <a:rPr lang="fr-FR" sz="1100" b="0" i="1" smtClean="0">
+                                  <a:latin typeface="Cambria Math" panose="02040503050406030204" pitchFamily="18" charset="0"/>
+                                </a:rPr>
+                              </m:ctrlPr>
+                            </m:accPr>
+                            <m:e>
+                              <m:sSub>
+                                <m:sSubPr>
+                                  <m:ctrlPr>
+                                    <a:rPr lang="fr-FR" sz="1100" b="0" i="1" smtClean="0">
+                                      <a:latin typeface="Cambria Math" panose="02040503050406030204" pitchFamily="18" charset="0"/>
+                                    </a:rPr>
+                                  </m:ctrlPr>
+                                </m:sSubPr>
+                                <m:e>
+                                  <m:r>
+                                    <a:rPr lang="fr-FR" sz="1100" b="0" i="1" smtClean="0">
+                                      <a:latin typeface="Cambria Math" panose="02040503050406030204" pitchFamily="18" charset="0"/>
+                                    </a:rPr>
+                                    <m:t>𝑥</m:t>
+                                  </m:r>
+                                </m:e>
+                                <m:sub>
+                                  <m:r>
+                                    <a:rPr lang="fr-FR" sz="1100" b="0" i="1" smtClean="0">
+                                      <a:latin typeface="Cambria Math" panose="02040503050406030204" pitchFamily="18" charset="0"/>
+                                    </a:rPr>
+                                    <m:t>3</m:t>
+                                  </m:r>
+                                </m:sub>
+                              </m:sSub>
+                            </m:e>
+                          </m:acc>
+                        </m:oMath>
+                      </m:oMathPara>
+                    </a14:m>
+                    <a:endParaRPr lang="fr-FR" sz="1100" dirty="0"/>
+                  </a:p>
+                </p:txBody>
+              </p:sp>
+            </mc:Choice>
+            <mc:Fallback>
+              <p:sp>
+                <p:nvSpPr>
+                  <p:cNvPr id="57" name="ZoneTexte 56">
+                    <a:extLst>
+                      <a:ext uri="{FF2B5EF4-FFF2-40B4-BE49-F238E27FC236}">
+                        <a16:creationId xmlns:a16="http://schemas.microsoft.com/office/drawing/2014/main" id="{8C09F5CF-4490-4C72-B217-E96282CA0719}"/>
+                      </a:ext>
+                    </a:extLst>
+                  </p:cNvPr>
+                  <p:cNvSpPr txBox="1">
+                    <a:spLocks noRot="1" noChangeAspect="1" noMove="1" noResize="1" noEditPoints="1" noAdjustHandles="1" noChangeArrowheads="1" noChangeShapeType="1" noTextEdit="1"/>
+                  </p:cNvSpPr>
+                  <p:nvPr/>
+                </p:nvSpPr>
+                <p:spPr>
+                  <a:xfrm>
+                    <a:off x="9634593" y="2504259"/>
+                    <a:ext cx="167995" cy="169277"/>
+                  </a:xfrm>
+                  <a:prstGeom prst="rect">
+                    <a:avLst/>
+                  </a:prstGeom>
+                  <a:blipFill>
+                    <a:blip r:embed="rId9"/>
+                    <a:stretch>
+                      <a:fillRect l="-14815" r="-11111" b="-14286"/>
+                    </a:stretch>
+                  </a:blipFill>
+                </p:spPr>
+                <p:txBody>
+                  <a:bodyPr/>
+                  <a:lstStyle/>
+                  <a:p>
+                    <a:r>
+                      <a:rPr lang="fr-FR">
+                        <a:noFill/>
+                      </a:rPr>
+                      <a:t> </a:t>
+                    </a:r>
+                  </a:p>
+                </p:txBody>
+              </p:sp>
+            </mc:Fallback>
+          </mc:AlternateContent>
+          <mc:AlternateContent xmlns:mc="http://schemas.openxmlformats.org/markup-compatibility/2006">
+            <mc:Choice xmlns:a14="http://schemas.microsoft.com/office/drawing/2010/main" Requires="a14">
+              <p:sp>
+                <p:nvSpPr>
+                  <p:cNvPr id="58" name="ZoneTexte 57">
+                    <a:extLst>
+                      <a:ext uri="{FF2B5EF4-FFF2-40B4-BE49-F238E27FC236}">
+                        <a16:creationId xmlns:a16="http://schemas.microsoft.com/office/drawing/2014/main" id="{7974CB3B-2EEF-A219-24D3-9A6167F1981D}"/>
+                      </a:ext>
+                    </a:extLst>
+                  </p:cNvPr>
+                  <p:cNvSpPr txBox="1"/>
+                  <p:nvPr/>
+                </p:nvSpPr>
+                <p:spPr>
+                  <a:xfrm>
+                    <a:off x="9429712" y="2555256"/>
+                    <a:ext cx="224036" cy="169277"/>
+                  </a:xfrm>
+                  <a:prstGeom prst="rect">
+                    <a:avLst/>
+                  </a:prstGeom>
+                  <a:noFill/>
+                </p:spPr>
+                <p:txBody>
+                  <a:bodyPr wrap="none" lIns="0" tIns="0" rIns="0" bIns="0" rtlCol="0">
+                    <a:spAutoFit/>
+                  </a:bodyPr>
+                  <a:lstStyle/>
+                  <a:p>
+                    <a:pPr/>
+                    <a14:m>
+                      <m:oMathPara xmlns:m="http://schemas.openxmlformats.org/officeDocument/2006/math">
+                        <m:oMathParaPr>
+                          <m:jc m:val="centerGroup"/>
+                        </m:oMathParaPr>
+                        <m:oMath xmlns:m="http://schemas.openxmlformats.org/officeDocument/2006/math">
+                          <m:acc>
+                            <m:accPr>
+                              <m:chr m:val="⃗"/>
+                              <m:ctrlPr>
+                                <a:rPr lang="fr-FR" sz="1100" b="0" i="1" smtClean="0">
+                                  <a:latin typeface="Cambria Math" panose="02040503050406030204" pitchFamily="18" charset="0"/>
+                                </a:rPr>
+                              </m:ctrlPr>
+                            </m:accPr>
+                            <m:e>
+                              <m:sSub>
+                                <m:sSubPr>
+                                  <m:ctrlPr>
+                                    <a:rPr lang="fr-FR" sz="1100" b="0" i="1" smtClean="0">
+                                      <a:latin typeface="Cambria Math" panose="02040503050406030204" pitchFamily="18" charset="0"/>
+                                    </a:rPr>
+                                  </m:ctrlPr>
+                                </m:sSubPr>
+                                <m:e>
+                                  <m:r>
+                                    <a:rPr lang="fr-FR" sz="1100" b="0" i="1" smtClean="0">
+                                      <a:latin typeface="Cambria Math" panose="02040503050406030204" pitchFamily="18" charset="0"/>
+                                    </a:rPr>
+                                    <m:t>𝑥</m:t>
+                                  </m:r>
+                                </m:e>
+                                <m:sub>
+                                  <m:r>
+                                    <a:rPr lang="fr-FR" sz="1100" b="0" i="1" smtClean="0">
+                                      <a:latin typeface="Cambria Math" panose="02040503050406030204" pitchFamily="18" charset="0"/>
+                                    </a:rPr>
+                                    <m:t>11</m:t>
+                                  </m:r>
+                                </m:sub>
+                              </m:sSub>
+                            </m:e>
+                          </m:acc>
+                        </m:oMath>
+                      </m:oMathPara>
+                    </a14:m>
+                    <a:endParaRPr lang="fr-FR" sz="1100" dirty="0"/>
+                  </a:p>
+                </p:txBody>
+              </p:sp>
+            </mc:Choice>
+            <mc:Fallback>
+              <p:sp>
+                <p:nvSpPr>
+                  <p:cNvPr id="58" name="ZoneTexte 57">
+                    <a:extLst>
+                      <a:ext uri="{FF2B5EF4-FFF2-40B4-BE49-F238E27FC236}">
+                        <a16:creationId xmlns:a16="http://schemas.microsoft.com/office/drawing/2014/main" id="{7974CB3B-2EEF-A219-24D3-9A6167F1981D}"/>
+                      </a:ext>
+                    </a:extLst>
+                  </p:cNvPr>
+                  <p:cNvSpPr txBox="1">
+                    <a:spLocks noRot="1" noChangeAspect="1" noMove="1" noResize="1" noEditPoints="1" noAdjustHandles="1" noChangeArrowheads="1" noChangeShapeType="1" noTextEdit="1"/>
+                  </p:cNvSpPr>
+                  <p:nvPr/>
+                </p:nvSpPr>
+                <p:spPr>
+                  <a:xfrm>
+                    <a:off x="9429712" y="2555256"/>
+                    <a:ext cx="224036" cy="169277"/>
+                  </a:xfrm>
+                  <a:prstGeom prst="rect">
+                    <a:avLst/>
+                  </a:prstGeom>
+                  <a:blipFill>
+                    <a:blip r:embed="rId10"/>
+                    <a:stretch>
+                      <a:fillRect l="-8108" r="-8108" b="-18519"/>
+                    </a:stretch>
+                  </a:blipFill>
+                </p:spPr>
+                <p:txBody>
+                  <a:bodyPr/>
+                  <a:lstStyle/>
+                  <a:p>
+                    <a:r>
+                      <a:rPr lang="fr-FR">
+                        <a:noFill/>
+                      </a:rPr>
+                      <a:t> </a:t>
+                    </a:r>
+                  </a:p>
+                </p:txBody>
+              </p:sp>
+            </mc:Fallback>
+          </mc:AlternateContent>
+          <mc:AlternateContent xmlns:mc="http://schemas.openxmlformats.org/markup-compatibility/2006">
+            <mc:Choice xmlns:a14="http://schemas.microsoft.com/office/drawing/2010/main" Requires="a14">
+              <p:sp>
+                <p:nvSpPr>
+                  <p:cNvPr id="59" name="ZoneTexte 58">
+                    <a:extLst>
+                      <a:ext uri="{FF2B5EF4-FFF2-40B4-BE49-F238E27FC236}">
+                        <a16:creationId xmlns:a16="http://schemas.microsoft.com/office/drawing/2014/main" id="{6DCDB306-EC48-BCE8-8EF1-4503EA3217EF}"/>
+                      </a:ext>
+                    </a:extLst>
+                  </p:cNvPr>
+                  <p:cNvSpPr txBox="1"/>
+                  <p:nvPr/>
+                </p:nvSpPr>
+                <p:spPr>
+                  <a:xfrm>
+                    <a:off x="10362175" y="3059873"/>
+                    <a:ext cx="215508" cy="169277"/>
+                  </a:xfrm>
+                  <a:prstGeom prst="rect">
+                    <a:avLst/>
+                  </a:prstGeom>
+                  <a:noFill/>
+                </p:spPr>
+                <p:txBody>
+                  <a:bodyPr wrap="none" lIns="0" tIns="0" rIns="0" bIns="0" rtlCol="0">
+                    <a:spAutoFit/>
+                  </a:bodyPr>
+                  <a:lstStyle/>
+                  <a:p>
+                    <a:pPr/>
+                    <a14:m>
+                      <m:oMathPara xmlns:m="http://schemas.openxmlformats.org/officeDocument/2006/math">
+                        <m:oMathParaPr>
+                          <m:jc m:val="centerGroup"/>
+                        </m:oMathParaPr>
+                        <m:oMath xmlns:m="http://schemas.openxmlformats.org/officeDocument/2006/math">
+                          <m:acc>
+                            <m:accPr>
+                              <m:chr m:val="⃗"/>
+                              <m:ctrlPr>
+                                <a:rPr lang="fr-FR" sz="1100" b="0" i="1" smtClean="0">
+                                  <a:latin typeface="Cambria Math" panose="02040503050406030204" pitchFamily="18" charset="0"/>
+                                </a:rPr>
+                              </m:ctrlPr>
+                            </m:accPr>
+                            <m:e>
+                              <m:sSub>
+                                <m:sSubPr>
+                                  <m:ctrlPr>
+                                    <a:rPr lang="fr-FR" sz="1100" b="0" i="1" smtClean="0">
+                                      <a:latin typeface="Cambria Math" panose="02040503050406030204" pitchFamily="18" charset="0"/>
+                                    </a:rPr>
+                                  </m:ctrlPr>
+                                </m:sSubPr>
+                                <m:e>
+                                  <m:r>
+                                    <a:rPr lang="fr-FR" sz="1100" b="0" i="1" smtClean="0">
+                                      <a:latin typeface="Cambria Math" panose="02040503050406030204" pitchFamily="18" charset="0"/>
+                                    </a:rPr>
+                                    <m:t>𝑧</m:t>
+                                  </m:r>
+                                </m:e>
+                                <m:sub>
+                                  <m:r>
+                                    <a:rPr lang="fr-FR" sz="1100" b="0" i="1" smtClean="0">
+                                      <a:latin typeface="Cambria Math" panose="02040503050406030204" pitchFamily="18" charset="0"/>
+                                    </a:rPr>
+                                    <m:t>11</m:t>
+                                  </m:r>
+                                </m:sub>
+                              </m:sSub>
+                            </m:e>
+                          </m:acc>
+                        </m:oMath>
+                      </m:oMathPara>
+                    </a14:m>
+                    <a:endParaRPr lang="fr-FR" sz="1100" dirty="0"/>
+                  </a:p>
+                </p:txBody>
+              </p:sp>
+            </mc:Choice>
+            <mc:Fallback>
+              <p:sp>
+                <p:nvSpPr>
+                  <p:cNvPr id="59" name="ZoneTexte 58">
+                    <a:extLst>
+                      <a:ext uri="{FF2B5EF4-FFF2-40B4-BE49-F238E27FC236}">
+                        <a16:creationId xmlns:a16="http://schemas.microsoft.com/office/drawing/2014/main" id="{6DCDB306-EC48-BCE8-8EF1-4503EA3217EF}"/>
+                      </a:ext>
+                    </a:extLst>
+                  </p:cNvPr>
+                  <p:cNvSpPr txBox="1">
+                    <a:spLocks noRot="1" noChangeAspect="1" noMove="1" noResize="1" noEditPoints="1" noAdjustHandles="1" noChangeArrowheads="1" noChangeShapeType="1" noTextEdit="1"/>
+                  </p:cNvSpPr>
+                  <p:nvPr/>
+                </p:nvSpPr>
+                <p:spPr>
+                  <a:xfrm>
+                    <a:off x="10362175" y="3059873"/>
+                    <a:ext cx="215508" cy="169277"/>
+                  </a:xfrm>
+                  <a:prstGeom prst="rect">
+                    <a:avLst/>
+                  </a:prstGeom>
+                  <a:blipFill>
+                    <a:blip r:embed="rId11"/>
+                    <a:stretch>
+                      <a:fillRect l="-11111" r="-5556" b="-14286"/>
+                    </a:stretch>
+                  </a:blipFill>
+                </p:spPr>
+                <p:txBody>
+                  <a:bodyPr/>
+                  <a:lstStyle/>
+                  <a:p>
+                    <a:r>
+                      <a:rPr lang="fr-FR">
+                        <a:noFill/>
+                      </a:rPr>
+                      <a:t> </a:t>
+                    </a:r>
+                  </a:p>
+                </p:txBody>
+              </p:sp>
+            </mc:Fallback>
+          </mc:AlternateContent>
+          <mc:AlternateContent xmlns:mc="http://schemas.openxmlformats.org/markup-compatibility/2006">
+            <mc:Choice xmlns:a14="http://schemas.microsoft.com/office/drawing/2010/main" Requires="a14">
+              <p:sp>
+                <p:nvSpPr>
+                  <p:cNvPr id="60" name="ZoneTexte 59">
+                    <a:extLst>
+                      <a:ext uri="{FF2B5EF4-FFF2-40B4-BE49-F238E27FC236}">
+                        <a16:creationId xmlns:a16="http://schemas.microsoft.com/office/drawing/2014/main" id="{B6C6D2DB-D168-F1E8-5627-424C4B7FA519}"/>
+                      </a:ext>
+                    </a:extLst>
+                  </p:cNvPr>
+                  <p:cNvSpPr txBox="1"/>
+                  <p:nvPr/>
+                </p:nvSpPr>
+                <p:spPr>
+                  <a:xfrm>
+                    <a:off x="10166904" y="3059873"/>
+                    <a:ext cx="118109" cy="169277"/>
+                  </a:xfrm>
+                  <a:prstGeom prst="rect">
+                    <a:avLst/>
+                  </a:prstGeom>
+                  <a:noFill/>
+                </p:spPr>
+                <p:txBody>
+                  <a:bodyPr wrap="none" lIns="0" tIns="0" rIns="0" bIns="0" rtlCol="0">
+                    <a:spAutoFit/>
+                  </a:bodyPr>
+                  <a:lstStyle/>
+                  <a:p>
+                    <a:pPr/>
+                    <a14:m>
+                      <m:oMathPara xmlns:m="http://schemas.openxmlformats.org/officeDocument/2006/math">
+                        <m:oMathParaPr>
+                          <m:jc m:val="centerGroup"/>
+                        </m:oMathParaPr>
+                        <m:oMath xmlns:m="http://schemas.openxmlformats.org/officeDocument/2006/math">
+                          <m:r>
+                            <a:rPr lang="fr-FR" sz="1100" b="0" i="1" smtClean="0">
+                              <a:latin typeface="Cambria Math" panose="02040503050406030204" pitchFamily="18" charset="0"/>
+                            </a:rPr>
+                            <m:t>𝛽</m:t>
+                          </m:r>
+                        </m:oMath>
+                      </m:oMathPara>
+                    </a14:m>
+                    <a:endParaRPr lang="fr-FR" sz="1100" dirty="0"/>
+                  </a:p>
+                </p:txBody>
+              </p:sp>
+            </mc:Choice>
+            <mc:Fallback>
+              <p:sp>
+                <p:nvSpPr>
+                  <p:cNvPr id="60" name="ZoneTexte 59">
+                    <a:extLst>
+                      <a:ext uri="{FF2B5EF4-FFF2-40B4-BE49-F238E27FC236}">
+                        <a16:creationId xmlns:a16="http://schemas.microsoft.com/office/drawing/2014/main" id="{B6C6D2DB-D168-F1E8-5627-424C4B7FA519}"/>
+                      </a:ext>
+                    </a:extLst>
+                  </p:cNvPr>
+                  <p:cNvSpPr txBox="1">
+                    <a:spLocks noRot="1" noChangeAspect="1" noMove="1" noResize="1" noEditPoints="1" noAdjustHandles="1" noChangeArrowheads="1" noChangeShapeType="1" noTextEdit="1"/>
+                  </p:cNvSpPr>
+                  <p:nvPr/>
+                </p:nvSpPr>
+                <p:spPr>
+                  <a:xfrm>
+                    <a:off x="10166904" y="3059873"/>
+                    <a:ext cx="118109" cy="169277"/>
+                  </a:xfrm>
+                  <a:prstGeom prst="rect">
+                    <a:avLst/>
+                  </a:prstGeom>
+                  <a:blipFill>
+                    <a:blip r:embed="rId12"/>
+                    <a:stretch>
+                      <a:fillRect l="-45000" r="-35000" b="-32143"/>
+                    </a:stretch>
+                  </a:blipFill>
+                </p:spPr>
+                <p:txBody>
+                  <a:bodyPr/>
+                  <a:lstStyle/>
+                  <a:p>
+                    <a:r>
+                      <a:rPr lang="fr-FR">
+                        <a:noFill/>
+                      </a:rPr>
+                      <a:t> </a:t>
+                    </a:r>
+                  </a:p>
+                </p:txBody>
+              </p:sp>
+            </mc:Fallback>
+          </mc:AlternateContent>
+        </p:grpSp>
+        <p:sp>
+          <p:nvSpPr>
+            <p:cNvPr id="65" name="Arc 64">
+              <a:extLst>
+                <a:ext uri="{FF2B5EF4-FFF2-40B4-BE49-F238E27FC236}">
+                  <a16:creationId xmlns:a16="http://schemas.microsoft.com/office/drawing/2014/main" id="{F4E5174B-8073-3718-1481-37F6F1C20FFE}"/>
+                </a:ext>
+              </a:extLst>
+            </p:cNvPr>
+            <p:cNvSpPr/>
+            <p:nvPr/>
+          </p:nvSpPr>
+          <p:spPr>
+            <a:xfrm>
+              <a:off x="9144438" y="3921458"/>
+              <a:ext cx="1119912" cy="1119912"/>
+            </a:xfrm>
+            <a:prstGeom prst="arc">
+              <a:avLst>
+                <a:gd name="adj1" fmla="val 20645190"/>
+                <a:gd name="adj2" fmla="val 0"/>
+              </a:avLst>
+            </a:prstGeom>
+            <a:ln w="12700">
+              <a:solidFill>
+                <a:schemeClr val="accent1"/>
+              </a:solidFill>
+              <a:headEnd type="stealth" w="sm" len="med"/>
+              <a:tailEnd type="none" w="med" len="sm"/>
+            </a:ln>
+          </p:spPr>
+          <p:style>
+            <a:lnRef idx="2">
+              <a:schemeClr val="accent1"/>
+            </a:lnRef>
+            <a:fillRef idx="0">
+              <a:schemeClr val="accent1"/>
+            </a:fillRef>
+            <a:effectRef idx="1">
+              <a:schemeClr val="accent1"/>
+            </a:effectRef>
+            <a:fontRef idx="minor">
+              <a:schemeClr val="tx1"/>
+            </a:fontRef>
+          </p:style>
+          <p:txBody>
+            <a:bodyPr rtlCol="0" anchor="ctr"/>
+            <a:lstStyle/>
+            <a:p>
+              <a:pPr algn="ctr"/>
+              <a:endParaRPr lang="fr-FR"/>
+            </a:p>
+          </p:txBody>
+        </p:sp>
+      </p:grpSp>
+      <p:grpSp>
+        <p:nvGrpSpPr>
+          <p:cNvPr id="77" name="Groupe 76">
+            <a:extLst>
+              <a:ext uri="{FF2B5EF4-FFF2-40B4-BE49-F238E27FC236}">
+                <a16:creationId xmlns:a16="http://schemas.microsoft.com/office/drawing/2014/main" id="{FFA4BC79-883E-691F-B4F8-9F33C6AE0191}"/>
+              </a:ext>
+            </a:extLst>
+          </p:cNvPr>
+          <p:cNvGrpSpPr/>
+          <p:nvPr/>
+        </p:nvGrpSpPr>
+        <p:grpSpPr>
+          <a:xfrm>
+            <a:off x="4912138" y="1232007"/>
+            <a:ext cx="3784648" cy="2745381"/>
+            <a:chOff x="4912138" y="1232007"/>
+            <a:chExt cx="3784648" cy="2745381"/>
+          </a:xfrm>
+        </p:grpSpPr>
+        <p:sp>
+          <p:nvSpPr>
+            <p:cNvPr id="25" name="Forme libre : forme 24">
+              <a:extLst>
+                <a:ext uri="{FF2B5EF4-FFF2-40B4-BE49-F238E27FC236}">
+                  <a16:creationId xmlns:a16="http://schemas.microsoft.com/office/drawing/2014/main" id="{38BBF387-A869-BF24-371D-FF2D156B27DB}"/>
+                </a:ext>
+              </a:extLst>
+            </p:cNvPr>
+            <p:cNvSpPr/>
+            <p:nvPr/>
+          </p:nvSpPr>
+          <p:spPr>
+            <a:xfrm>
+              <a:off x="7871803" y="1925638"/>
+              <a:ext cx="71477" cy="257175"/>
+            </a:xfrm>
+            <a:custGeom>
+              <a:avLst/>
+              <a:gdLst>
+                <a:gd name="connsiteX0" fmla="*/ 0 w 58135"/>
+                <a:gd name="connsiteY0" fmla="*/ 0 h 171450"/>
+                <a:gd name="connsiteX1" fmla="*/ 57150 w 58135"/>
+                <a:gd name="connsiteY1" fmla="*/ 101600 h 171450"/>
+                <a:gd name="connsiteX2" fmla="*/ 38100 w 58135"/>
+                <a:gd name="connsiteY2" fmla="*/ 171450 h 171450"/>
+                <a:gd name="connsiteX0" fmla="*/ 19059 w 76553"/>
+                <a:gd name="connsiteY0" fmla="*/ 0 h 320675"/>
+                <a:gd name="connsiteX1" fmla="*/ 76209 w 76553"/>
+                <a:gd name="connsiteY1" fmla="*/ 101600 h 320675"/>
+                <a:gd name="connsiteX2" fmla="*/ 9 w 76553"/>
+                <a:gd name="connsiteY2" fmla="*/ 320675 h 320675"/>
+                <a:gd name="connsiteX0" fmla="*/ 0 w 92419"/>
+                <a:gd name="connsiteY0" fmla="*/ 0 h 320675"/>
+                <a:gd name="connsiteX1" fmla="*/ 92075 w 92419"/>
+                <a:gd name="connsiteY1" fmla="*/ 101600 h 320675"/>
+                <a:gd name="connsiteX2" fmla="*/ 15875 w 92419"/>
+                <a:gd name="connsiteY2" fmla="*/ 320675 h 320675"/>
+                <a:gd name="connsiteX0" fmla="*/ 0 w 99162"/>
+                <a:gd name="connsiteY0" fmla="*/ 0 h 320675"/>
+                <a:gd name="connsiteX1" fmla="*/ 92075 w 99162"/>
+                <a:gd name="connsiteY1" fmla="*/ 101600 h 320675"/>
+                <a:gd name="connsiteX2" fmla="*/ 15875 w 99162"/>
+                <a:gd name="connsiteY2" fmla="*/ 320675 h 320675"/>
+                <a:gd name="connsiteX0" fmla="*/ 9535 w 95492"/>
+                <a:gd name="connsiteY0" fmla="*/ 0 h 320675"/>
+                <a:gd name="connsiteX1" fmla="*/ 76210 w 95492"/>
+                <a:gd name="connsiteY1" fmla="*/ 101600 h 320675"/>
+                <a:gd name="connsiteX2" fmla="*/ 10 w 95492"/>
+                <a:gd name="connsiteY2" fmla="*/ 320675 h 320675"/>
+                <a:gd name="connsiteX0" fmla="*/ 0 w 114300"/>
+                <a:gd name="connsiteY0" fmla="*/ 0 h 355600"/>
+                <a:gd name="connsiteX1" fmla="*/ 66675 w 114300"/>
+                <a:gd name="connsiteY1" fmla="*/ 101600 h 355600"/>
+                <a:gd name="connsiteX2" fmla="*/ 114300 w 114300"/>
+                <a:gd name="connsiteY2" fmla="*/ 355600 h 355600"/>
+                <a:gd name="connsiteX0" fmla="*/ 0 w 159765"/>
+                <a:gd name="connsiteY0" fmla="*/ 0 h 355945"/>
+                <a:gd name="connsiteX1" fmla="*/ 66675 w 159765"/>
+                <a:gd name="connsiteY1" fmla="*/ 101600 h 355945"/>
+                <a:gd name="connsiteX2" fmla="*/ 114300 w 159765"/>
+                <a:gd name="connsiteY2" fmla="*/ 355600 h 355945"/>
+                <a:gd name="connsiteX0" fmla="*/ 0 w 85957"/>
+                <a:gd name="connsiteY0" fmla="*/ 0 h 298901"/>
+                <a:gd name="connsiteX1" fmla="*/ 66675 w 85957"/>
+                <a:gd name="connsiteY1" fmla="*/ 101600 h 298901"/>
+                <a:gd name="connsiteX2" fmla="*/ 3175 w 85957"/>
+                <a:gd name="connsiteY2" fmla="*/ 298450 h 298901"/>
+                <a:gd name="connsiteX0" fmla="*/ 0 w 85957"/>
+                <a:gd name="connsiteY0" fmla="*/ 0 h 299164"/>
+                <a:gd name="connsiteX1" fmla="*/ 66675 w 85957"/>
+                <a:gd name="connsiteY1" fmla="*/ 101600 h 299164"/>
+                <a:gd name="connsiteX2" fmla="*/ 3175 w 85957"/>
+                <a:gd name="connsiteY2" fmla="*/ 298450 h 299164"/>
+                <a:gd name="connsiteX0" fmla="*/ 0 w 88885"/>
+                <a:gd name="connsiteY0" fmla="*/ 0 h 299164"/>
+                <a:gd name="connsiteX1" fmla="*/ 66675 w 88885"/>
+                <a:gd name="connsiteY1" fmla="*/ 101600 h 299164"/>
+                <a:gd name="connsiteX2" fmla="*/ 3175 w 88885"/>
+                <a:gd name="connsiteY2" fmla="*/ 298450 h 299164"/>
+                <a:gd name="connsiteX0" fmla="*/ 0 w 90511"/>
+                <a:gd name="connsiteY0" fmla="*/ 0 h 299164"/>
+                <a:gd name="connsiteX1" fmla="*/ 66675 w 90511"/>
+                <a:gd name="connsiteY1" fmla="*/ 101600 h 299164"/>
+                <a:gd name="connsiteX2" fmla="*/ 3175 w 90511"/>
+                <a:gd name="connsiteY2" fmla="*/ 298450 h 299164"/>
+                <a:gd name="connsiteX0" fmla="*/ 0 w 93687"/>
+                <a:gd name="connsiteY0" fmla="*/ 0 h 299421"/>
+                <a:gd name="connsiteX1" fmla="*/ 73025 w 93687"/>
+                <a:gd name="connsiteY1" fmla="*/ 133350 h 299421"/>
+                <a:gd name="connsiteX2" fmla="*/ 3175 w 93687"/>
+                <a:gd name="connsiteY2" fmla="*/ 298450 h 299421"/>
+                <a:gd name="connsiteX0" fmla="*/ 0 w 83377"/>
+                <a:gd name="connsiteY0" fmla="*/ 0 h 299684"/>
+                <a:gd name="connsiteX1" fmla="*/ 50800 w 83377"/>
+                <a:gd name="connsiteY1" fmla="*/ 152400 h 299684"/>
+                <a:gd name="connsiteX2" fmla="*/ 3175 w 83377"/>
+                <a:gd name="connsiteY2" fmla="*/ 298450 h 299684"/>
+                <a:gd name="connsiteX0" fmla="*/ 0 w 71477"/>
+                <a:gd name="connsiteY0" fmla="*/ 0 h 299684"/>
+                <a:gd name="connsiteX1" fmla="*/ 50800 w 71477"/>
+                <a:gd name="connsiteY1" fmla="*/ 152400 h 299684"/>
+                <a:gd name="connsiteX2" fmla="*/ 3175 w 71477"/>
+                <a:gd name="connsiteY2" fmla="*/ 298450 h 299684"/>
+              </a:gdLst>
+              <a:ahLst/>
+              <a:cxnLst>
+                <a:cxn ang="0">
+                  <a:pos x="connsiteX0" y="connsiteY0"/>
+                </a:cxn>
+                <a:cxn ang="0">
+                  <a:pos x="connsiteX1" y="connsiteY1"/>
+                </a:cxn>
+                <a:cxn ang="0">
+                  <a:pos x="connsiteX2" y="connsiteY2"/>
+                </a:cxn>
+              </a:cxnLst>
+              <a:rect l="l" t="t" r="r" b="b"/>
+              <a:pathLst>
+                <a:path w="71477" h="299684">
+                  <a:moveTo>
+                    <a:pt x="0" y="0"/>
+                  </a:moveTo>
+                  <a:cubicBezTo>
+                    <a:pt x="101600" y="1587"/>
+                    <a:pt x="57150" y="53975"/>
+                    <a:pt x="50800" y="152400"/>
+                  </a:cubicBezTo>
+                  <a:cubicBezTo>
+                    <a:pt x="44450" y="250825"/>
+                    <a:pt x="125942" y="309033"/>
+                    <a:pt x="3175" y="298450"/>
+                  </a:cubicBezTo>
+                </a:path>
+              </a:pathLst>
+            </a:custGeom>
+            <a:solidFill>
+              <a:schemeClr val="accent5">
+                <a:lumMod val="20000"/>
+                <a:lumOff val="80000"/>
+              </a:schemeClr>
+            </a:solidFill>
+            <a:ln>
+              <a:solidFill>
+                <a:schemeClr val="accent5"/>
+              </a:solidFill>
+            </a:ln>
+          </p:spPr>
+          <p:style>
+            <a:lnRef idx="2">
+              <a:schemeClr val="accent1">
+                <a:shade val="15000"/>
+              </a:schemeClr>
+            </a:lnRef>
+            <a:fillRef idx="1">
+              <a:schemeClr val="accent1"/>
+            </a:fillRef>
+            <a:effectRef idx="0">
+              <a:schemeClr val="accent1"/>
+            </a:effectRef>
+            <a:fontRef idx="minor">
+              <a:schemeClr val="lt1"/>
+            </a:fontRef>
+          </p:style>
+          <p:txBody>
+            <a:bodyPr rtlCol="0" anchor="ctr"/>
+            <a:lstStyle/>
+            <a:p>
+              <a:pPr algn="ctr"/>
+              <a:endParaRPr lang="fr-FR"/>
+            </a:p>
+          </p:txBody>
+        </p:sp>
+        <p:sp>
+          <p:nvSpPr>
+            <p:cNvPr id="5" name="Ellipse 4">
+              <a:extLst>
+                <a:ext uri="{FF2B5EF4-FFF2-40B4-BE49-F238E27FC236}">
+                  <a16:creationId xmlns:a16="http://schemas.microsoft.com/office/drawing/2014/main" id="{BC313B77-2666-3836-6E60-CF2DE45B6658}"/>
+                </a:ext>
+              </a:extLst>
+            </p:cNvPr>
+            <p:cNvSpPr/>
+            <p:nvPr/>
+          </p:nvSpPr>
+          <p:spPr>
+            <a:xfrm>
+              <a:off x="6021662" y="1910828"/>
+              <a:ext cx="288000" cy="288000"/>
+            </a:xfrm>
+            <a:prstGeom prst="ellipse">
+              <a:avLst/>
+            </a:prstGeom>
+            <a:solidFill>
+              <a:schemeClr val="bg1"/>
+            </a:solidFill>
+            <a:ln w="19050">
+              <a:solidFill>
+                <a:schemeClr val="accent2"/>
+              </a:solidFill>
+            </a:ln>
+          </p:spPr>
+          <p:style>
+            <a:lnRef idx="2">
+              <a:schemeClr val="accent1"/>
+            </a:lnRef>
+            <a:fillRef idx="0">
+              <a:schemeClr val="accent1"/>
+            </a:fillRef>
+            <a:effectRef idx="1">
+              <a:schemeClr val="accent1"/>
+            </a:effectRef>
+            <a:fontRef idx="minor">
+              <a:schemeClr val="tx1"/>
+            </a:fontRef>
+          </p:style>
+          <p:txBody>
+            <a:bodyPr rtlCol="0" anchor="ctr"/>
+            <a:lstStyle/>
+            <a:p>
+              <a:pPr algn="ctr"/>
+              <a:r>
+                <a:rPr lang="fr-FR" sz="1200" b="1" dirty="0">
+                  <a:solidFill>
+                    <a:schemeClr val="accent2"/>
+                  </a:solidFill>
+                </a:rPr>
+                <a:t>7</a:t>
+              </a:r>
+            </a:p>
+          </p:txBody>
+        </p:sp>
+        <p:sp>
+          <p:nvSpPr>
+            <p:cNvPr id="6" name="Ellipse 5">
+              <a:extLst>
+                <a:ext uri="{FF2B5EF4-FFF2-40B4-BE49-F238E27FC236}">
+                  <a16:creationId xmlns:a16="http://schemas.microsoft.com/office/drawing/2014/main" id="{25EE6FA5-A3A4-8049-BB06-9774698EC271}"/>
+                </a:ext>
+              </a:extLst>
+            </p:cNvPr>
+            <p:cNvSpPr/>
+            <p:nvPr/>
+          </p:nvSpPr>
+          <p:spPr>
+            <a:xfrm>
+              <a:off x="6021662" y="3285000"/>
+              <a:ext cx="288000" cy="288000"/>
+            </a:xfrm>
+            <a:prstGeom prst="ellipse">
+              <a:avLst/>
+            </a:prstGeom>
+            <a:solidFill>
+              <a:schemeClr val="bg1"/>
+            </a:solidFill>
+            <a:ln w="19050">
+              <a:solidFill>
+                <a:schemeClr val="accent1"/>
+              </a:solidFill>
+            </a:ln>
+          </p:spPr>
+          <p:style>
+            <a:lnRef idx="2">
+              <a:schemeClr val="accent1"/>
+            </a:lnRef>
+            <a:fillRef idx="0">
+              <a:schemeClr val="accent1"/>
+            </a:fillRef>
+            <a:effectRef idx="1">
+              <a:schemeClr val="accent1"/>
+            </a:effectRef>
+            <a:fontRef idx="minor">
+              <a:schemeClr val="tx1"/>
+            </a:fontRef>
+          </p:style>
+          <p:txBody>
+            <a:bodyPr lIns="0" rIns="0" rtlCol="0" anchor="ctr"/>
+            <a:lstStyle/>
+            <a:p>
+              <a:pPr algn="ctr"/>
+              <a:r>
+                <a:rPr lang="fr-FR" sz="1200" b="1" dirty="0">
+                  <a:solidFill>
+                    <a:schemeClr val="accent1"/>
+                  </a:solidFill>
+                </a:rPr>
+                <a:t>11</a:t>
+              </a:r>
+            </a:p>
+          </p:txBody>
+        </p:sp>
+        <p:sp>
+          <p:nvSpPr>
+            <p:cNvPr id="7" name="Ellipse 6">
+              <a:extLst>
+                <a:ext uri="{FF2B5EF4-FFF2-40B4-BE49-F238E27FC236}">
+                  <a16:creationId xmlns:a16="http://schemas.microsoft.com/office/drawing/2014/main" id="{F1E5424B-8DC6-8387-1DEA-6F5EA52D615B}"/>
+                </a:ext>
+              </a:extLst>
+            </p:cNvPr>
+            <p:cNvSpPr/>
+            <p:nvPr/>
+          </p:nvSpPr>
+          <p:spPr>
+            <a:xfrm>
+              <a:off x="7467402" y="3286588"/>
+              <a:ext cx="288000" cy="288000"/>
+            </a:xfrm>
+            <a:prstGeom prst="ellipse">
+              <a:avLst/>
+            </a:prstGeom>
+            <a:solidFill>
+              <a:schemeClr val="bg1"/>
+            </a:solidFill>
+            <a:ln w="19050">
+              <a:solidFill>
+                <a:srgbClr val="00B0F0"/>
+              </a:solidFill>
+            </a:ln>
+          </p:spPr>
+          <p:style>
+            <a:lnRef idx="2">
+              <a:schemeClr val="accent1"/>
+            </a:lnRef>
+            <a:fillRef idx="0">
+              <a:schemeClr val="accent1"/>
+            </a:fillRef>
+            <a:effectRef idx="1">
+              <a:schemeClr val="accent1"/>
+            </a:effectRef>
+            <a:fontRef idx="minor">
+              <a:schemeClr val="tx1"/>
+            </a:fontRef>
+          </p:style>
+          <p:txBody>
+            <a:bodyPr lIns="0" rIns="0" rtlCol="0" anchor="ctr"/>
+            <a:lstStyle/>
+            <a:p>
+              <a:pPr algn="ctr"/>
+              <a:r>
+                <a:rPr lang="fr-FR" sz="1200" b="1" dirty="0">
+                  <a:solidFill>
+                    <a:srgbClr val="00B0F0"/>
+                  </a:solidFill>
+                </a:rPr>
+                <a:t>10</a:t>
+              </a:r>
+            </a:p>
+          </p:txBody>
+        </p:sp>
+        <p:sp>
+          <p:nvSpPr>
+            <p:cNvPr id="8" name="Ellipse 7">
+              <a:extLst>
+                <a:ext uri="{FF2B5EF4-FFF2-40B4-BE49-F238E27FC236}">
+                  <a16:creationId xmlns:a16="http://schemas.microsoft.com/office/drawing/2014/main" id="{D4E46B2E-A31C-FD78-5EC8-4B5B6B4386F4}"/>
+                </a:ext>
+              </a:extLst>
+            </p:cNvPr>
+            <p:cNvSpPr/>
+            <p:nvPr/>
+          </p:nvSpPr>
+          <p:spPr>
+            <a:xfrm>
+              <a:off x="7467402" y="1910828"/>
+              <a:ext cx="288000" cy="288000"/>
+            </a:xfrm>
+            <a:prstGeom prst="ellipse">
+              <a:avLst/>
+            </a:prstGeom>
+            <a:solidFill>
+              <a:schemeClr val="bg1"/>
+            </a:solidFill>
+            <a:ln w="19050">
+              <a:solidFill>
+                <a:schemeClr val="accent5"/>
+              </a:solidFill>
+            </a:ln>
+          </p:spPr>
+          <p:style>
+            <a:lnRef idx="2">
+              <a:schemeClr val="accent1"/>
+            </a:lnRef>
+            <a:fillRef idx="0">
+              <a:schemeClr val="accent1"/>
+            </a:fillRef>
+            <a:effectRef idx="1">
+              <a:schemeClr val="accent1"/>
+            </a:effectRef>
+            <a:fontRef idx="minor">
+              <a:schemeClr val="tx1"/>
+            </a:fontRef>
+          </p:style>
+          <p:txBody>
+            <a:bodyPr lIns="0" rIns="0" rtlCol="0" anchor="ctr"/>
+            <a:lstStyle/>
+            <a:p>
+              <a:pPr algn="ctr"/>
+              <a:r>
+                <a:rPr lang="fr-FR" sz="1200" b="1" dirty="0">
+                  <a:solidFill>
+                    <a:schemeClr val="accent5"/>
+                  </a:solidFill>
+                </a:rPr>
+                <a:t>3</a:t>
+              </a:r>
+            </a:p>
+          </p:txBody>
+        </p:sp>
+        <p:cxnSp>
+          <p:nvCxnSpPr>
+            <p:cNvPr id="9" name="Connecteur droit 8">
+              <a:extLst>
+                <a:ext uri="{FF2B5EF4-FFF2-40B4-BE49-F238E27FC236}">
+                  <a16:creationId xmlns:a16="http://schemas.microsoft.com/office/drawing/2014/main" id="{13AA1556-41F7-3C14-22EA-D4C6597BAAA4}"/>
+                </a:ext>
+              </a:extLst>
+            </p:cNvPr>
+            <p:cNvCxnSpPr>
+              <a:cxnSpLocks/>
+              <a:stCxn id="8" idx="2"/>
+              <a:endCxn id="5" idx="6"/>
+            </p:cNvCxnSpPr>
+            <p:nvPr/>
+          </p:nvCxnSpPr>
+          <p:spPr>
+            <a:xfrm flipH="1">
+              <a:off x="6309662" y="2054828"/>
+              <a:ext cx="1157740" cy="0"/>
+            </a:xfrm>
+            <a:prstGeom prst="line">
+              <a:avLst/>
+            </a:prstGeom>
+            <a:ln w="19050">
+              <a:solidFill>
+                <a:schemeClr val="accent1"/>
+              </a:solidFill>
+            </a:ln>
+          </p:spPr>
+          <p:style>
+            <a:lnRef idx="2">
+              <a:schemeClr val="accent1"/>
+            </a:lnRef>
+            <a:fillRef idx="0">
+              <a:schemeClr val="accent1"/>
+            </a:fillRef>
+            <a:effectRef idx="1">
+              <a:schemeClr val="accent1"/>
+            </a:effectRef>
+            <a:fontRef idx="minor">
+              <a:schemeClr val="tx1"/>
+            </a:fontRef>
+          </p:style>
+        </p:cxnSp>
+        <p:cxnSp>
+          <p:nvCxnSpPr>
+            <p:cNvPr id="12" name="Connecteur droit 11">
+              <a:extLst>
+                <a:ext uri="{FF2B5EF4-FFF2-40B4-BE49-F238E27FC236}">
+                  <a16:creationId xmlns:a16="http://schemas.microsoft.com/office/drawing/2014/main" id="{D886605D-FA37-0122-B272-F966010FA9C6}"/>
+                </a:ext>
+              </a:extLst>
+            </p:cNvPr>
+            <p:cNvCxnSpPr>
+              <a:cxnSpLocks/>
+              <a:stCxn id="6" idx="0"/>
+              <a:endCxn id="5" idx="4"/>
+            </p:cNvCxnSpPr>
+            <p:nvPr/>
+          </p:nvCxnSpPr>
+          <p:spPr>
+            <a:xfrm flipV="1">
+              <a:off x="6165662" y="2198828"/>
+              <a:ext cx="0" cy="1086172"/>
+            </a:xfrm>
+            <a:prstGeom prst="line">
+              <a:avLst/>
+            </a:prstGeom>
+            <a:ln w="19050">
+              <a:solidFill>
+                <a:schemeClr val="accent1"/>
+              </a:solidFill>
+            </a:ln>
+          </p:spPr>
+          <p:style>
+            <a:lnRef idx="2">
+              <a:schemeClr val="accent1"/>
+            </a:lnRef>
+            <a:fillRef idx="0">
+              <a:schemeClr val="accent1"/>
+            </a:fillRef>
+            <a:effectRef idx="1">
+              <a:schemeClr val="accent1"/>
+            </a:effectRef>
+            <a:fontRef idx="minor">
+              <a:schemeClr val="tx1"/>
+            </a:fontRef>
+          </p:style>
+        </p:cxnSp>
+        <p:cxnSp>
+          <p:nvCxnSpPr>
+            <p:cNvPr id="15" name="Connecteur droit 14">
+              <a:extLst>
+                <a:ext uri="{FF2B5EF4-FFF2-40B4-BE49-F238E27FC236}">
+                  <a16:creationId xmlns:a16="http://schemas.microsoft.com/office/drawing/2014/main" id="{5B9F76A6-EB9B-59AC-9725-0233935A5665}"/>
+                </a:ext>
+              </a:extLst>
+            </p:cNvPr>
+            <p:cNvCxnSpPr>
+              <a:cxnSpLocks/>
+              <a:stCxn id="7" idx="2"/>
+              <a:endCxn id="6" idx="6"/>
+            </p:cNvCxnSpPr>
+            <p:nvPr/>
+          </p:nvCxnSpPr>
+          <p:spPr>
+            <a:xfrm flipH="1" flipV="1">
+              <a:off x="6309662" y="3429000"/>
+              <a:ext cx="1157740" cy="1588"/>
+            </a:xfrm>
+            <a:prstGeom prst="line">
+              <a:avLst/>
+            </a:prstGeom>
+            <a:ln w="19050">
+              <a:solidFill>
+                <a:schemeClr val="accent1"/>
+              </a:solidFill>
+            </a:ln>
+          </p:spPr>
+          <p:style>
+            <a:lnRef idx="2">
+              <a:schemeClr val="accent1"/>
+            </a:lnRef>
+            <a:fillRef idx="0">
+              <a:schemeClr val="accent1"/>
+            </a:fillRef>
+            <a:effectRef idx="1">
+              <a:schemeClr val="accent1"/>
+            </a:effectRef>
+            <a:fontRef idx="minor">
+              <a:schemeClr val="tx1"/>
+            </a:fontRef>
+          </p:style>
+        </p:cxnSp>
+        <p:cxnSp>
+          <p:nvCxnSpPr>
+            <p:cNvPr id="18" name="Connecteur droit 17">
+              <a:extLst>
+                <a:ext uri="{FF2B5EF4-FFF2-40B4-BE49-F238E27FC236}">
+                  <a16:creationId xmlns:a16="http://schemas.microsoft.com/office/drawing/2014/main" id="{81A6AA09-73D6-1070-4C18-A1F3ABB7BBEC}"/>
+                </a:ext>
+              </a:extLst>
+            </p:cNvPr>
+            <p:cNvCxnSpPr>
+              <a:cxnSpLocks/>
+              <a:stCxn id="7" idx="0"/>
+              <a:endCxn id="8" idx="4"/>
+            </p:cNvCxnSpPr>
+            <p:nvPr/>
+          </p:nvCxnSpPr>
+          <p:spPr>
+            <a:xfrm flipV="1">
+              <a:off x="7611402" y="2198828"/>
+              <a:ext cx="0" cy="1087760"/>
+            </a:xfrm>
+            <a:prstGeom prst="line">
+              <a:avLst/>
+            </a:prstGeom>
+            <a:ln w="19050">
+              <a:solidFill>
+                <a:schemeClr val="accent1"/>
+              </a:solidFill>
+            </a:ln>
+          </p:spPr>
+          <p:style>
+            <a:lnRef idx="2">
+              <a:schemeClr val="accent1"/>
+            </a:lnRef>
+            <a:fillRef idx="0">
+              <a:schemeClr val="accent1"/>
+            </a:fillRef>
+            <a:effectRef idx="1">
+              <a:schemeClr val="accent1"/>
+            </a:effectRef>
+            <a:fontRef idx="minor">
+              <a:schemeClr val="tx1"/>
+            </a:fontRef>
+          </p:style>
+        </p:cxnSp>
+        <p:cxnSp>
+          <p:nvCxnSpPr>
+            <p:cNvPr id="24" name="Connecteur droit 23">
+              <a:extLst>
+                <a:ext uri="{FF2B5EF4-FFF2-40B4-BE49-F238E27FC236}">
+                  <a16:creationId xmlns:a16="http://schemas.microsoft.com/office/drawing/2014/main" id="{FAD42B15-234D-E969-CE5A-32FE0B209415}"/>
+                </a:ext>
+              </a:extLst>
+            </p:cNvPr>
+            <p:cNvCxnSpPr>
+              <a:cxnSpLocks/>
+            </p:cNvCxnSpPr>
+            <p:nvPr/>
+          </p:nvCxnSpPr>
+          <p:spPr>
+            <a:xfrm flipH="1" flipV="1">
+              <a:off x="7871803" y="1910828"/>
+              <a:ext cx="0" cy="288000"/>
+            </a:xfrm>
+            <a:prstGeom prst="line">
+              <a:avLst/>
+            </a:prstGeom>
+            <a:ln w="19050">
+              <a:solidFill>
+                <a:schemeClr val="accent5"/>
+              </a:solidFill>
+            </a:ln>
+          </p:spPr>
+          <p:style>
+            <a:lnRef idx="2">
+              <a:schemeClr val="accent1"/>
+            </a:lnRef>
+            <a:fillRef idx="0">
+              <a:schemeClr val="accent1"/>
+            </a:fillRef>
+            <a:effectRef idx="1">
+              <a:schemeClr val="accent1"/>
+            </a:effectRef>
+            <a:fontRef idx="minor">
+              <a:schemeClr val="tx1"/>
+            </a:fontRef>
+          </p:style>
+        </p:cxnSp>
+        <p:cxnSp>
+          <p:nvCxnSpPr>
+            <p:cNvPr id="28" name="Connecteur droit 27">
+              <a:extLst>
+                <a:ext uri="{FF2B5EF4-FFF2-40B4-BE49-F238E27FC236}">
+                  <a16:creationId xmlns:a16="http://schemas.microsoft.com/office/drawing/2014/main" id="{273EBB8C-DD37-2B33-E535-B84875C4CBD6}"/>
+                </a:ext>
+              </a:extLst>
+            </p:cNvPr>
+            <p:cNvCxnSpPr>
+              <a:cxnSpLocks/>
+              <a:endCxn id="8" idx="6"/>
+            </p:cNvCxnSpPr>
+            <p:nvPr/>
+          </p:nvCxnSpPr>
+          <p:spPr>
+            <a:xfrm flipH="1">
+              <a:off x="7755402" y="2054828"/>
+              <a:ext cx="116401" cy="0"/>
+            </a:xfrm>
+            <a:prstGeom prst="line">
+              <a:avLst/>
+            </a:prstGeom>
+            <a:ln w="19050">
+              <a:solidFill>
+                <a:schemeClr val="accent5"/>
+              </a:solidFill>
+            </a:ln>
+          </p:spPr>
+          <p:style>
+            <a:lnRef idx="2">
+              <a:schemeClr val="accent1"/>
+            </a:lnRef>
+            <a:fillRef idx="0">
+              <a:schemeClr val="accent1"/>
+            </a:fillRef>
+            <a:effectRef idx="1">
+              <a:schemeClr val="accent1"/>
+            </a:effectRef>
+            <a:fontRef idx="minor">
+              <a:schemeClr val="tx1"/>
+            </a:fontRef>
+          </p:style>
+        </p:cxnSp>
+        <p:sp>
+          <p:nvSpPr>
+            <p:cNvPr id="34" name="ZoneTexte 33">
+              <a:extLst>
+                <a:ext uri="{FF2B5EF4-FFF2-40B4-BE49-F238E27FC236}">
+                  <a16:creationId xmlns:a16="http://schemas.microsoft.com/office/drawing/2014/main" id="{1365E5B8-F30D-88D8-A6E3-D493440333A1}"/>
+                </a:ext>
+              </a:extLst>
+            </p:cNvPr>
+            <p:cNvSpPr txBox="1"/>
+            <p:nvPr/>
+          </p:nvSpPr>
+          <p:spPr>
+            <a:xfrm>
+              <a:off x="5379806" y="1232007"/>
+              <a:ext cx="785856" cy="215444"/>
+            </a:xfrm>
+            <a:prstGeom prst="rect">
+              <a:avLst/>
+            </a:prstGeom>
+            <a:noFill/>
+          </p:spPr>
+          <p:txBody>
+            <a:bodyPr wrap="none" lIns="0" tIns="0" rIns="0" bIns="0" rtlCol="0">
+              <a:spAutoFit/>
+            </a:bodyPr>
+            <a:lstStyle/>
+            <a:p>
+              <a:pPr/>
+              <a:r>
+                <a:rPr lang="fr-FR" sz="1400" dirty="0"/>
+                <a:t>Pesanteur</a:t>
+              </a:r>
+            </a:p>
+          </p:txBody>
+        </p:sp>
+        <p:sp>
+          <p:nvSpPr>
+            <p:cNvPr id="66" name="Éclair 65">
+              <a:extLst>
+                <a:ext uri="{FF2B5EF4-FFF2-40B4-BE49-F238E27FC236}">
+                  <a16:creationId xmlns:a16="http://schemas.microsoft.com/office/drawing/2014/main" id="{CA655A34-2C6E-B74D-45CA-0124E0839A6E}"/>
+                </a:ext>
+              </a:extLst>
+            </p:cNvPr>
+            <p:cNvSpPr/>
+            <p:nvPr/>
+          </p:nvSpPr>
+          <p:spPr>
+            <a:xfrm>
+              <a:off x="5706532" y="1481667"/>
+              <a:ext cx="309970" cy="429161"/>
+            </a:xfrm>
+            <a:prstGeom prst="lightningBolt">
+              <a:avLst/>
+            </a:prstGeom>
+            <a:solidFill>
+              <a:schemeClr val="accent1">
+                <a:lumMod val="20000"/>
+                <a:lumOff val="80000"/>
+              </a:schemeClr>
+            </a:solidFill>
+            <a:ln>
+              <a:solidFill>
+                <a:schemeClr val="accent1"/>
+              </a:solidFill>
+            </a:ln>
+          </p:spPr>
+          <p:style>
+            <a:lnRef idx="2">
+              <a:schemeClr val="accent1">
+                <a:shade val="15000"/>
+              </a:schemeClr>
+            </a:lnRef>
+            <a:fillRef idx="1">
+              <a:schemeClr val="accent1"/>
+            </a:fillRef>
+            <a:effectRef idx="0">
+              <a:schemeClr val="accent1"/>
+            </a:effectRef>
+            <a:fontRef idx="minor">
+              <a:schemeClr val="lt1"/>
+            </a:fontRef>
+          </p:style>
+          <p:txBody>
+            <a:bodyPr rtlCol="0" anchor="ctr"/>
+            <a:lstStyle/>
+            <a:p>
+              <a:pPr algn="ctr"/>
+              <a:endParaRPr lang="fr-FR"/>
+            </a:p>
+          </p:txBody>
+        </p:sp>
+        <p:sp>
+          <p:nvSpPr>
+            <p:cNvPr id="67" name="Éclair 66">
+              <a:extLst>
+                <a:ext uri="{FF2B5EF4-FFF2-40B4-BE49-F238E27FC236}">
+                  <a16:creationId xmlns:a16="http://schemas.microsoft.com/office/drawing/2014/main" id="{3D1FF923-38B7-8CA0-469E-C1B4A9C13F6A}"/>
+                </a:ext>
+              </a:extLst>
+            </p:cNvPr>
+            <p:cNvSpPr/>
+            <p:nvPr/>
+          </p:nvSpPr>
+          <p:spPr>
+            <a:xfrm rot="18084188">
+              <a:off x="5536824" y="1839643"/>
+              <a:ext cx="309970" cy="429161"/>
+            </a:xfrm>
+            <a:prstGeom prst="lightningBolt">
+              <a:avLst/>
+            </a:prstGeom>
+            <a:solidFill>
+              <a:schemeClr val="accent1">
+                <a:lumMod val="20000"/>
+                <a:lumOff val="80000"/>
+              </a:schemeClr>
+            </a:solidFill>
+            <a:ln>
+              <a:solidFill>
+                <a:schemeClr val="accent1"/>
+              </a:solidFill>
+            </a:ln>
+          </p:spPr>
+          <p:style>
+            <a:lnRef idx="2">
+              <a:schemeClr val="accent1">
+                <a:shade val="15000"/>
+              </a:schemeClr>
+            </a:lnRef>
+            <a:fillRef idx="1">
+              <a:schemeClr val="accent1"/>
+            </a:fillRef>
+            <a:effectRef idx="0">
+              <a:schemeClr val="accent1"/>
+            </a:effectRef>
+            <a:fontRef idx="minor">
+              <a:schemeClr val="lt1"/>
+            </a:fontRef>
+          </p:style>
+          <p:txBody>
+            <a:bodyPr rtlCol="0" anchor="ctr"/>
+            <a:lstStyle/>
+            <a:p>
+              <a:pPr algn="ctr"/>
+              <a:endParaRPr lang="fr-FR"/>
+            </a:p>
+          </p:txBody>
+        </p:sp>
+        <p:sp>
+          <p:nvSpPr>
+            <p:cNvPr id="68" name="ZoneTexte 67">
+              <a:extLst>
+                <a:ext uri="{FF2B5EF4-FFF2-40B4-BE49-F238E27FC236}">
+                  <a16:creationId xmlns:a16="http://schemas.microsoft.com/office/drawing/2014/main" id="{09F2D8D3-A3C9-70D2-77BE-07A58CB31823}"/>
+                </a:ext>
+              </a:extLst>
+            </p:cNvPr>
+            <p:cNvSpPr txBox="1"/>
+            <p:nvPr/>
+          </p:nvSpPr>
+          <p:spPr>
+            <a:xfrm>
+              <a:off x="4912138" y="1925638"/>
+              <a:ext cx="444289" cy="215444"/>
+            </a:xfrm>
+            <a:prstGeom prst="rect">
+              <a:avLst/>
+            </a:prstGeom>
+            <a:noFill/>
+          </p:spPr>
+          <p:txBody>
+            <a:bodyPr wrap="none" lIns="0" tIns="0" rIns="0" bIns="0" rtlCol="0">
+              <a:spAutoFit/>
+            </a:bodyPr>
+            <a:lstStyle/>
+            <a:p>
+              <a:pPr/>
+              <a:r>
+                <a:rPr lang="fr-FR" sz="1400" dirty="0"/>
+                <a:t>Neige</a:t>
+              </a:r>
+            </a:p>
+          </p:txBody>
+        </p:sp>
+        <p:sp>
+          <p:nvSpPr>
+            <p:cNvPr id="69" name="Éclair 68">
+              <a:extLst>
+                <a:ext uri="{FF2B5EF4-FFF2-40B4-BE49-F238E27FC236}">
+                  <a16:creationId xmlns:a16="http://schemas.microsoft.com/office/drawing/2014/main" id="{47FEC946-762A-1258-ED49-B7F39235B65C}"/>
+                </a:ext>
+              </a:extLst>
+            </p:cNvPr>
+            <p:cNvSpPr/>
+            <p:nvPr/>
+          </p:nvSpPr>
+          <p:spPr>
+            <a:xfrm rot="5875473">
+              <a:off x="6416911" y="3096740"/>
+              <a:ext cx="163485" cy="329844"/>
+            </a:xfrm>
+            <a:prstGeom prst="lightningBolt">
+              <a:avLst/>
+            </a:prstGeom>
+            <a:solidFill>
+              <a:schemeClr val="accent1">
+                <a:lumMod val="20000"/>
+                <a:lumOff val="80000"/>
+              </a:schemeClr>
+            </a:solidFill>
+            <a:ln>
+              <a:solidFill>
+                <a:schemeClr val="accent1"/>
+              </a:solidFill>
+            </a:ln>
+          </p:spPr>
+          <p:style>
+            <a:lnRef idx="2">
+              <a:schemeClr val="accent1">
+                <a:shade val="15000"/>
+              </a:schemeClr>
+            </a:lnRef>
+            <a:fillRef idx="1">
+              <a:schemeClr val="accent1"/>
+            </a:fillRef>
+            <a:effectRef idx="0">
+              <a:schemeClr val="accent1"/>
+            </a:effectRef>
+            <a:fontRef idx="minor">
+              <a:schemeClr val="lt1"/>
+            </a:fontRef>
+          </p:style>
+          <p:txBody>
+            <a:bodyPr rtlCol="0" anchor="ctr"/>
+            <a:lstStyle/>
+            <a:p>
+              <a:pPr algn="ctr"/>
+              <a:endParaRPr lang="fr-FR"/>
+            </a:p>
+          </p:txBody>
+        </p:sp>
+        <p:sp>
+          <p:nvSpPr>
+            <p:cNvPr id="70" name="Éclair 69">
+              <a:extLst>
+                <a:ext uri="{FF2B5EF4-FFF2-40B4-BE49-F238E27FC236}">
+                  <a16:creationId xmlns:a16="http://schemas.microsoft.com/office/drawing/2014/main" id="{4AABFD86-E819-AE1E-6B87-AD6926873B88}"/>
+                </a:ext>
+              </a:extLst>
+            </p:cNvPr>
+            <p:cNvSpPr/>
+            <p:nvPr/>
+          </p:nvSpPr>
+          <p:spPr>
+            <a:xfrm rot="15724527" flipH="1">
+              <a:off x="7175270" y="3120078"/>
+              <a:ext cx="163485" cy="329844"/>
+            </a:xfrm>
+            <a:prstGeom prst="lightningBolt">
+              <a:avLst/>
+            </a:prstGeom>
+            <a:solidFill>
+              <a:schemeClr val="accent1">
+                <a:lumMod val="20000"/>
+                <a:lumOff val="80000"/>
+              </a:schemeClr>
+            </a:solidFill>
+            <a:ln>
+              <a:solidFill>
+                <a:schemeClr val="accent1"/>
+              </a:solidFill>
+            </a:ln>
+          </p:spPr>
+          <p:style>
+            <a:lnRef idx="2">
+              <a:schemeClr val="accent1">
+                <a:shade val="15000"/>
+              </a:schemeClr>
+            </a:lnRef>
+            <a:fillRef idx="1">
+              <a:schemeClr val="accent1"/>
+            </a:fillRef>
+            <a:effectRef idx="0">
+              <a:schemeClr val="accent1"/>
+            </a:effectRef>
+            <a:fontRef idx="minor">
+              <a:schemeClr val="lt1"/>
+            </a:fontRef>
+          </p:style>
+          <p:txBody>
+            <a:bodyPr rtlCol="0" anchor="ctr"/>
+            <a:lstStyle/>
+            <a:p>
+              <a:pPr algn="ctr"/>
+              <a:endParaRPr lang="fr-FR"/>
+            </a:p>
+          </p:txBody>
+        </p:sp>
+        <p:sp>
+          <p:nvSpPr>
+            <p:cNvPr id="71" name="ZoneTexte 70">
+              <a:extLst>
+                <a:ext uri="{FF2B5EF4-FFF2-40B4-BE49-F238E27FC236}">
+                  <a16:creationId xmlns:a16="http://schemas.microsoft.com/office/drawing/2014/main" id="{67D02FE0-C77A-58C0-122C-BF121D004659}"/>
+                </a:ext>
+              </a:extLst>
+            </p:cNvPr>
+            <p:cNvSpPr txBox="1"/>
+            <p:nvPr/>
+          </p:nvSpPr>
+          <p:spPr>
+            <a:xfrm>
+              <a:off x="6669233" y="2978240"/>
+              <a:ext cx="480901" cy="215444"/>
+            </a:xfrm>
+            <a:prstGeom prst="rect">
+              <a:avLst/>
+            </a:prstGeom>
+            <a:noFill/>
+          </p:spPr>
+          <p:txBody>
+            <a:bodyPr wrap="none" lIns="0" tIns="0" rIns="0" bIns="0" rtlCol="0">
+              <a:spAutoFit/>
+            </a:bodyPr>
+            <a:lstStyle/>
+            <a:p>
+              <a:pPr/>
+              <a:r>
+                <a:rPr lang="fr-FR" sz="1400" dirty="0"/>
+                <a:t>Fluide</a:t>
+              </a:r>
+            </a:p>
+          </p:txBody>
+        </p:sp>
+        <mc:AlternateContent xmlns:mc="http://schemas.openxmlformats.org/markup-compatibility/2006">
+          <mc:Choice xmlns:a14="http://schemas.microsoft.com/office/drawing/2010/main" Requires="a14">
+            <p:sp>
+              <p:nvSpPr>
+                <p:cNvPr id="72" name="ZoneTexte 71">
+                  <a:extLst>
+                    <a:ext uri="{FF2B5EF4-FFF2-40B4-BE49-F238E27FC236}">
+                      <a16:creationId xmlns:a16="http://schemas.microsoft.com/office/drawing/2014/main" id="{72C938D8-7860-25EB-17A5-0D722DF440E5}"/>
+                    </a:ext>
+                  </a:extLst>
+                </p:cNvPr>
+                <p:cNvSpPr txBox="1"/>
+                <p:nvPr/>
+              </p:nvSpPr>
+              <p:spPr>
+                <a:xfrm>
+                  <a:off x="6444694" y="1782821"/>
+                  <a:ext cx="952312" cy="215444"/>
+                </a:xfrm>
+                <a:prstGeom prst="rect">
+                  <a:avLst/>
+                </a:prstGeom>
+                <a:noFill/>
+              </p:spPr>
+              <p:txBody>
+                <a:bodyPr wrap="none" lIns="0" tIns="0" rIns="0" bIns="0" rtlCol="0">
+                  <a:spAutoFit/>
+                </a:bodyPr>
+                <a:lstStyle/>
+                <a:p>
+                  <a:pPr/>
+                  <a:r>
+                    <a:rPr lang="fr-FR" sz="1400" dirty="0"/>
+                    <a:t>Pivot </a:t>
+                  </a:r>
+                  <a14:m>
+                    <m:oMath xmlns:m="http://schemas.openxmlformats.org/officeDocument/2006/math">
+                      <m:d>
+                        <m:dPr>
+                          <m:ctrlPr>
+                            <a:rPr lang="fr-FR" sz="1400" i="1" smtClean="0">
+                              <a:latin typeface="Cambria Math" panose="02040503050406030204" pitchFamily="18" charset="0"/>
+                            </a:rPr>
+                          </m:ctrlPr>
+                        </m:dPr>
+                        <m:e>
+                          <m:r>
+                            <a:rPr lang="fr-FR" sz="1400" b="0" i="1" smtClean="0">
+                              <a:latin typeface="Cambria Math" panose="02040503050406030204" pitchFamily="18" charset="0"/>
+                            </a:rPr>
+                            <m:t>𝐻</m:t>
+                          </m:r>
+                          <m:r>
+                            <a:rPr lang="fr-FR" sz="1400" b="0" i="1" smtClean="0">
+                              <a:latin typeface="Cambria Math" panose="02040503050406030204" pitchFamily="18" charset="0"/>
+                            </a:rPr>
+                            <m:t>,</m:t>
+                          </m:r>
+                          <m:acc>
+                            <m:accPr>
+                              <m:chr m:val="⃗"/>
+                              <m:ctrlPr>
+                                <a:rPr lang="fr-FR" sz="1400" b="0" i="1" smtClean="0">
+                                  <a:latin typeface="Cambria Math" panose="02040503050406030204" pitchFamily="18" charset="0"/>
+                                </a:rPr>
+                              </m:ctrlPr>
+                            </m:accPr>
+                            <m:e>
+                              <m:sSub>
+                                <m:sSubPr>
+                                  <m:ctrlPr>
+                                    <a:rPr lang="fr-FR" sz="1400" b="0" i="1" smtClean="0">
+                                      <a:latin typeface="Cambria Math" panose="02040503050406030204" pitchFamily="18" charset="0"/>
+                                    </a:rPr>
+                                  </m:ctrlPr>
+                                </m:sSubPr>
+                                <m:e>
+                                  <m:r>
+                                    <a:rPr lang="fr-FR" sz="1400" b="0" i="1" smtClean="0">
+                                      <a:latin typeface="Cambria Math" panose="02040503050406030204" pitchFamily="18" charset="0"/>
+                                    </a:rPr>
+                                    <m:t>𝑦</m:t>
+                                  </m:r>
+                                </m:e>
+                                <m:sub>
+                                  <m:r>
+                                    <a:rPr lang="fr-FR" sz="1400" b="0" i="1" smtClean="0">
+                                      <a:latin typeface="Cambria Math" panose="02040503050406030204" pitchFamily="18" charset="0"/>
+                                    </a:rPr>
+                                    <m:t>3</m:t>
+                                  </m:r>
+                                </m:sub>
+                              </m:sSub>
+                            </m:e>
+                          </m:acc>
+                        </m:e>
+                      </m:d>
+                    </m:oMath>
+                  </a14:m>
+                  <a:endParaRPr lang="fr-FR" sz="1400" dirty="0"/>
+                </a:p>
+              </p:txBody>
+            </p:sp>
+          </mc:Choice>
+          <mc:Fallback>
+            <p:sp>
+              <p:nvSpPr>
+                <p:cNvPr id="72" name="ZoneTexte 71">
+                  <a:extLst>
+                    <a:ext uri="{FF2B5EF4-FFF2-40B4-BE49-F238E27FC236}">
+                      <a16:creationId xmlns:a16="http://schemas.microsoft.com/office/drawing/2014/main" id="{72C938D8-7860-25EB-17A5-0D722DF440E5}"/>
+                    </a:ext>
+                  </a:extLst>
+                </p:cNvPr>
+                <p:cNvSpPr txBox="1">
+                  <a:spLocks noRot="1" noChangeAspect="1" noMove="1" noResize="1" noEditPoints="1" noAdjustHandles="1" noChangeArrowheads="1" noChangeShapeType="1" noTextEdit="1"/>
+                </p:cNvSpPr>
+                <p:nvPr/>
+              </p:nvSpPr>
+              <p:spPr>
+                <a:xfrm>
+                  <a:off x="6444694" y="1782821"/>
+                  <a:ext cx="952312" cy="215444"/>
+                </a:xfrm>
+                <a:prstGeom prst="rect">
+                  <a:avLst/>
+                </a:prstGeom>
+                <a:blipFill>
+                  <a:blip r:embed="rId13"/>
+                  <a:stretch>
+                    <a:fillRect l="-11538" t="-25000" b="-47222"/>
+                  </a:stretch>
+                </a:blipFill>
+              </p:spPr>
+              <p:txBody>
+                <a:bodyPr/>
+                <a:lstStyle/>
+                <a:p>
+                  <a:r>
+                    <a:rPr lang="fr-FR">
+                      <a:noFill/>
+                    </a:rPr>
+                    <a:t> </a:t>
+                  </a:r>
+                </a:p>
+              </p:txBody>
+            </p:sp>
+          </mc:Fallback>
+        </mc:AlternateContent>
+        <mc:AlternateContent xmlns:mc="http://schemas.openxmlformats.org/markup-compatibility/2006">
+          <mc:Choice xmlns:a14="http://schemas.microsoft.com/office/drawing/2010/main" Requires="a14">
+            <p:sp>
+              <p:nvSpPr>
+                <p:cNvPr id="73" name="ZoneTexte 72">
+                  <a:extLst>
+                    <a:ext uri="{FF2B5EF4-FFF2-40B4-BE49-F238E27FC236}">
+                      <a16:creationId xmlns:a16="http://schemas.microsoft.com/office/drawing/2014/main" id="{3B948C0E-183C-4909-3B84-A5A4C981BF98}"/>
+                    </a:ext>
+                  </a:extLst>
+                </p:cNvPr>
+                <p:cNvSpPr txBox="1"/>
+                <p:nvPr/>
+              </p:nvSpPr>
+              <p:spPr>
+                <a:xfrm>
+                  <a:off x="5103523" y="2625958"/>
+                  <a:ext cx="888064" cy="215444"/>
+                </a:xfrm>
+                <a:prstGeom prst="rect">
+                  <a:avLst/>
+                </a:prstGeom>
+                <a:noFill/>
+              </p:spPr>
+              <p:txBody>
+                <a:bodyPr wrap="none" lIns="0" tIns="0" rIns="0" bIns="0" rtlCol="0">
+                  <a:spAutoFit/>
+                </a:bodyPr>
+                <a:lstStyle/>
+                <a:p>
+                  <a:pPr/>
+                  <a:r>
+                    <a:rPr lang="fr-FR" sz="1400" dirty="0"/>
+                    <a:t>Pivot </a:t>
+                  </a:r>
+                  <a14:m>
+                    <m:oMath xmlns:m="http://schemas.openxmlformats.org/officeDocument/2006/math">
+                      <m:d>
+                        <m:dPr>
+                          <m:ctrlPr>
+                            <a:rPr lang="fr-FR" sz="1400" i="1" smtClean="0">
+                              <a:latin typeface="Cambria Math" panose="02040503050406030204" pitchFamily="18" charset="0"/>
+                            </a:rPr>
+                          </m:ctrlPr>
+                        </m:dPr>
+                        <m:e>
+                          <m:r>
+                            <a:rPr lang="fr-FR" sz="1400" b="0" i="1" smtClean="0">
+                              <a:latin typeface="Cambria Math" panose="02040503050406030204" pitchFamily="18" charset="0"/>
+                            </a:rPr>
+                            <m:t>𝐽</m:t>
+                          </m:r>
+                          <m:r>
+                            <a:rPr lang="fr-FR" sz="1400" b="0" i="1" smtClean="0">
+                              <a:latin typeface="Cambria Math" panose="02040503050406030204" pitchFamily="18" charset="0"/>
+                            </a:rPr>
+                            <m:t>,</m:t>
+                          </m:r>
+                          <m:acc>
+                            <m:accPr>
+                              <m:chr m:val="⃗"/>
+                              <m:ctrlPr>
+                                <a:rPr lang="fr-FR" sz="1400" b="0" i="1" smtClean="0">
+                                  <a:latin typeface="Cambria Math" panose="02040503050406030204" pitchFamily="18" charset="0"/>
+                                </a:rPr>
+                              </m:ctrlPr>
+                            </m:accPr>
+                            <m:e>
+                              <m:sSub>
+                                <m:sSubPr>
+                                  <m:ctrlPr>
+                                    <a:rPr lang="fr-FR" sz="1400" b="0" i="1" smtClean="0">
+                                      <a:latin typeface="Cambria Math" panose="02040503050406030204" pitchFamily="18" charset="0"/>
+                                    </a:rPr>
+                                  </m:ctrlPr>
+                                </m:sSubPr>
+                                <m:e>
+                                  <m:r>
+                                    <a:rPr lang="fr-FR" sz="1400" b="0" i="1" smtClean="0">
+                                      <a:latin typeface="Cambria Math" panose="02040503050406030204" pitchFamily="18" charset="0"/>
+                                    </a:rPr>
+                                    <m:t>𝑦</m:t>
+                                  </m:r>
+                                </m:e>
+                                <m:sub>
+                                  <m:r>
+                                    <a:rPr lang="fr-FR" sz="1400" b="0" i="1" smtClean="0">
+                                      <a:latin typeface="Cambria Math" panose="02040503050406030204" pitchFamily="18" charset="0"/>
+                                    </a:rPr>
+                                    <m:t>3</m:t>
+                                  </m:r>
+                                </m:sub>
+                              </m:sSub>
+                            </m:e>
+                          </m:acc>
+                        </m:e>
+                      </m:d>
+                    </m:oMath>
+                  </a14:m>
+                  <a:endParaRPr lang="fr-FR" sz="1400" dirty="0"/>
+                </a:p>
+              </p:txBody>
+            </p:sp>
+          </mc:Choice>
+          <mc:Fallback>
+            <p:sp>
+              <p:nvSpPr>
+                <p:cNvPr id="73" name="ZoneTexte 72">
+                  <a:extLst>
+                    <a:ext uri="{FF2B5EF4-FFF2-40B4-BE49-F238E27FC236}">
+                      <a16:creationId xmlns:a16="http://schemas.microsoft.com/office/drawing/2014/main" id="{3B948C0E-183C-4909-3B84-A5A4C981BF98}"/>
+                    </a:ext>
+                  </a:extLst>
+                </p:cNvPr>
+                <p:cNvSpPr txBox="1">
+                  <a:spLocks noRot="1" noChangeAspect="1" noMove="1" noResize="1" noEditPoints="1" noAdjustHandles="1" noChangeArrowheads="1" noChangeShapeType="1" noTextEdit="1"/>
+                </p:cNvSpPr>
+                <p:nvPr/>
+              </p:nvSpPr>
+              <p:spPr>
+                <a:xfrm>
+                  <a:off x="5103523" y="2625958"/>
+                  <a:ext cx="888064" cy="215444"/>
+                </a:xfrm>
+                <a:prstGeom prst="rect">
+                  <a:avLst/>
+                </a:prstGeom>
+                <a:blipFill>
+                  <a:blip r:embed="rId14"/>
+                  <a:stretch>
+                    <a:fillRect l="-12329" t="-25714" b="-51429"/>
+                  </a:stretch>
+                </a:blipFill>
+              </p:spPr>
+              <p:txBody>
+                <a:bodyPr/>
+                <a:lstStyle/>
+                <a:p>
+                  <a:r>
+                    <a:rPr lang="fr-FR">
+                      <a:noFill/>
+                    </a:rPr>
+                    <a:t> </a:t>
+                  </a:r>
+                </a:p>
+              </p:txBody>
+            </p:sp>
+          </mc:Fallback>
+        </mc:AlternateContent>
+        <mc:AlternateContent xmlns:mc="http://schemas.openxmlformats.org/markup-compatibility/2006">
+          <mc:Choice xmlns:a14="http://schemas.microsoft.com/office/drawing/2010/main" Requires="a14">
+            <p:sp>
+              <p:nvSpPr>
+                <p:cNvPr id="74" name="ZoneTexte 73">
+                  <a:extLst>
+                    <a:ext uri="{FF2B5EF4-FFF2-40B4-BE49-F238E27FC236}">
+                      <a16:creationId xmlns:a16="http://schemas.microsoft.com/office/drawing/2014/main" id="{7C00F034-67ED-7BB1-34D6-4839522C30DD}"/>
+                    </a:ext>
+                  </a:extLst>
+                </p:cNvPr>
+                <p:cNvSpPr txBox="1"/>
+                <p:nvPr/>
+              </p:nvSpPr>
+              <p:spPr>
+                <a:xfrm>
+                  <a:off x="6401572" y="3546501"/>
+                  <a:ext cx="1024191" cy="430887"/>
+                </a:xfrm>
+                <a:prstGeom prst="rect">
+                  <a:avLst/>
+                </a:prstGeom>
+                <a:noFill/>
+              </p:spPr>
+              <p:txBody>
+                <a:bodyPr wrap="none" lIns="0" tIns="0" rIns="0" bIns="0" rtlCol="0">
+                  <a:spAutoFit/>
+                </a:bodyPr>
+                <a:lstStyle/>
+                <a:p>
+                  <a:pPr/>
+                  <a:r>
+                    <a:rPr lang="fr-FR" sz="1400" dirty="0"/>
+                    <a:t>Pivot glissant</a:t>
+                  </a:r>
+                </a:p>
+                <a:p>
+                  <a:pPr/>
+                  <a14:m>
+                    <m:oMathPara xmlns:m="http://schemas.openxmlformats.org/officeDocument/2006/math">
+                      <m:oMathParaPr>
+                        <m:jc m:val="centerGroup"/>
+                      </m:oMathParaPr>
+                      <m:oMath xmlns:m="http://schemas.openxmlformats.org/officeDocument/2006/math">
+                        <m:d>
+                          <m:dPr>
+                            <m:ctrlPr>
+                              <a:rPr lang="fr-FR" sz="1400" i="1" smtClean="0">
+                                <a:latin typeface="Cambria Math" panose="02040503050406030204" pitchFamily="18" charset="0"/>
+                              </a:rPr>
+                            </m:ctrlPr>
+                          </m:dPr>
+                          <m:e>
+                            <m:r>
+                              <a:rPr lang="fr-FR" sz="1400" b="0" i="1" smtClean="0">
+                                <a:latin typeface="Cambria Math" panose="02040503050406030204" pitchFamily="18" charset="0"/>
+                              </a:rPr>
+                              <m:t>𝐽</m:t>
+                            </m:r>
+                            <m:r>
+                              <a:rPr lang="fr-FR" sz="1400" b="0" i="1" smtClean="0">
+                                <a:latin typeface="Cambria Math" panose="02040503050406030204" pitchFamily="18" charset="0"/>
+                              </a:rPr>
+                              <m:t>,</m:t>
+                            </m:r>
+                            <m:acc>
+                              <m:accPr>
+                                <m:chr m:val="⃗"/>
+                                <m:ctrlPr>
+                                  <a:rPr lang="fr-FR" sz="1400" b="0" i="1" smtClean="0">
+                                    <a:latin typeface="Cambria Math" panose="02040503050406030204" pitchFamily="18" charset="0"/>
+                                  </a:rPr>
+                                </m:ctrlPr>
+                              </m:accPr>
+                              <m:e>
+                                <m:sSub>
+                                  <m:sSubPr>
+                                    <m:ctrlPr>
+                                      <a:rPr lang="fr-FR" sz="1400" b="0" i="1" smtClean="0">
+                                        <a:latin typeface="Cambria Math" panose="02040503050406030204" pitchFamily="18" charset="0"/>
+                                      </a:rPr>
+                                    </m:ctrlPr>
+                                  </m:sSubPr>
+                                  <m:e>
+                                    <m:r>
+                                      <a:rPr lang="fr-FR" sz="1400" b="0" i="1" smtClean="0">
+                                        <a:latin typeface="Cambria Math" panose="02040503050406030204" pitchFamily="18" charset="0"/>
+                                      </a:rPr>
+                                      <m:t>𝑧</m:t>
+                                    </m:r>
+                                  </m:e>
+                                  <m:sub>
+                                    <m:r>
+                                      <a:rPr lang="fr-FR" sz="1400" b="0" i="1" smtClean="0">
+                                        <a:latin typeface="Cambria Math" panose="02040503050406030204" pitchFamily="18" charset="0"/>
+                                      </a:rPr>
+                                      <m:t>11</m:t>
+                                    </m:r>
+                                  </m:sub>
+                                </m:sSub>
+                              </m:e>
+                            </m:acc>
+                          </m:e>
+                        </m:d>
+                      </m:oMath>
+                    </m:oMathPara>
+                  </a14:m>
+                  <a:endParaRPr lang="fr-FR" sz="1400" dirty="0"/>
+                </a:p>
+              </p:txBody>
+            </p:sp>
+          </mc:Choice>
+          <mc:Fallback>
+            <p:sp>
+              <p:nvSpPr>
+                <p:cNvPr id="74" name="ZoneTexte 73">
+                  <a:extLst>
+                    <a:ext uri="{FF2B5EF4-FFF2-40B4-BE49-F238E27FC236}">
+                      <a16:creationId xmlns:a16="http://schemas.microsoft.com/office/drawing/2014/main" id="{7C00F034-67ED-7BB1-34D6-4839522C30DD}"/>
+                    </a:ext>
+                  </a:extLst>
+                </p:cNvPr>
+                <p:cNvSpPr txBox="1">
+                  <a:spLocks noRot="1" noChangeAspect="1" noMove="1" noResize="1" noEditPoints="1" noAdjustHandles="1" noChangeArrowheads="1" noChangeShapeType="1" noTextEdit="1"/>
+                </p:cNvSpPr>
+                <p:nvPr/>
+              </p:nvSpPr>
+              <p:spPr>
+                <a:xfrm>
+                  <a:off x="6401572" y="3546501"/>
+                  <a:ext cx="1024191" cy="430887"/>
+                </a:xfrm>
+                <a:prstGeom prst="rect">
+                  <a:avLst/>
+                </a:prstGeom>
+                <a:blipFill>
+                  <a:blip r:embed="rId15"/>
+                  <a:stretch>
+                    <a:fillRect l="-10714" t="-12857" r="-8929" b="-12857"/>
+                  </a:stretch>
+                </a:blipFill>
+              </p:spPr>
+              <p:txBody>
+                <a:bodyPr/>
+                <a:lstStyle/>
+                <a:p>
+                  <a:r>
+                    <a:rPr lang="fr-FR">
+                      <a:noFill/>
+                    </a:rPr>
+                    <a:t> </a:t>
+                  </a:r>
+                </a:p>
+              </p:txBody>
+            </p:sp>
+          </mc:Fallback>
+        </mc:AlternateContent>
+        <mc:AlternateContent xmlns:mc="http://schemas.openxmlformats.org/markup-compatibility/2006">
+          <mc:Choice xmlns:a14="http://schemas.microsoft.com/office/drawing/2010/main" Requires="a14">
+            <p:sp>
+              <p:nvSpPr>
+                <p:cNvPr id="75" name="ZoneTexte 74">
+                  <a:extLst>
+                    <a:ext uri="{FF2B5EF4-FFF2-40B4-BE49-F238E27FC236}">
+                      <a16:creationId xmlns:a16="http://schemas.microsoft.com/office/drawing/2014/main" id="{E1C4A347-024C-C0CD-D0D4-71D31FCB434B}"/>
+                    </a:ext>
+                  </a:extLst>
+                </p:cNvPr>
+                <p:cNvSpPr txBox="1"/>
+                <p:nvPr/>
+              </p:nvSpPr>
+              <p:spPr>
+                <a:xfrm>
+                  <a:off x="7724532" y="2637033"/>
+                  <a:ext cx="972254" cy="215444"/>
+                </a:xfrm>
+                <a:prstGeom prst="rect">
+                  <a:avLst/>
+                </a:prstGeom>
+                <a:noFill/>
+              </p:spPr>
+              <p:txBody>
+                <a:bodyPr wrap="none" lIns="0" tIns="0" rIns="0" bIns="0" rtlCol="0">
+                  <a:spAutoFit/>
+                </a:bodyPr>
+                <a:lstStyle/>
+                <a:p>
+                  <a:pPr/>
+                  <a:r>
+                    <a:rPr lang="fr-FR" sz="1400" dirty="0"/>
+                    <a:t>Pivot </a:t>
+                  </a:r>
+                  <a14:m>
+                    <m:oMath xmlns:m="http://schemas.openxmlformats.org/officeDocument/2006/math">
+                      <m:d>
+                        <m:dPr>
+                          <m:ctrlPr>
+                            <a:rPr lang="fr-FR" sz="1400" i="1" smtClean="0">
+                              <a:latin typeface="Cambria Math" panose="02040503050406030204" pitchFamily="18" charset="0"/>
+                            </a:rPr>
+                          </m:ctrlPr>
+                        </m:dPr>
+                        <m:e>
+                          <m:r>
+                            <a:rPr lang="fr-FR" sz="1400" b="0" i="1" smtClean="0">
+                              <a:latin typeface="Cambria Math" panose="02040503050406030204" pitchFamily="18" charset="0"/>
+                            </a:rPr>
+                            <m:t>𝑀</m:t>
+                          </m:r>
+                          <m:r>
+                            <a:rPr lang="fr-FR" sz="1400" b="0" i="1" smtClean="0">
+                              <a:latin typeface="Cambria Math" panose="02040503050406030204" pitchFamily="18" charset="0"/>
+                            </a:rPr>
+                            <m:t>,</m:t>
+                          </m:r>
+                          <m:acc>
+                            <m:accPr>
+                              <m:chr m:val="⃗"/>
+                              <m:ctrlPr>
+                                <a:rPr lang="fr-FR" sz="1400" b="0" i="1" smtClean="0">
+                                  <a:latin typeface="Cambria Math" panose="02040503050406030204" pitchFamily="18" charset="0"/>
+                                </a:rPr>
+                              </m:ctrlPr>
+                            </m:accPr>
+                            <m:e>
+                              <m:sSub>
+                                <m:sSubPr>
+                                  <m:ctrlPr>
+                                    <a:rPr lang="fr-FR" sz="1400" b="0" i="1" smtClean="0">
+                                      <a:latin typeface="Cambria Math" panose="02040503050406030204" pitchFamily="18" charset="0"/>
+                                    </a:rPr>
+                                  </m:ctrlPr>
+                                </m:sSubPr>
+                                <m:e>
+                                  <m:r>
+                                    <a:rPr lang="fr-FR" sz="1400" b="0" i="1" smtClean="0">
+                                      <a:latin typeface="Cambria Math" panose="02040503050406030204" pitchFamily="18" charset="0"/>
+                                    </a:rPr>
+                                    <m:t>𝑦</m:t>
+                                  </m:r>
+                                </m:e>
+                                <m:sub>
+                                  <m:r>
+                                    <a:rPr lang="fr-FR" sz="1400" b="0" i="1" smtClean="0">
+                                      <a:latin typeface="Cambria Math" panose="02040503050406030204" pitchFamily="18" charset="0"/>
+                                    </a:rPr>
+                                    <m:t>3</m:t>
+                                  </m:r>
+                                </m:sub>
+                              </m:sSub>
+                            </m:e>
+                          </m:acc>
+                        </m:e>
+                      </m:d>
+                    </m:oMath>
+                  </a14:m>
+                  <a:endParaRPr lang="fr-FR" sz="1400" dirty="0"/>
+                </a:p>
+              </p:txBody>
+            </p:sp>
+          </mc:Choice>
+          <mc:Fallback>
+            <p:sp>
+              <p:nvSpPr>
+                <p:cNvPr id="75" name="ZoneTexte 74">
+                  <a:extLst>
+                    <a:ext uri="{FF2B5EF4-FFF2-40B4-BE49-F238E27FC236}">
+                      <a16:creationId xmlns:a16="http://schemas.microsoft.com/office/drawing/2014/main" id="{E1C4A347-024C-C0CD-D0D4-71D31FCB434B}"/>
+                    </a:ext>
+                  </a:extLst>
+                </p:cNvPr>
+                <p:cNvSpPr txBox="1">
+                  <a:spLocks noRot="1" noChangeAspect="1" noMove="1" noResize="1" noEditPoints="1" noAdjustHandles="1" noChangeArrowheads="1" noChangeShapeType="1" noTextEdit="1"/>
+                </p:cNvSpPr>
+                <p:nvPr/>
+              </p:nvSpPr>
+              <p:spPr>
+                <a:xfrm>
+                  <a:off x="7724532" y="2637033"/>
+                  <a:ext cx="972254" cy="215444"/>
+                </a:xfrm>
+                <a:prstGeom prst="rect">
+                  <a:avLst/>
+                </a:prstGeom>
+                <a:blipFill>
+                  <a:blip r:embed="rId16"/>
+                  <a:stretch>
+                    <a:fillRect l="-11250" t="-28571" b="-51429"/>
+                  </a:stretch>
+                </a:blipFill>
+              </p:spPr>
+              <p:txBody>
+                <a:bodyPr/>
+                <a:lstStyle/>
+                <a:p>
+                  <a:r>
+                    <a:rPr lang="fr-FR">
+                      <a:noFill/>
+                    </a:rPr>
+                    <a:t> </a:t>
+                  </a:r>
+                </a:p>
+              </p:txBody>
+            </p:sp>
+          </mc:Fallback>
+        </mc:AlternateContent>
+      </p:grpSp>
+      <p:grpSp>
+        <p:nvGrpSpPr>
+          <p:cNvPr id="105" name="Groupe 104">
+            <a:extLst>
+              <a:ext uri="{FF2B5EF4-FFF2-40B4-BE49-F238E27FC236}">
+                <a16:creationId xmlns:a16="http://schemas.microsoft.com/office/drawing/2014/main" id="{826C7E6A-466F-295C-7FA7-B6F2C8628289}"/>
+              </a:ext>
+            </a:extLst>
+          </p:cNvPr>
+          <p:cNvGrpSpPr/>
+          <p:nvPr/>
+        </p:nvGrpSpPr>
+        <p:grpSpPr>
+          <a:xfrm>
+            <a:off x="4954340" y="4007111"/>
+            <a:ext cx="3784648" cy="2787902"/>
+            <a:chOff x="4954340" y="4007111"/>
+            <a:chExt cx="3784648" cy="2787902"/>
+          </a:xfrm>
+        </p:grpSpPr>
+        <p:grpSp>
+          <p:nvGrpSpPr>
+            <p:cNvPr id="78" name="Groupe 77">
+              <a:extLst>
+                <a:ext uri="{FF2B5EF4-FFF2-40B4-BE49-F238E27FC236}">
+                  <a16:creationId xmlns:a16="http://schemas.microsoft.com/office/drawing/2014/main" id="{3FB0790D-3BE1-1DAA-0EC7-0E1942F35977}"/>
+                </a:ext>
+              </a:extLst>
+            </p:cNvPr>
+            <p:cNvGrpSpPr/>
+            <p:nvPr/>
+          </p:nvGrpSpPr>
+          <p:grpSpPr>
+            <a:xfrm>
+              <a:off x="4954340" y="4007111"/>
+              <a:ext cx="3784648" cy="2745381"/>
+              <a:chOff x="4912138" y="1232007"/>
+              <a:chExt cx="3784648" cy="2745381"/>
+            </a:xfrm>
+          </p:grpSpPr>
+          <p:sp>
+            <p:nvSpPr>
+              <p:cNvPr id="79" name="Forme libre : forme 78">
+                <a:extLst>
+                  <a:ext uri="{FF2B5EF4-FFF2-40B4-BE49-F238E27FC236}">
+                    <a16:creationId xmlns:a16="http://schemas.microsoft.com/office/drawing/2014/main" id="{65E9D043-BC08-DC96-9827-F856A05DD085}"/>
+                  </a:ext>
+                </a:extLst>
+              </p:cNvPr>
+              <p:cNvSpPr/>
+              <p:nvPr/>
+            </p:nvSpPr>
+            <p:spPr>
+              <a:xfrm>
+                <a:off x="7871803" y="1925638"/>
+                <a:ext cx="71477" cy="257175"/>
+              </a:xfrm>
+              <a:custGeom>
+                <a:avLst/>
+                <a:gdLst>
+                  <a:gd name="connsiteX0" fmla="*/ 0 w 58135"/>
+                  <a:gd name="connsiteY0" fmla="*/ 0 h 171450"/>
+                  <a:gd name="connsiteX1" fmla="*/ 57150 w 58135"/>
+                  <a:gd name="connsiteY1" fmla="*/ 101600 h 171450"/>
+                  <a:gd name="connsiteX2" fmla="*/ 38100 w 58135"/>
+                  <a:gd name="connsiteY2" fmla="*/ 171450 h 171450"/>
+                  <a:gd name="connsiteX0" fmla="*/ 19059 w 76553"/>
+                  <a:gd name="connsiteY0" fmla="*/ 0 h 320675"/>
+                  <a:gd name="connsiteX1" fmla="*/ 76209 w 76553"/>
+                  <a:gd name="connsiteY1" fmla="*/ 101600 h 320675"/>
+                  <a:gd name="connsiteX2" fmla="*/ 9 w 76553"/>
+                  <a:gd name="connsiteY2" fmla="*/ 320675 h 320675"/>
+                  <a:gd name="connsiteX0" fmla="*/ 0 w 92419"/>
+                  <a:gd name="connsiteY0" fmla="*/ 0 h 320675"/>
+                  <a:gd name="connsiteX1" fmla="*/ 92075 w 92419"/>
+                  <a:gd name="connsiteY1" fmla="*/ 101600 h 320675"/>
+                  <a:gd name="connsiteX2" fmla="*/ 15875 w 92419"/>
+                  <a:gd name="connsiteY2" fmla="*/ 320675 h 320675"/>
+                  <a:gd name="connsiteX0" fmla="*/ 0 w 99162"/>
+                  <a:gd name="connsiteY0" fmla="*/ 0 h 320675"/>
+                  <a:gd name="connsiteX1" fmla="*/ 92075 w 99162"/>
+                  <a:gd name="connsiteY1" fmla="*/ 101600 h 320675"/>
+                  <a:gd name="connsiteX2" fmla="*/ 15875 w 99162"/>
+                  <a:gd name="connsiteY2" fmla="*/ 320675 h 320675"/>
+                  <a:gd name="connsiteX0" fmla="*/ 9535 w 95492"/>
+                  <a:gd name="connsiteY0" fmla="*/ 0 h 320675"/>
+                  <a:gd name="connsiteX1" fmla="*/ 76210 w 95492"/>
+                  <a:gd name="connsiteY1" fmla="*/ 101600 h 320675"/>
+                  <a:gd name="connsiteX2" fmla="*/ 10 w 95492"/>
+                  <a:gd name="connsiteY2" fmla="*/ 320675 h 320675"/>
+                  <a:gd name="connsiteX0" fmla="*/ 0 w 114300"/>
+                  <a:gd name="connsiteY0" fmla="*/ 0 h 355600"/>
+                  <a:gd name="connsiteX1" fmla="*/ 66675 w 114300"/>
+                  <a:gd name="connsiteY1" fmla="*/ 101600 h 355600"/>
+                  <a:gd name="connsiteX2" fmla="*/ 114300 w 114300"/>
+                  <a:gd name="connsiteY2" fmla="*/ 355600 h 355600"/>
+                  <a:gd name="connsiteX0" fmla="*/ 0 w 159765"/>
+                  <a:gd name="connsiteY0" fmla="*/ 0 h 355945"/>
+                  <a:gd name="connsiteX1" fmla="*/ 66675 w 159765"/>
+                  <a:gd name="connsiteY1" fmla="*/ 101600 h 355945"/>
+                  <a:gd name="connsiteX2" fmla="*/ 114300 w 159765"/>
+                  <a:gd name="connsiteY2" fmla="*/ 355600 h 355945"/>
+                  <a:gd name="connsiteX0" fmla="*/ 0 w 85957"/>
+                  <a:gd name="connsiteY0" fmla="*/ 0 h 298901"/>
+                  <a:gd name="connsiteX1" fmla="*/ 66675 w 85957"/>
+                  <a:gd name="connsiteY1" fmla="*/ 101600 h 298901"/>
+                  <a:gd name="connsiteX2" fmla="*/ 3175 w 85957"/>
+                  <a:gd name="connsiteY2" fmla="*/ 298450 h 298901"/>
+                  <a:gd name="connsiteX0" fmla="*/ 0 w 85957"/>
+                  <a:gd name="connsiteY0" fmla="*/ 0 h 299164"/>
+                  <a:gd name="connsiteX1" fmla="*/ 66675 w 85957"/>
+                  <a:gd name="connsiteY1" fmla="*/ 101600 h 299164"/>
+                  <a:gd name="connsiteX2" fmla="*/ 3175 w 85957"/>
+                  <a:gd name="connsiteY2" fmla="*/ 298450 h 299164"/>
+                  <a:gd name="connsiteX0" fmla="*/ 0 w 88885"/>
+                  <a:gd name="connsiteY0" fmla="*/ 0 h 299164"/>
+                  <a:gd name="connsiteX1" fmla="*/ 66675 w 88885"/>
+                  <a:gd name="connsiteY1" fmla="*/ 101600 h 299164"/>
+                  <a:gd name="connsiteX2" fmla="*/ 3175 w 88885"/>
+                  <a:gd name="connsiteY2" fmla="*/ 298450 h 299164"/>
+                  <a:gd name="connsiteX0" fmla="*/ 0 w 90511"/>
+                  <a:gd name="connsiteY0" fmla="*/ 0 h 299164"/>
+                  <a:gd name="connsiteX1" fmla="*/ 66675 w 90511"/>
+                  <a:gd name="connsiteY1" fmla="*/ 101600 h 299164"/>
+                  <a:gd name="connsiteX2" fmla="*/ 3175 w 90511"/>
+                  <a:gd name="connsiteY2" fmla="*/ 298450 h 299164"/>
+                  <a:gd name="connsiteX0" fmla="*/ 0 w 93687"/>
+                  <a:gd name="connsiteY0" fmla="*/ 0 h 299421"/>
+                  <a:gd name="connsiteX1" fmla="*/ 73025 w 93687"/>
+                  <a:gd name="connsiteY1" fmla="*/ 133350 h 299421"/>
+                  <a:gd name="connsiteX2" fmla="*/ 3175 w 93687"/>
+                  <a:gd name="connsiteY2" fmla="*/ 298450 h 299421"/>
+                  <a:gd name="connsiteX0" fmla="*/ 0 w 83377"/>
+                  <a:gd name="connsiteY0" fmla="*/ 0 h 299684"/>
+                  <a:gd name="connsiteX1" fmla="*/ 50800 w 83377"/>
+                  <a:gd name="connsiteY1" fmla="*/ 152400 h 299684"/>
+                  <a:gd name="connsiteX2" fmla="*/ 3175 w 83377"/>
+                  <a:gd name="connsiteY2" fmla="*/ 298450 h 299684"/>
+                  <a:gd name="connsiteX0" fmla="*/ 0 w 71477"/>
+                  <a:gd name="connsiteY0" fmla="*/ 0 h 299684"/>
+                  <a:gd name="connsiteX1" fmla="*/ 50800 w 71477"/>
+                  <a:gd name="connsiteY1" fmla="*/ 152400 h 299684"/>
+                  <a:gd name="connsiteX2" fmla="*/ 3175 w 71477"/>
+                  <a:gd name="connsiteY2" fmla="*/ 298450 h 299684"/>
+                </a:gdLst>
+                <a:ahLst/>
+                <a:cxnLst>
+                  <a:cxn ang="0">
+                    <a:pos x="connsiteX0" y="connsiteY0"/>
+                  </a:cxn>
+                  <a:cxn ang="0">
+                    <a:pos x="connsiteX1" y="connsiteY1"/>
+                  </a:cxn>
+                  <a:cxn ang="0">
+                    <a:pos x="connsiteX2" y="connsiteY2"/>
+                  </a:cxn>
+                </a:cxnLst>
+                <a:rect l="l" t="t" r="r" b="b"/>
+                <a:pathLst>
+                  <a:path w="71477" h="299684">
+                    <a:moveTo>
+                      <a:pt x="0" y="0"/>
+                    </a:moveTo>
+                    <a:cubicBezTo>
+                      <a:pt x="101600" y="1587"/>
+                      <a:pt x="57150" y="53975"/>
+                      <a:pt x="50800" y="152400"/>
+                    </a:cubicBezTo>
+                    <a:cubicBezTo>
+                      <a:pt x="44450" y="250825"/>
+                      <a:pt x="125942" y="309033"/>
+                      <a:pt x="3175" y="298450"/>
+                    </a:cubicBezTo>
+                  </a:path>
+                </a:pathLst>
+              </a:custGeom>
+              <a:solidFill>
+                <a:schemeClr val="accent5">
+                  <a:lumMod val="20000"/>
+                  <a:lumOff val="80000"/>
+                </a:schemeClr>
+              </a:solidFill>
+              <a:ln>
+                <a:solidFill>
+                  <a:schemeClr val="accent5"/>
+                </a:solidFill>
+              </a:ln>
+            </p:spPr>
+            <p:style>
+              <a:lnRef idx="2">
+                <a:schemeClr val="accent1">
+                  <a:shade val="15000"/>
+                </a:schemeClr>
+              </a:lnRef>
+              <a:fillRef idx="1">
+                <a:schemeClr val="accent1"/>
+              </a:fillRef>
+              <a:effectRef idx="0">
+                <a:schemeClr val="accent1"/>
+              </a:effectRef>
+              <a:fontRef idx="minor">
+                <a:schemeClr val="lt1"/>
+              </a:fontRef>
+            </p:style>
+            <p:txBody>
+              <a:bodyPr rtlCol="0" anchor="ctr"/>
+              <a:lstStyle/>
+              <a:p>
+                <a:pPr algn="ctr"/>
+                <a:endParaRPr lang="fr-FR"/>
+              </a:p>
+            </p:txBody>
+          </p:sp>
+          <p:sp>
+            <p:nvSpPr>
+              <p:cNvPr id="80" name="Ellipse 79">
+                <a:extLst>
+                  <a:ext uri="{FF2B5EF4-FFF2-40B4-BE49-F238E27FC236}">
+                    <a16:creationId xmlns:a16="http://schemas.microsoft.com/office/drawing/2014/main" id="{1E31D3DA-2685-8702-5241-040A33924A8D}"/>
+                  </a:ext>
+                </a:extLst>
+              </p:cNvPr>
+              <p:cNvSpPr/>
+              <p:nvPr/>
+            </p:nvSpPr>
+            <p:spPr>
+              <a:xfrm>
+                <a:off x="6021662" y="1910828"/>
+                <a:ext cx="288000" cy="288000"/>
+              </a:xfrm>
+              <a:prstGeom prst="ellipse">
+                <a:avLst/>
+              </a:prstGeom>
+              <a:solidFill>
+                <a:schemeClr val="bg1"/>
+              </a:solidFill>
+              <a:ln w="19050">
+                <a:solidFill>
+                  <a:schemeClr val="accent2"/>
+                </a:solidFill>
+              </a:ln>
+            </p:spPr>
+            <p:style>
+              <a:lnRef idx="2">
+                <a:schemeClr val="accent1"/>
+              </a:lnRef>
+              <a:fillRef idx="0">
+                <a:schemeClr val="accent1"/>
+              </a:fillRef>
+              <a:effectRef idx="1">
+                <a:schemeClr val="accent1"/>
+              </a:effectRef>
+              <a:fontRef idx="minor">
+                <a:schemeClr val="tx1"/>
+              </a:fontRef>
+            </p:style>
+            <p:txBody>
+              <a:bodyPr rtlCol="0" anchor="ctr"/>
+              <a:lstStyle/>
+              <a:p>
+                <a:pPr algn="ctr"/>
+                <a:r>
+                  <a:rPr lang="fr-FR" sz="1200" b="1" dirty="0">
+                    <a:solidFill>
+                      <a:schemeClr val="accent2"/>
+                    </a:solidFill>
+                  </a:rPr>
+                  <a:t>7</a:t>
+                </a:r>
+              </a:p>
+            </p:txBody>
+          </p:sp>
+          <p:sp>
+            <p:nvSpPr>
+              <p:cNvPr id="81" name="Ellipse 80">
+                <a:extLst>
+                  <a:ext uri="{FF2B5EF4-FFF2-40B4-BE49-F238E27FC236}">
+                    <a16:creationId xmlns:a16="http://schemas.microsoft.com/office/drawing/2014/main" id="{6B4F5C89-A4A4-9FE6-5724-CEFCE0F5BC9B}"/>
+                  </a:ext>
+                </a:extLst>
+              </p:cNvPr>
+              <p:cNvSpPr/>
+              <p:nvPr/>
+            </p:nvSpPr>
+            <p:spPr>
+              <a:xfrm>
+                <a:off x="6021662" y="3285000"/>
+                <a:ext cx="288000" cy="288000"/>
+              </a:xfrm>
+              <a:prstGeom prst="ellipse">
+                <a:avLst/>
+              </a:prstGeom>
+              <a:solidFill>
+                <a:schemeClr val="bg1"/>
+              </a:solidFill>
+              <a:ln w="19050">
+                <a:solidFill>
+                  <a:schemeClr val="accent1"/>
+                </a:solidFill>
+              </a:ln>
+            </p:spPr>
+            <p:style>
+              <a:lnRef idx="2">
+                <a:schemeClr val="accent1"/>
+              </a:lnRef>
+              <a:fillRef idx="0">
+                <a:schemeClr val="accent1"/>
+              </a:fillRef>
+              <a:effectRef idx="1">
+                <a:schemeClr val="accent1"/>
+              </a:effectRef>
+              <a:fontRef idx="minor">
+                <a:schemeClr val="tx1"/>
+              </a:fontRef>
+            </p:style>
+            <p:txBody>
+              <a:bodyPr lIns="0" rIns="0" rtlCol="0" anchor="ctr"/>
+              <a:lstStyle/>
+              <a:p>
+                <a:pPr algn="ctr"/>
+                <a:r>
+                  <a:rPr lang="fr-FR" sz="1200" b="1" dirty="0">
+                    <a:solidFill>
+                      <a:schemeClr val="accent1"/>
+                    </a:solidFill>
+                  </a:rPr>
+                  <a:t>11</a:t>
+                </a:r>
+              </a:p>
+            </p:txBody>
+          </p:sp>
+          <p:sp>
+            <p:nvSpPr>
+              <p:cNvPr id="82" name="Ellipse 81">
+                <a:extLst>
+                  <a:ext uri="{FF2B5EF4-FFF2-40B4-BE49-F238E27FC236}">
+                    <a16:creationId xmlns:a16="http://schemas.microsoft.com/office/drawing/2014/main" id="{50AD5637-A0F9-E61F-50E2-65777FC25396}"/>
+                  </a:ext>
+                </a:extLst>
+              </p:cNvPr>
+              <p:cNvSpPr/>
+              <p:nvPr/>
+            </p:nvSpPr>
+            <p:spPr>
+              <a:xfrm>
+                <a:off x="7467402" y="3286588"/>
+                <a:ext cx="288000" cy="288000"/>
+              </a:xfrm>
+              <a:prstGeom prst="ellipse">
+                <a:avLst/>
+              </a:prstGeom>
+              <a:solidFill>
+                <a:schemeClr val="bg1"/>
+              </a:solidFill>
+              <a:ln w="19050">
+                <a:solidFill>
+                  <a:srgbClr val="00B0F0"/>
+                </a:solidFill>
+              </a:ln>
+            </p:spPr>
+            <p:style>
+              <a:lnRef idx="2">
+                <a:schemeClr val="accent1"/>
+              </a:lnRef>
+              <a:fillRef idx="0">
+                <a:schemeClr val="accent1"/>
+              </a:fillRef>
+              <a:effectRef idx="1">
+                <a:schemeClr val="accent1"/>
+              </a:effectRef>
+              <a:fontRef idx="minor">
+                <a:schemeClr val="tx1"/>
+              </a:fontRef>
+            </p:style>
+            <p:txBody>
+              <a:bodyPr lIns="0" rIns="0" rtlCol="0" anchor="ctr"/>
+              <a:lstStyle/>
+              <a:p>
+                <a:pPr algn="ctr"/>
+                <a:r>
+                  <a:rPr lang="fr-FR" sz="1200" b="1" dirty="0">
+                    <a:solidFill>
+                      <a:srgbClr val="00B0F0"/>
+                    </a:solidFill>
+                  </a:rPr>
+                  <a:t>10</a:t>
+                </a:r>
+              </a:p>
+            </p:txBody>
+          </p:sp>
+          <p:sp>
+            <p:nvSpPr>
+              <p:cNvPr id="83" name="Ellipse 82">
+                <a:extLst>
+                  <a:ext uri="{FF2B5EF4-FFF2-40B4-BE49-F238E27FC236}">
+                    <a16:creationId xmlns:a16="http://schemas.microsoft.com/office/drawing/2014/main" id="{882758C2-389F-B79D-4F26-2284C10B93AF}"/>
+                  </a:ext>
+                </a:extLst>
+              </p:cNvPr>
+              <p:cNvSpPr/>
+              <p:nvPr/>
+            </p:nvSpPr>
+            <p:spPr>
+              <a:xfrm>
+                <a:off x="7467402" y="1910828"/>
+                <a:ext cx="288000" cy="288000"/>
+              </a:xfrm>
+              <a:prstGeom prst="ellipse">
+                <a:avLst/>
+              </a:prstGeom>
+              <a:solidFill>
+                <a:schemeClr val="bg1"/>
+              </a:solidFill>
+              <a:ln w="19050">
+                <a:solidFill>
+                  <a:schemeClr val="accent5"/>
+                </a:solidFill>
+              </a:ln>
+            </p:spPr>
+            <p:style>
+              <a:lnRef idx="2">
+                <a:schemeClr val="accent1"/>
+              </a:lnRef>
+              <a:fillRef idx="0">
+                <a:schemeClr val="accent1"/>
+              </a:fillRef>
+              <a:effectRef idx="1">
+                <a:schemeClr val="accent1"/>
+              </a:effectRef>
+              <a:fontRef idx="minor">
+                <a:schemeClr val="tx1"/>
+              </a:fontRef>
+            </p:style>
+            <p:txBody>
+              <a:bodyPr lIns="0" rIns="0" rtlCol="0" anchor="ctr"/>
+              <a:lstStyle/>
+              <a:p>
+                <a:pPr algn="ctr"/>
+                <a:r>
+                  <a:rPr lang="fr-FR" sz="1200" b="1" dirty="0">
+                    <a:solidFill>
+                      <a:schemeClr val="accent5"/>
+                    </a:solidFill>
+                  </a:rPr>
+                  <a:t>3</a:t>
+                </a:r>
+              </a:p>
+            </p:txBody>
+          </p:sp>
+          <p:cxnSp>
+            <p:nvCxnSpPr>
+              <p:cNvPr id="84" name="Connecteur droit 83">
+                <a:extLst>
+                  <a:ext uri="{FF2B5EF4-FFF2-40B4-BE49-F238E27FC236}">
+                    <a16:creationId xmlns:a16="http://schemas.microsoft.com/office/drawing/2014/main" id="{7BE7A405-A94A-3B99-B3E8-9598F9ACA5CB}"/>
+                  </a:ext>
+                </a:extLst>
+              </p:cNvPr>
+              <p:cNvCxnSpPr>
+                <a:cxnSpLocks/>
+                <a:stCxn id="83" idx="2"/>
+                <a:endCxn id="80" idx="6"/>
+              </p:cNvCxnSpPr>
+              <p:nvPr/>
+            </p:nvCxnSpPr>
+            <p:spPr>
+              <a:xfrm flipH="1">
+                <a:off x="6309662" y="2054828"/>
+                <a:ext cx="1157740" cy="0"/>
+              </a:xfrm>
+              <a:prstGeom prst="line">
+                <a:avLst/>
+              </a:prstGeom>
+              <a:ln w="19050">
+                <a:solidFill>
+                  <a:schemeClr val="accent1"/>
+                </a:solidFill>
+              </a:ln>
+            </p:spPr>
+            <p:style>
+              <a:lnRef idx="2">
+                <a:schemeClr val="accent1"/>
+              </a:lnRef>
+              <a:fillRef idx="0">
+                <a:schemeClr val="accent1"/>
+              </a:fillRef>
+              <a:effectRef idx="1">
+                <a:schemeClr val="accent1"/>
+              </a:effectRef>
+              <a:fontRef idx="minor">
+                <a:schemeClr val="tx1"/>
+              </a:fontRef>
+            </p:style>
+          </p:cxnSp>
+          <p:cxnSp>
+            <p:nvCxnSpPr>
+              <p:cNvPr id="85" name="Connecteur droit 84">
+                <a:extLst>
+                  <a:ext uri="{FF2B5EF4-FFF2-40B4-BE49-F238E27FC236}">
+                    <a16:creationId xmlns:a16="http://schemas.microsoft.com/office/drawing/2014/main" id="{9FC26784-FAC0-78E3-461A-7BFA471544B7}"/>
+                  </a:ext>
+                </a:extLst>
+              </p:cNvPr>
+              <p:cNvCxnSpPr>
+                <a:cxnSpLocks/>
+                <a:stCxn id="81" idx="0"/>
+                <a:endCxn id="80" idx="4"/>
+              </p:cNvCxnSpPr>
+              <p:nvPr/>
+            </p:nvCxnSpPr>
+            <p:spPr>
+              <a:xfrm flipV="1">
+                <a:off x="6165662" y="2198828"/>
+                <a:ext cx="0" cy="1086172"/>
+              </a:xfrm>
+              <a:prstGeom prst="line">
+                <a:avLst/>
+              </a:prstGeom>
+              <a:ln w="19050">
+                <a:solidFill>
+                  <a:schemeClr val="accent1"/>
+                </a:solidFill>
+              </a:ln>
+            </p:spPr>
+            <p:style>
+              <a:lnRef idx="2">
+                <a:schemeClr val="accent1"/>
+              </a:lnRef>
+              <a:fillRef idx="0">
+                <a:schemeClr val="accent1"/>
+              </a:fillRef>
+              <a:effectRef idx="1">
+                <a:schemeClr val="accent1"/>
+              </a:effectRef>
+              <a:fontRef idx="minor">
+                <a:schemeClr val="tx1"/>
+              </a:fontRef>
+            </p:style>
+          </p:cxnSp>
+          <p:cxnSp>
+            <p:nvCxnSpPr>
+              <p:cNvPr id="86" name="Connecteur droit 85">
+                <a:extLst>
+                  <a:ext uri="{FF2B5EF4-FFF2-40B4-BE49-F238E27FC236}">
+                    <a16:creationId xmlns:a16="http://schemas.microsoft.com/office/drawing/2014/main" id="{76845EC1-4CF1-0D8C-D84D-85A5D8F1E513}"/>
+                  </a:ext>
+                </a:extLst>
+              </p:cNvPr>
+              <p:cNvCxnSpPr>
+                <a:cxnSpLocks/>
+                <a:stCxn id="82" idx="2"/>
+                <a:endCxn id="81" idx="6"/>
+              </p:cNvCxnSpPr>
+              <p:nvPr/>
+            </p:nvCxnSpPr>
+            <p:spPr>
+              <a:xfrm flipH="1" flipV="1">
+                <a:off x="6309662" y="3429000"/>
+                <a:ext cx="1157740" cy="1588"/>
+              </a:xfrm>
+              <a:prstGeom prst="line">
+                <a:avLst/>
+              </a:prstGeom>
+              <a:ln w="19050">
+                <a:solidFill>
+                  <a:schemeClr val="accent1"/>
+                </a:solidFill>
+              </a:ln>
+            </p:spPr>
+            <p:style>
+              <a:lnRef idx="2">
+                <a:schemeClr val="accent1"/>
+              </a:lnRef>
+              <a:fillRef idx="0">
+                <a:schemeClr val="accent1"/>
+              </a:fillRef>
+              <a:effectRef idx="1">
+                <a:schemeClr val="accent1"/>
+              </a:effectRef>
+              <a:fontRef idx="minor">
+                <a:schemeClr val="tx1"/>
+              </a:fontRef>
+            </p:style>
+          </p:cxnSp>
+          <p:cxnSp>
+            <p:nvCxnSpPr>
+              <p:cNvPr id="87" name="Connecteur droit 86">
+                <a:extLst>
+                  <a:ext uri="{FF2B5EF4-FFF2-40B4-BE49-F238E27FC236}">
+                    <a16:creationId xmlns:a16="http://schemas.microsoft.com/office/drawing/2014/main" id="{071DF274-1606-F76D-C6E1-A692F6C9AB9F}"/>
+                  </a:ext>
+                </a:extLst>
+              </p:cNvPr>
+              <p:cNvCxnSpPr>
+                <a:cxnSpLocks/>
+                <a:stCxn id="82" idx="0"/>
+                <a:endCxn id="83" idx="4"/>
+              </p:cNvCxnSpPr>
+              <p:nvPr/>
+            </p:nvCxnSpPr>
+            <p:spPr>
+              <a:xfrm flipV="1">
+                <a:off x="7611402" y="2198828"/>
+                <a:ext cx="0" cy="1087760"/>
+              </a:xfrm>
+              <a:prstGeom prst="line">
+                <a:avLst/>
+              </a:prstGeom>
+              <a:ln w="19050">
+                <a:solidFill>
+                  <a:schemeClr val="accent1"/>
+                </a:solidFill>
+              </a:ln>
+            </p:spPr>
+            <p:style>
+              <a:lnRef idx="2">
+                <a:schemeClr val="accent1"/>
+              </a:lnRef>
+              <a:fillRef idx="0">
+                <a:schemeClr val="accent1"/>
+              </a:fillRef>
+              <a:effectRef idx="1">
+                <a:schemeClr val="accent1"/>
+              </a:effectRef>
+              <a:fontRef idx="minor">
+                <a:schemeClr val="tx1"/>
+              </a:fontRef>
+            </p:style>
+          </p:cxnSp>
+          <p:cxnSp>
+            <p:nvCxnSpPr>
+              <p:cNvPr id="88" name="Connecteur droit 87">
+                <a:extLst>
+                  <a:ext uri="{FF2B5EF4-FFF2-40B4-BE49-F238E27FC236}">
+                    <a16:creationId xmlns:a16="http://schemas.microsoft.com/office/drawing/2014/main" id="{1C5FA8D4-A0D7-82C7-D3DF-2E8A41A0F37E}"/>
+                  </a:ext>
+                </a:extLst>
+              </p:cNvPr>
+              <p:cNvCxnSpPr>
+                <a:cxnSpLocks/>
+              </p:cNvCxnSpPr>
+              <p:nvPr/>
+            </p:nvCxnSpPr>
+            <p:spPr>
+              <a:xfrm flipH="1" flipV="1">
+                <a:off x="7871803" y="1910828"/>
+                <a:ext cx="0" cy="288000"/>
+              </a:xfrm>
+              <a:prstGeom prst="line">
+                <a:avLst/>
+              </a:prstGeom>
+              <a:ln w="19050">
+                <a:solidFill>
+                  <a:schemeClr val="accent5"/>
+                </a:solidFill>
+              </a:ln>
+            </p:spPr>
+            <p:style>
+              <a:lnRef idx="2">
+                <a:schemeClr val="accent1"/>
+              </a:lnRef>
+              <a:fillRef idx="0">
+                <a:schemeClr val="accent1"/>
+              </a:fillRef>
+              <a:effectRef idx="1">
+                <a:schemeClr val="accent1"/>
+              </a:effectRef>
+              <a:fontRef idx="minor">
+                <a:schemeClr val="tx1"/>
+              </a:fontRef>
+            </p:style>
+          </p:cxnSp>
+          <p:cxnSp>
+            <p:nvCxnSpPr>
+              <p:cNvPr id="89" name="Connecteur droit 88">
+                <a:extLst>
+                  <a:ext uri="{FF2B5EF4-FFF2-40B4-BE49-F238E27FC236}">
+                    <a16:creationId xmlns:a16="http://schemas.microsoft.com/office/drawing/2014/main" id="{A590AC4F-DEFC-B144-72B7-14468D6A8ECB}"/>
+                  </a:ext>
+                </a:extLst>
+              </p:cNvPr>
+              <p:cNvCxnSpPr>
+                <a:cxnSpLocks/>
+                <a:endCxn id="83" idx="6"/>
+              </p:cNvCxnSpPr>
+              <p:nvPr/>
+            </p:nvCxnSpPr>
+            <p:spPr>
+              <a:xfrm flipH="1">
+                <a:off x="7755402" y="2054828"/>
+                <a:ext cx="116401" cy="0"/>
+              </a:xfrm>
+              <a:prstGeom prst="line">
+                <a:avLst/>
+              </a:prstGeom>
+              <a:ln w="19050">
+                <a:solidFill>
+                  <a:schemeClr val="accent5"/>
+                </a:solidFill>
+              </a:ln>
+            </p:spPr>
+            <p:style>
+              <a:lnRef idx="2">
+                <a:schemeClr val="accent1"/>
+              </a:lnRef>
+              <a:fillRef idx="0">
+                <a:schemeClr val="accent1"/>
+              </a:fillRef>
+              <a:effectRef idx="1">
+                <a:schemeClr val="accent1"/>
+              </a:effectRef>
+              <a:fontRef idx="minor">
+                <a:schemeClr val="tx1"/>
+              </a:fontRef>
+            </p:style>
+          </p:cxnSp>
+          <p:sp>
+            <p:nvSpPr>
+              <p:cNvPr id="90" name="ZoneTexte 89">
+                <a:extLst>
+                  <a:ext uri="{FF2B5EF4-FFF2-40B4-BE49-F238E27FC236}">
+                    <a16:creationId xmlns:a16="http://schemas.microsoft.com/office/drawing/2014/main" id="{1711DCF7-A2F1-9B49-D96F-2A3A40691637}"/>
+                  </a:ext>
+                </a:extLst>
+              </p:cNvPr>
+              <p:cNvSpPr txBox="1"/>
+              <p:nvPr/>
+            </p:nvSpPr>
+            <p:spPr>
+              <a:xfrm>
+                <a:off x="5379806" y="1232007"/>
+                <a:ext cx="785856" cy="215444"/>
+              </a:xfrm>
+              <a:prstGeom prst="rect">
+                <a:avLst/>
+              </a:prstGeom>
+              <a:noFill/>
+            </p:spPr>
+            <p:txBody>
+              <a:bodyPr wrap="none" lIns="0" tIns="0" rIns="0" bIns="0" rtlCol="0">
+                <a:spAutoFit/>
+              </a:bodyPr>
+              <a:lstStyle/>
+              <a:p>
+                <a:pPr/>
+                <a:r>
+                  <a:rPr lang="fr-FR" sz="1400" dirty="0"/>
+                  <a:t>Pesanteur</a:t>
+                </a:r>
+              </a:p>
+            </p:txBody>
+          </p:sp>
+          <p:sp>
+            <p:nvSpPr>
+              <p:cNvPr id="91" name="Éclair 90">
+                <a:extLst>
+                  <a:ext uri="{FF2B5EF4-FFF2-40B4-BE49-F238E27FC236}">
+                    <a16:creationId xmlns:a16="http://schemas.microsoft.com/office/drawing/2014/main" id="{B5503A77-94E7-046B-4CDD-2756B5992F15}"/>
+                  </a:ext>
+                </a:extLst>
+              </p:cNvPr>
+              <p:cNvSpPr/>
+              <p:nvPr/>
+            </p:nvSpPr>
+            <p:spPr>
+              <a:xfrm>
+                <a:off x="5706532" y="1481667"/>
+                <a:ext cx="309970" cy="429161"/>
+              </a:xfrm>
+              <a:prstGeom prst="lightningBolt">
+                <a:avLst/>
+              </a:prstGeom>
+              <a:solidFill>
+                <a:schemeClr val="accent1">
+                  <a:lumMod val="20000"/>
+                  <a:lumOff val="80000"/>
+                </a:schemeClr>
+              </a:solidFill>
+              <a:ln>
+                <a:solidFill>
+                  <a:schemeClr val="accent1"/>
+                </a:solidFill>
+              </a:ln>
+            </p:spPr>
+            <p:style>
+              <a:lnRef idx="2">
+                <a:schemeClr val="accent1">
+                  <a:shade val="15000"/>
+                </a:schemeClr>
+              </a:lnRef>
+              <a:fillRef idx="1">
+                <a:schemeClr val="accent1"/>
+              </a:fillRef>
+              <a:effectRef idx="0">
+                <a:schemeClr val="accent1"/>
+              </a:effectRef>
+              <a:fontRef idx="minor">
+                <a:schemeClr val="lt1"/>
+              </a:fontRef>
+            </p:style>
+            <p:txBody>
+              <a:bodyPr rtlCol="0" anchor="ctr"/>
+              <a:lstStyle/>
+              <a:p>
+                <a:pPr algn="ctr"/>
+                <a:endParaRPr lang="fr-FR"/>
+              </a:p>
+            </p:txBody>
+          </p:sp>
+          <p:sp>
+            <p:nvSpPr>
+              <p:cNvPr id="92" name="Éclair 91">
+                <a:extLst>
+                  <a:ext uri="{FF2B5EF4-FFF2-40B4-BE49-F238E27FC236}">
+                    <a16:creationId xmlns:a16="http://schemas.microsoft.com/office/drawing/2014/main" id="{1A858368-FCEF-2BD3-6224-AC49046286ED}"/>
+                  </a:ext>
+                </a:extLst>
+              </p:cNvPr>
+              <p:cNvSpPr/>
+              <p:nvPr/>
+            </p:nvSpPr>
+            <p:spPr>
+              <a:xfrm rot="18084188">
+                <a:off x="5536824" y="1839643"/>
+                <a:ext cx="309970" cy="429161"/>
+              </a:xfrm>
+              <a:prstGeom prst="lightningBolt">
+                <a:avLst/>
+              </a:prstGeom>
+              <a:solidFill>
+                <a:schemeClr val="accent1">
+                  <a:lumMod val="20000"/>
+                  <a:lumOff val="80000"/>
+                </a:schemeClr>
+              </a:solidFill>
+              <a:ln>
+                <a:solidFill>
+                  <a:schemeClr val="accent1"/>
+                </a:solidFill>
+              </a:ln>
+            </p:spPr>
+            <p:style>
+              <a:lnRef idx="2">
+                <a:schemeClr val="accent1">
+                  <a:shade val="15000"/>
+                </a:schemeClr>
+              </a:lnRef>
+              <a:fillRef idx="1">
+                <a:schemeClr val="accent1"/>
+              </a:fillRef>
+              <a:effectRef idx="0">
+                <a:schemeClr val="accent1"/>
+              </a:effectRef>
+              <a:fontRef idx="minor">
+                <a:schemeClr val="lt1"/>
+              </a:fontRef>
+            </p:style>
+            <p:txBody>
+              <a:bodyPr rtlCol="0" anchor="ctr"/>
+              <a:lstStyle/>
+              <a:p>
+                <a:pPr algn="ctr"/>
+                <a:endParaRPr lang="fr-FR"/>
+              </a:p>
+            </p:txBody>
+          </p:sp>
+          <p:sp>
+            <p:nvSpPr>
+              <p:cNvPr id="93" name="ZoneTexte 92">
+                <a:extLst>
+                  <a:ext uri="{FF2B5EF4-FFF2-40B4-BE49-F238E27FC236}">
+                    <a16:creationId xmlns:a16="http://schemas.microsoft.com/office/drawing/2014/main" id="{7449515A-8F83-06BB-8ACE-13B6461D1EAF}"/>
+                  </a:ext>
+                </a:extLst>
+              </p:cNvPr>
+              <p:cNvSpPr txBox="1"/>
+              <p:nvPr/>
+            </p:nvSpPr>
+            <p:spPr>
+              <a:xfrm>
+                <a:off x="4912138" y="1925638"/>
+                <a:ext cx="444289" cy="215444"/>
+              </a:xfrm>
+              <a:prstGeom prst="rect">
+                <a:avLst/>
+              </a:prstGeom>
+              <a:noFill/>
+            </p:spPr>
+            <p:txBody>
+              <a:bodyPr wrap="none" lIns="0" tIns="0" rIns="0" bIns="0" rtlCol="0">
+                <a:spAutoFit/>
+              </a:bodyPr>
+              <a:lstStyle/>
+              <a:p>
+                <a:pPr/>
+                <a:r>
+                  <a:rPr lang="fr-FR" sz="1400" dirty="0"/>
+                  <a:t>Neige</a:t>
+                </a:r>
+              </a:p>
+            </p:txBody>
+          </p:sp>
+          <p:sp>
+            <p:nvSpPr>
+              <p:cNvPr id="94" name="Éclair 93">
+                <a:extLst>
+                  <a:ext uri="{FF2B5EF4-FFF2-40B4-BE49-F238E27FC236}">
+                    <a16:creationId xmlns:a16="http://schemas.microsoft.com/office/drawing/2014/main" id="{A93BA28C-AE09-0129-AD12-F730960F96CA}"/>
+                  </a:ext>
+                </a:extLst>
+              </p:cNvPr>
+              <p:cNvSpPr/>
+              <p:nvPr/>
+            </p:nvSpPr>
+            <p:spPr>
+              <a:xfrm rot="5875473">
+                <a:off x="6416911" y="3096740"/>
+                <a:ext cx="163485" cy="329844"/>
+              </a:xfrm>
+              <a:prstGeom prst="lightningBolt">
+                <a:avLst/>
+              </a:prstGeom>
+              <a:solidFill>
+                <a:schemeClr val="accent1">
+                  <a:lumMod val="20000"/>
+                  <a:lumOff val="80000"/>
+                </a:schemeClr>
+              </a:solidFill>
+              <a:ln>
+                <a:solidFill>
+                  <a:schemeClr val="accent1"/>
+                </a:solidFill>
+              </a:ln>
+            </p:spPr>
+            <p:style>
+              <a:lnRef idx="2">
+                <a:schemeClr val="accent1">
+                  <a:shade val="15000"/>
+                </a:schemeClr>
+              </a:lnRef>
+              <a:fillRef idx="1">
+                <a:schemeClr val="accent1"/>
+              </a:fillRef>
+              <a:effectRef idx="0">
+                <a:schemeClr val="accent1"/>
+              </a:effectRef>
+              <a:fontRef idx="minor">
+                <a:schemeClr val="lt1"/>
+              </a:fontRef>
+            </p:style>
+            <p:txBody>
+              <a:bodyPr rtlCol="0" anchor="ctr"/>
+              <a:lstStyle/>
+              <a:p>
+                <a:pPr algn="ctr"/>
+                <a:endParaRPr lang="fr-FR"/>
+              </a:p>
+            </p:txBody>
+          </p:sp>
+          <p:sp>
+            <p:nvSpPr>
+              <p:cNvPr id="95" name="Éclair 94">
+                <a:extLst>
+                  <a:ext uri="{FF2B5EF4-FFF2-40B4-BE49-F238E27FC236}">
+                    <a16:creationId xmlns:a16="http://schemas.microsoft.com/office/drawing/2014/main" id="{531810C5-D058-D18D-D295-9AC12D2CFC9E}"/>
+                  </a:ext>
+                </a:extLst>
+              </p:cNvPr>
+              <p:cNvSpPr/>
+              <p:nvPr/>
+            </p:nvSpPr>
+            <p:spPr>
+              <a:xfrm rot="15724527" flipH="1">
+                <a:off x="7175270" y="3120078"/>
+                <a:ext cx="163485" cy="329844"/>
+              </a:xfrm>
+              <a:prstGeom prst="lightningBolt">
+                <a:avLst/>
+              </a:prstGeom>
+              <a:solidFill>
+                <a:schemeClr val="accent1">
+                  <a:lumMod val="20000"/>
+                  <a:lumOff val="80000"/>
+                </a:schemeClr>
+              </a:solidFill>
+              <a:ln>
+                <a:solidFill>
+                  <a:schemeClr val="accent1"/>
+                </a:solidFill>
+              </a:ln>
+            </p:spPr>
+            <p:style>
+              <a:lnRef idx="2">
+                <a:schemeClr val="accent1">
+                  <a:shade val="15000"/>
+                </a:schemeClr>
+              </a:lnRef>
+              <a:fillRef idx="1">
+                <a:schemeClr val="accent1"/>
+              </a:fillRef>
+              <a:effectRef idx="0">
+                <a:schemeClr val="accent1"/>
+              </a:effectRef>
+              <a:fontRef idx="minor">
+                <a:schemeClr val="lt1"/>
+              </a:fontRef>
+            </p:style>
+            <p:txBody>
+              <a:bodyPr rtlCol="0" anchor="ctr"/>
+              <a:lstStyle/>
+              <a:p>
+                <a:pPr algn="ctr"/>
+                <a:endParaRPr lang="fr-FR"/>
+              </a:p>
+            </p:txBody>
+          </p:sp>
+          <p:sp>
+            <p:nvSpPr>
+              <p:cNvPr id="96" name="ZoneTexte 95">
+                <a:extLst>
+                  <a:ext uri="{FF2B5EF4-FFF2-40B4-BE49-F238E27FC236}">
+                    <a16:creationId xmlns:a16="http://schemas.microsoft.com/office/drawing/2014/main" id="{B280A5DD-6FBF-2FD9-7D97-28E2B0E2036D}"/>
+                  </a:ext>
+                </a:extLst>
+              </p:cNvPr>
+              <p:cNvSpPr txBox="1"/>
+              <p:nvPr/>
+            </p:nvSpPr>
+            <p:spPr>
+              <a:xfrm>
+                <a:off x="6669233" y="2978240"/>
+                <a:ext cx="480901" cy="215444"/>
+              </a:xfrm>
+              <a:prstGeom prst="rect">
+                <a:avLst/>
+              </a:prstGeom>
+              <a:noFill/>
+            </p:spPr>
+            <p:txBody>
+              <a:bodyPr wrap="none" lIns="0" tIns="0" rIns="0" bIns="0" rtlCol="0">
+                <a:spAutoFit/>
+              </a:bodyPr>
+              <a:lstStyle/>
+              <a:p>
+                <a:pPr/>
+                <a:r>
+                  <a:rPr lang="fr-FR" sz="1400" dirty="0"/>
+                  <a:t>Fluide</a:t>
+                </a:r>
+              </a:p>
+            </p:txBody>
+          </p:sp>
+          <mc:AlternateContent xmlns:mc="http://schemas.openxmlformats.org/markup-compatibility/2006">
+            <mc:Choice xmlns:a14="http://schemas.microsoft.com/office/drawing/2010/main" Requires="a14">
+              <p:sp>
+                <p:nvSpPr>
+                  <p:cNvPr id="97" name="ZoneTexte 96">
+                    <a:extLst>
+                      <a:ext uri="{FF2B5EF4-FFF2-40B4-BE49-F238E27FC236}">
+                        <a16:creationId xmlns:a16="http://schemas.microsoft.com/office/drawing/2014/main" id="{270C95F6-6A44-56B1-B31A-5F79FB33CD1F}"/>
+                      </a:ext>
+                    </a:extLst>
+                  </p:cNvPr>
+                  <p:cNvSpPr txBox="1"/>
+                  <p:nvPr/>
+                </p:nvSpPr>
+                <p:spPr>
+                  <a:xfrm>
+                    <a:off x="6444694" y="1782821"/>
+                    <a:ext cx="952312" cy="215444"/>
+                  </a:xfrm>
+                  <a:prstGeom prst="rect">
+                    <a:avLst/>
+                  </a:prstGeom>
+                  <a:noFill/>
+                </p:spPr>
+                <p:txBody>
+                  <a:bodyPr wrap="none" lIns="0" tIns="0" rIns="0" bIns="0" rtlCol="0">
+                    <a:spAutoFit/>
+                  </a:bodyPr>
+                  <a:lstStyle/>
+                  <a:p>
+                    <a:pPr/>
+                    <a:r>
+                      <a:rPr lang="fr-FR" sz="1400" dirty="0"/>
+                      <a:t>Pivot </a:t>
+                    </a:r>
+                    <a14:m>
+                      <m:oMath xmlns:m="http://schemas.openxmlformats.org/officeDocument/2006/math">
+                        <m:d>
+                          <m:dPr>
+                            <m:ctrlPr>
+                              <a:rPr lang="fr-FR" sz="1400" i="1" smtClean="0">
+                                <a:latin typeface="Cambria Math" panose="02040503050406030204" pitchFamily="18" charset="0"/>
+                              </a:rPr>
+                            </m:ctrlPr>
+                          </m:dPr>
+                          <m:e>
+                            <m:r>
+                              <a:rPr lang="fr-FR" sz="1400" b="0" i="1" smtClean="0">
+                                <a:latin typeface="Cambria Math" panose="02040503050406030204" pitchFamily="18" charset="0"/>
+                              </a:rPr>
+                              <m:t>𝐻</m:t>
+                            </m:r>
+                            <m:r>
+                              <a:rPr lang="fr-FR" sz="1400" b="0" i="1" smtClean="0">
+                                <a:latin typeface="Cambria Math" panose="02040503050406030204" pitchFamily="18" charset="0"/>
+                              </a:rPr>
+                              <m:t>,</m:t>
+                            </m:r>
+                            <m:acc>
+                              <m:accPr>
+                                <m:chr m:val="⃗"/>
+                                <m:ctrlPr>
+                                  <a:rPr lang="fr-FR" sz="1400" b="0" i="1" smtClean="0">
+                                    <a:latin typeface="Cambria Math" panose="02040503050406030204" pitchFamily="18" charset="0"/>
+                                  </a:rPr>
+                                </m:ctrlPr>
+                              </m:accPr>
+                              <m:e>
+                                <m:sSub>
+                                  <m:sSubPr>
+                                    <m:ctrlPr>
+                                      <a:rPr lang="fr-FR" sz="1400" b="0" i="1" smtClean="0">
+                                        <a:latin typeface="Cambria Math" panose="02040503050406030204" pitchFamily="18" charset="0"/>
+                                      </a:rPr>
+                                    </m:ctrlPr>
+                                  </m:sSubPr>
+                                  <m:e>
+                                    <m:r>
+                                      <a:rPr lang="fr-FR" sz="1400" b="0" i="1" smtClean="0">
+                                        <a:latin typeface="Cambria Math" panose="02040503050406030204" pitchFamily="18" charset="0"/>
+                                      </a:rPr>
+                                      <m:t>𝑦</m:t>
+                                    </m:r>
+                                  </m:e>
+                                  <m:sub>
+                                    <m:r>
+                                      <a:rPr lang="fr-FR" sz="1400" b="0" i="1" smtClean="0">
+                                        <a:latin typeface="Cambria Math" panose="02040503050406030204" pitchFamily="18" charset="0"/>
+                                      </a:rPr>
+                                      <m:t>3</m:t>
+                                    </m:r>
+                                  </m:sub>
+                                </m:sSub>
+                              </m:e>
+                            </m:acc>
+                          </m:e>
+                        </m:d>
+                      </m:oMath>
+                    </a14:m>
+                    <a:endParaRPr lang="fr-FR" sz="1400" dirty="0"/>
+                  </a:p>
+                </p:txBody>
+              </p:sp>
+            </mc:Choice>
+            <mc:Fallback>
+              <p:sp>
+                <p:nvSpPr>
+                  <p:cNvPr id="97" name="ZoneTexte 96">
+                    <a:extLst>
+                      <a:ext uri="{FF2B5EF4-FFF2-40B4-BE49-F238E27FC236}">
+                        <a16:creationId xmlns:a16="http://schemas.microsoft.com/office/drawing/2014/main" id="{270C95F6-6A44-56B1-B31A-5F79FB33CD1F}"/>
+                      </a:ext>
+                    </a:extLst>
+                  </p:cNvPr>
+                  <p:cNvSpPr txBox="1">
+                    <a:spLocks noRot="1" noChangeAspect="1" noMove="1" noResize="1" noEditPoints="1" noAdjustHandles="1" noChangeArrowheads="1" noChangeShapeType="1" noTextEdit="1"/>
+                  </p:cNvSpPr>
+                  <p:nvPr/>
+                </p:nvSpPr>
+                <p:spPr>
+                  <a:xfrm>
+                    <a:off x="6444694" y="1782821"/>
+                    <a:ext cx="952312" cy="215444"/>
+                  </a:xfrm>
+                  <a:prstGeom prst="rect">
+                    <a:avLst/>
+                  </a:prstGeom>
+                  <a:blipFill>
+                    <a:blip r:embed="rId17"/>
+                    <a:stretch>
+                      <a:fillRect l="-11538" t="-28571" b="-51429"/>
+                    </a:stretch>
+                  </a:blipFill>
+                </p:spPr>
+                <p:txBody>
+                  <a:bodyPr/>
+                  <a:lstStyle/>
+                  <a:p>
+                    <a:r>
+                      <a:rPr lang="fr-FR">
+                        <a:noFill/>
+                      </a:rPr>
+                      <a:t> </a:t>
+                    </a:r>
+                  </a:p>
+                </p:txBody>
+              </p:sp>
+            </mc:Fallback>
+          </mc:AlternateContent>
+          <mc:AlternateContent xmlns:mc="http://schemas.openxmlformats.org/markup-compatibility/2006">
+            <mc:Choice xmlns:a14="http://schemas.microsoft.com/office/drawing/2010/main" Requires="a14">
+              <p:sp>
+                <p:nvSpPr>
+                  <p:cNvPr id="98" name="ZoneTexte 97">
+                    <a:extLst>
+                      <a:ext uri="{FF2B5EF4-FFF2-40B4-BE49-F238E27FC236}">
+                        <a16:creationId xmlns:a16="http://schemas.microsoft.com/office/drawing/2014/main" id="{31403745-D640-A78C-D3B6-950D872F8842}"/>
+                      </a:ext>
+                    </a:extLst>
+                  </p:cNvPr>
+                  <p:cNvSpPr txBox="1"/>
+                  <p:nvPr/>
+                </p:nvSpPr>
+                <p:spPr>
+                  <a:xfrm>
+                    <a:off x="5103523" y="2625958"/>
+                    <a:ext cx="888064" cy="215444"/>
+                  </a:xfrm>
+                  <a:prstGeom prst="rect">
+                    <a:avLst/>
+                  </a:prstGeom>
+                  <a:noFill/>
+                </p:spPr>
+                <p:txBody>
+                  <a:bodyPr wrap="none" lIns="0" tIns="0" rIns="0" bIns="0" rtlCol="0">
+                    <a:spAutoFit/>
+                  </a:bodyPr>
+                  <a:lstStyle/>
+                  <a:p>
+                    <a:pPr/>
+                    <a:r>
+                      <a:rPr lang="fr-FR" sz="1400" dirty="0"/>
+                      <a:t>Pivot </a:t>
+                    </a:r>
+                    <a14:m>
+                      <m:oMath xmlns:m="http://schemas.openxmlformats.org/officeDocument/2006/math">
+                        <m:d>
+                          <m:dPr>
+                            <m:ctrlPr>
+                              <a:rPr lang="fr-FR" sz="1400" i="1" smtClean="0">
+                                <a:latin typeface="Cambria Math" panose="02040503050406030204" pitchFamily="18" charset="0"/>
+                              </a:rPr>
+                            </m:ctrlPr>
+                          </m:dPr>
+                          <m:e>
+                            <m:r>
+                              <a:rPr lang="fr-FR" sz="1400" b="0" i="1" smtClean="0">
+                                <a:latin typeface="Cambria Math" panose="02040503050406030204" pitchFamily="18" charset="0"/>
+                              </a:rPr>
+                              <m:t>𝐽</m:t>
+                            </m:r>
+                            <m:r>
+                              <a:rPr lang="fr-FR" sz="1400" b="0" i="1" smtClean="0">
+                                <a:latin typeface="Cambria Math" panose="02040503050406030204" pitchFamily="18" charset="0"/>
+                              </a:rPr>
+                              <m:t>,</m:t>
+                            </m:r>
+                            <m:acc>
+                              <m:accPr>
+                                <m:chr m:val="⃗"/>
+                                <m:ctrlPr>
+                                  <a:rPr lang="fr-FR" sz="1400" b="0" i="1" smtClean="0">
+                                    <a:latin typeface="Cambria Math" panose="02040503050406030204" pitchFamily="18" charset="0"/>
+                                  </a:rPr>
+                                </m:ctrlPr>
+                              </m:accPr>
+                              <m:e>
+                                <m:sSub>
+                                  <m:sSubPr>
+                                    <m:ctrlPr>
+                                      <a:rPr lang="fr-FR" sz="1400" b="0" i="1" smtClean="0">
+                                        <a:latin typeface="Cambria Math" panose="02040503050406030204" pitchFamily="18" charset="0"/>
+                                      </a:rPr>
+                                    </m:ctrlPr>
+                                  </m:sSubPr>
+                                  <m:e>
+                                    <m:r>
+                                      <a:rPr lang="fr-FR" sz="1400" b="0" i="1" smtClean="0">
+                                        <a:latin typeface="Cambria Math" panose="02040503050406030204" pitchFamily="18" charset="0"/>
+                                      </a:rPr>
+                                      <m:t>𝑦</m:t>
+                                    </m:r>
+                                  </m:e>
+                                  <m:sub>
+                                    <m:r>
+                                      <a:rPr lang="fr-FR" sz="1400" b="0" i="1" smtClean="0">
+                                        <a:latin typeface="Cambria Math" panose="02040503050406030204" pitchFamily="18" charset="0"/>
+                                      </a:rPr>
+                                      <m:t>3</m:t>
+                                    </m:r>
+                                  </m:sub>
+                                </m:sSub>
+                              </m:e>
+                            </m:acc>
+                          </m:e>
+                        </m:d>
+                      </m:oMath>
+                    </a14:m>
+                    <a:endParaRPr lang="fr-FR" sz="1400" dirty="0"/>
+                  </a:p>
+                </p:txBody>
+              </p:sp>
+            </mc:Choice>
+            <mc:Fallback>
+              <p:sp>
+                <p:nvSpPr>
+                  <p:cNvPr id="98" name="ZoneTexte 97">
+                    <a:extLst>
+                      <a:ext uri="{FF2B5EF4-FFF2-40B4-BE49-F238E27FC236}">
+                        <a16:creationId xmlns:a16="http://schemas.microsoft.com/office/drawing/2014/main" id="{31403745-D640-A78C-D3B6-950D872F8842}"/>
+                      </a:ext>
+                    </a:extLst>
+                  </p:cNvPr>
+                  <p:cNvSpPr txBox="1">
+                    <a:spLocks noRot="1" noChangeAspect="1" noMove="1" noResize="1" noEditPoints="1" noAdjustHandles="1" noChangeArrowheads="1" noChangeShapeType="1" noTextEdit="1"/>
+                  </p:cNvSpPr>
+                  <p:nvPr/>
+                </p:nvSpPr>
+                <p:spPr>
+                  <a:xfrm>
+                    <a:off x="5103523" y="2625958"/>
+                    <a:ext cx="888064" cy="215444"/>
+                  </a:xfrm>
+                  <a:prstGeom prst="rect">
+                    <a:avLst/>
+                  </a:prstGeom>
+                  <a:blipFill>
+                    <a:blip r:embed="rId18"/>
+                    <a:stretch>
+                      <a:fillRect l="-12329" t="-25714" b="-51429"/>
+                    </a:stretch>
+                  </a:blipFill>
+                </p:spPr>
+                <p:txBody>
+                  <a:bodyPr/>
+                  <a:lstStyle/>
+                  <a:p>
+                    <a:r>
+                      <a:rPr lang="fr-FR">
+                        <a:noFill/>
+                      </a:rPr>
+                      <a:t> </a:t>
+                    </a:r>
+                  </a:p>
+                </p:txBody>
+              </p:sp>
+            </mc:Fallback>
+          </mc:AlternateContent>
+          <mc:AlternateContent xmlns:mc="http://schemas.openxmlformats.org/markup-compatibility/2006">
+            <mc:Choice xmlns:a14="http://schemas.microsoft.com/office/drawing/2010/main" Requires="a14">
+              <p:sp>
+                <p:nvSpPr>
+                  <p:cNvPr id="99" name="ZoneTexte 98">
+                    <a:extLst>
+                      <a:ext uri="{FF2B5EF4-FFF2-40B4-BE49-F238E27FC236}">
+                        <a16:creationId xmlns:a16="http://schemas.microsoft.com/office/drawing/2014/main" id="{04EA6F33-89F7-59BE-9F5C-84982115CE69}"/>
+                      </a:ext>
+                    </a:extLst>
+                  </p:cNvPr>
+                  <p:cNvSpPr txBox="1"/>
+                  <p:nvPr/>
+                </p:nvSpPr>
+                <p:spPr>
+                  <a:xfrm>
+                    <a:off x="6401572" y="3546501"/>
+                    <a:ext cx="1024191" cy="430887"/>
+                  </a:xfrm>
+                  <a:prstGeom prst="rect">
+                    <a:avLst/>
+                  </a:prstGeom>
+                  <a:noFill/>
+                </p:spPr>
+                <p:txBody>
+                  <a:bodyPr wrap="none" lIns="0" tIns="0" rIns="0" bIns="0" rtlCol="0">
+                    <a:spAutoFit/>
+                  </a:bodyPr>
+                  <a:lstStyle/>
+                  <a:p>
+                    <a:pPr/>
+                    <a:r>
+                      <a:rPr lang="fr-FR" sz="1400" dirty="0"/>
+                      <a:t>Pivot glissant</a:t>
+                    </a:r>
+                  </a:p>
+                  <a:p>
+                    <a:pPr/>
+                    <a14:m>
+                      <m:oMathPara xmlns:m="http://schemas.openxmlformats.org/officeDocument/2006/math">
+                        <m:oMathParaPr>
+                          <m:jc m:val="centerGroup"/>
+                        </m:oMathParaPr>
+                        <m:oMath xmlns:m="http://schemas.openxmlformats.org/officeDocument/2006/math">
+                          <m:d>
+                            <m:dPr>
+                              <m:ctrlPr>
+                                <a:rPr lang="fr-FR" sz="1400" i="1" smtClean="0">
+                                  <a:latin typeface="Cambria Math" panose="02040503050406030204" pitchFamily="18" charset="0"/>
+                                </a:rPr>
+                              </m:ctrlPr>
+                            </m:dPr>
+                            <m:e>
+                              <m:r>
+                                <a:rPr lang="fr-FR" sz="1400" b="0" i="1" smtClean="0">
+                                  <a:latin typeface="Cambria Math" panose="02040503050406030204" pitchFamily="18" charset="0"/>
+                                </a:rPr>
+                                <m:t>𝐽</m:t>
+                              </m:r>
+                              <m:r>
+                                <a:rPr lang="fr-FR" sz="1400" b="0" i="1" smtClean="0">
+                                  <a:latin typeface="Cambria Math" panose="02040503050406030204" pitchFamily="18" charset="0"/>
+                                </a:rPr>
+                                <m:t>,</m:t>
+                              </m:r>
+                              <m:acc>
+                                <m:accPr>
+                                  <m:chr m:val="⃗"/>
+                                  <m:ctrlPr>
+                                    <a:rPr lang="fr-FR" sz="1400" b="0" i="1" smtClean="0">
+                                      <a:latin typeface="Cambria Math" panose="02040503050406030204" pitchFamily="18" charset="0"/>
+                                    </a:rPr>
+                                  </m:ctrlPr>
+                                </m:accPr>
+                                <m:e>
+                                  <m:sSub>
+                                    <m:sSubPr>
+                                      <m:ctrlPr>
+                                        <a:rPr lang="fr-FR" sz="1400" b="0" i="1" smtClean="0">
+                                          <a:latin typeface="Cambria Math" panose="02040503050406030204" pitchFamily="18" charset="0"/>
+                                        </a:rPr>
+                                      </m:ctrlPr>
+                                    </m:sSubPr>
+                                    <m:e>
+                                      <m:r>
+                                        <a:rPr lang="fr-FR" sz="1400" b="0" i="1" smtClean="0">
+                                          <a:latin typeface="Cambria Math" panose="02040503050406030204" pitchFamily="18" charset="0"/>
+                                        </a:rPr>
+                                        <m:t>𝑧</m:t>
+                                      </m:r>
+                                    </m:e>
+                                    <m:sub>
+                                      <m:r>
+                                        <a:rPr lang="fr-FR" sz="1400" b="0" i="1" smtClean="0">
+                                          <a:latin typeface="Cambria Math" panose="02040503050406030204" pitchFamily="18" charset="0"/>
+                                        </a:rPr>
+                                        <m:t>11</m:t>
+                                      </m:r>
+                                    </m:sub>
+                                  </m:sSub>
+                                </m:e>
+                              </m:acc>
+                            </m:e>
+                          </m:d>
+                        </m:oMath>
+                      </m:oMathPara>
+                    </a14:m>
+                    <a:endParaRPr lang="fr-FR" sz="1400" dirty="0"/>
+                  </a:p>
+                </p:txBody>
+              </p:sp>
+            </mc:Choice>
+            <mc:Fallback>
+              <p:sp>
+                <p:nvSpPr>
+                  <p:cNvPr id="99" name="ZoneTexte 98">
+                    <a:extLst>
+                      <a:ext uri="{FF2B5EF4-FFF2-40B4-BE49-F238E27FC236}">
+                        <a16:creationId xmlns:a16="http://schemas.microsoft.com/office/drawing/2014/main" id="{04EA6F33-89F7-59BE-9F5C-84982115CE69}"/>
+                      </a:ext>
+                    </a:extLst>
+                  </p:cNvPr>
+                  <p:cNvSpPr txBox="1">
+                    <a:spLocks noRot="1" noChangeAspect="1" noMove="1" noResize="1" noEditPoints="1" noAdjustHandles="1" noChangeArrowheads="1" noChangeShapeType="1" noTextEdit="1"/>
+                  </p:cNvSpPr>
+                  <p:nvPr/>
+                </p:nvSpPr>
+                <p:spPr>
+                  <a:xfrm>
+                    <a:off x="6401572" y="3546501"/>
+                    <a:ext cx="1024191" cy="430887"/>
+                  </a:xfrm>
+                  <a:prstGeom prst="rect">
+                    <a:avLst/>
+                  </a:prstGeom>
+                  <a:blipFill>
+                    <a:blip r:embed="rId19"/>
+                    <a:stretch>
+                      <a:fillRect l="-10714" t="-12676" r="-8929" b="-12676"/>
+                    </a:stretch>
+                  </a:blipFill>
+                </p:spPr>
+                <p:txBody>
+                  <a:bodyPr/>
+                  <a:lstStyle/>
+                  <a:p>
+                    <a:r>
+                      <a:rPr lang="fr-FR">
+                        <a:noFill/>
+                      </a:rPr>
+                      <a:t> </a:t>
+                    </a:r>
+                  </a:p>
+                </p:txBody>
+              </p:sp>
+            </mc:Fallback>
+          </mc:AlternateContent>
+          <mc:AlternateContent xmlns:mc="http://schemas.openxmlformats.org/markup-compatibility/2006">
+            <mc:Choice xmlns:a14="http://schemas.microsoft.com/office/drawing/2010/main" Requires="a14">
+              <p:sp>
+                <p:nvSpPr>
+                  <p:cNvPr id="100" name="ZoneTexte 99">
+                    <a:extLst>
+                      <a:ext uri="{FF2B5EF4-FFF2-40B4-BE49-F238E27FC236}">
+                        <a16:creationId xmlns:a16="http://schemas.microsoft.com/office/drawing/2014/main" id="{6DC34D9B-73B6-58B1-93F2-358083575745}"/>
+                      </a:ext>
+                    </a:extLst>
+                  </p:cNvPr>
+                  <p:cNvSpPr txBox="1"/>
+                  <p:nvPr/>
+                </p:nvSpPr>
+                <p:spPr>
+                  <a:xfrm>
+                    <a:off x="7724532" y="2637033"/>
+                    <a:ext cx="972254" cy="215444"/>
+                  </a:xfrm>
+                  <a:prstGeom prst="rect">
+                    <a:avLst/>
+                  </a:prstGeom>
+                  <a:noFill/>
+                </p:spPr>
+                <p:txBody>
+                  <a:bodyPr wrap="none" lIns="0" tIns="0" rIns="0" bIns="0" rtlCol="0">
+                    <a:spAutoFit/>
+                  </a:bodyPr>
+                  <a:lstStyle/>
+                  <a:p>
+                    <a:pPr/>
+                    <a:r>
+                      <a:rPr lang="fr-FR" sz="1400" dirty="0"/>
+                      <a:t>Pivot </a:t>
+                    </a:r>
+                    <a14:m>
+                      <m:oMath xmlns:m="http://schemas.openxmlformats.org/officeDocument/2006/math">
+                        <m:d>
+                          <m:dPr>
+                            <m:ctrlPr>
+                              <a:rPr lang="fr-FR" sz="1400" i="1" smtClean="0">
+                                <a:latin typeface="Cambria Math" panose="02040503050406030204" pitchFamily="18" charset="0"/>
+                              </a:rPr>
+                            </m:ctrlPr>
+                          </m:dPr>
+                          <m:e>
+                            <m:r>
+                              <a:rPr lang="fr-FR" sz="1400" b="0" i="1" smtClean="0">
+                                <a:latin typeface="Cambria Math" panose="02040503050406030204" pitchFamily="18" charset="0"/>
+                              </a:rPr>
+                              <m:t>𝑀</m:t>
+                            </m:r>
+                            <m:r>
+                              <a:rPr lang="fr-FR" sz="1400" b="0" i="1" smtClean="0">
+                                <a:latin typeface="Cambria Math" panose="02040503050406030204" pitchFamily="18" charset="0"/>
+                              </a:rPr>
+                              <m:t>,</m:t>
+                            </m:r>
+                            <m:acc>
+                              <m:accPr>
+                                <m:chr m:val="⃗"/>
+                                <m:ctrlPr>
+                                  <a:rPr lang="fr-FR" sz="1400" b="0" i="1" smtClean="0">
+                                    <a:latin typeface="Cambria Math" panose="02040503050406030204" pitchFamily="18" charset="0"/>
+                                  </a:rPr>
+                                </m:ctrlPr>
+                              </m:accPr>
+                              <m:e>
+                                <m:sSub>
+                                  <m:sSubPr>
+                                    <m:ctrlPr>
+                                      <a:rPr lang="fr-FR" sz="1400" b="0" i="1" smtClean="0">
+                                        <a:latin typeface="Cambria Math" panose="02040503050406030204" pitchFamily="18" charset="0"/>
+                                      </a:rPr>
+                                    </m:ctrlPr>
+                                  </m:sSubPr>
+                                  <m:e>
+                                    <m:r>
+                                      <a:rPr lang="fr-FR" sz="1400" b="0" i="1" smtClean="0">
+                                        <a:latin typeface="Cambria Math" panose="02040503050406030204" pitchFamily="18" charset="0"/>
+                                      </a:rPr>
+                                      <m:t>𝑦</m:t>
+                                    </m:r>
+                                  </m:e>
+                                  <m:sub>
+                                    <m:r>
+                                      <a:rPr lang="fr-FR" sz="1400" b="0" i="1" smtClean="0">
+                                        <a:latin typeface="Cambria Math" panose="02040503050406030204" pitchFamily="18" charset="0"/>
+                                      </a:rPr>
+                                      <m:t>3</m:t>
+                                    </m:r>
+                                  </m:sub>
+                                </m:sSub>
+                              </m:e>
+                            </m:acc>
+                          </m:e>
+                        </m:d>
+                      </m:oMath>
+                    </a14:m>
+                    <a:endParaRPr lang="fr-FR" sz="1400" dirty="0"/>
+                  </a:p>
+                </p:txBody>
+              </p:sp>
+            </mc:Choice>
+            <mc:Fallback>
+              <p:sp>
+                <p:nvSpPr>
+                  <p:cNvPr id="100" name="ZoneTexte 99">
+                    <a:extLst>
+                      <a:ext uri="{FF2B5EF4-FFF2-40B4-BE49-F238E27FC236}">
+                        <a16:creationId xmlns:a16="http://schemas.microsoft.com/office/drawing/2014/main" id="{6DC34D9B-73B6-58B1-93F2-358083575745}"/>
+                      </a:ext>
+                    </a:extLst>
+                  </p:cNvPr>
+                  <p:cNvSpPr txBox="1">
+                    <a:spLocks noRot="1" noChangeAspect="1" noMove="1" noResize="1" noEditPoints="1" noAdjustHandles="1" noChangeArrowheads="1" noChangeShapeType="1" noTextEdit="1"/>
+                  </p:cNvSpPr>
+                  <p:nvPr/>
+                </p:nvSpPr>
+                <p:spPr>
+                  <a:xfrm>
+                    <a:off x="7724532" y="2637033"/>
+                    <a:ext cx="972254" cy="215444"/>
+                  </a:xfrm>
+                  <a:prstGeom prst="rect">
+                    <a:avLst/>
+                  </a:prstGeom>
+                  <a:blipFill>
+                    <a:blip r:embed="rId20"/>
+                    <a:stretch>
+                      <a:fillRect l="-11250" t="-25714" b="-51429"/>
+                    </a:stretch>
+                  </a:blipFill>
+                </p:spPr>
+                <p:txBody>
+                  <a:bodyPr/>
+                  <a:lstStyle/>
+                  <a:p>
+                    <a:r>
+                      <a:rPr lang="fr-FR">
+                        <a:noFill/>
+                      </a:rPr>
+                      <a:t> </a:t>
+                    </a:r>
+                  </a:p>
+                </p:txBody>
+              </p:sp>
+            </mc:Fallback>
+          </mc:AlternateContent>
+        </p:grpSp>
+        <p:sp>
+          <p:nvSpPr>
+            <p:cNvPr id="101" name="Rectangle : coins arrondis 100">
+              <a:extLst>
+                <a:ext uri="{FF2B5EF4-FFF2-40B4-BE49-F238E27FC236}">
+                  <a16:creationId xmlns:a16="http://schemas.microsoft.com/office/drawing/2014/main" id="{A4BE3147-2BEB-7DE1-1B7B-4BC5ED6672A1}"/>
+                </a:ext>
+              </a:extLst>
+            </p:cNvPr>
+            <p:cNvSpPr/>
+            <p:nvPr/>
+          </p:nvSpPr>
+          <p:spPr>
+            <a:xfrm>
+              <a:off x="5991587" y="5753344"/>
+              <a:ext cx="1880201" cy="1041669"/>
+            </a:xfrm>
+            <a:prstGeom prst="roundRect">
+              <a:avLst/>
+            </a:prstGeom>
+            <a:noFill/>
+            <a:ln w="28575">
+              <a:solidFill>
+                <a:schemeClr val="accent2"/>
+              </a:solidFill>
+            </a:ln>
+          </p:spPr>
+          <p:style>
+            <a:lnRef idx="2">
+              <a:schemeClr val="accent1">
+                <a:shade val="15000"/>
+              </a:schemeClr>
+            </a:lnRef>
+            <a:fillRef idx="1">
+              <a:schemeClr val="accent1"/>
+            </a:fillRef>
+            <a:effectRef idx="0">
+              <a:schemeClr val="accent1"/>
+            </a:effectRef>
+            <a:fontRef idx="minor">
+              <a:schemeClr val="lt1"/>
+            </a:fontRef>
+          </p:style>
+          <p:txBody>
+            <a:bodyPr rtlCol="0" anchor="ctr"/>
+            <a:lstStyle/>
+            <a:p>
+              <a:pPr algn="ctr"/>
+              <a:endParaRPr lang="fr-FR"/>
+            </a:p>
+          </p:txBody>
+        </p:sp>
+        <p:sp>
+          <p:nvSpPr>
+            <p:cNvPr id="102" name="Rectangle : coins arrondis 101">
+              <a:extLst>
+                <a:ext uri="{FF2B5EF4-FFF2-40B4-BE49-F238E27FC236}">
+                  <a16:creationId xmlns:a16="http://schemas.microsoft.com/office/drawing/2014/main" id="{F11D76A6-AC2D-2EE0-DD14-42B3830735C8}"/>
+                </a:ext>
+              </a:extLst>
+            </p:cNvPr>
+            <p:cNvSpPr/>
+            <p:nvPr/>
+          </p:nvSpPr>
+          <p:spPr>
+            <a:xfrm>
+              <a:off x="5809143" y="4436928"/>
+              <a:ext cx="792000" cy="791846"/>
+            </a:xfrm>
+            <a:prstGeom prst="roundRect">
+              <a:avLst/>
+            </a:prstGeom>
+            <a:noFill/>
+            <a:ln w="28575">
+              <a:solidFill>
+                <a:schemeClr val="accent2"/>
+              </a:solidFill>
+            </a:ln>
+          </p:spPr>
+          <p:style>
+            <a:lnRef idx="2">
+              <a:schemeClr val="accent1">
+                <a:shade val="15000"/>
+              </a:schemeClr>
+            </a:lnRef>
+            <a:fillRef idx="1">
+              <a:schemeClr val="accent1"/>
+            </a:fillRef>
+            <a:effectRef idx="0">
+              <a:schemeClr val="accent1"/>
+            </a:effectRef>
+            <a:fontRef idx="minor">
+              <a:schemeClr val="lt1"/>
+            </a:fontRef>
+          </p:style>
+          <p:txBody>
+            <a:bodyPr rtlCol="0" anchor="ctr"/>
+            <a:lstStyle/>
+            <a:p>
+              <a:pPr algn="ctr"/>
+              <a:endParaRPr lang="fr-FR"/>
+            </a:p>
+          </p:txBody>
+        </p:sp>
+        <p:sp>
+          <p:nvSpPr>
+            <p:cNvPr id="103" name="Ellipse 102">
+              <a:extLst>
+                <a:ext uri="{FF2B5EF4-FFF2-40B4-BE49-F238E27FC236}">
+                  <a16:creationId xmlns:a16="http://schemas.microsoft.com/office/drawing/2014/main" id="{9979453E-2D50-BB4B-8F75-F55DBFB8677B}"/>
+                </a:ext>
+              </a:extLst>
+            </p:cNvPr>
+            <p:cNvSpPr/>
+            <p:nvPr/>
+          </p:nvSpPr>
+          <p:spPr>
+            <a:xfrm>
+              <a:off x="7992912" y="6084095"/>
+              <a:ext cx="288000" cy="288000"/>
+            </a:xfrm>
+            <a:prstGeom prst="ellipse">
+              <a:avLst/>
+            </a:prstGeom>
+            <a:solidFill>
+              <a:schemeClr val="bg1"/>
+            </a:solidFill>
+            <a:ln w="19050">
+              <a:solidFill>
+                <a:schemeClr val="accent2"/>
+              </a:solidFill>
+            </a:ln>
+          </p:spPr>
+          <p:style>
+            <a:lnRef idx="2">
+              <a:schemeClr val="accent1"/>
+            </a:lnRef>
+            <a:fillRef idx="0">
+              <a:schemeClr val="accent1"/>
+            </a:fillRef>
+            <a:effectRef idx="1">
+              <a:schemeClr val="accent1"/>
+            </a:effectRef>
+            <a:fontRef idx="minor">
+              <a:schemeClr val="tx1"/>
+            </a:fontRef>
+          </p:style>
+          <p:txBody>
+            <a:bodyPr rtlCol="0" anchor="ctr"/>
+            <a:lstStyle/>
+            <a:p>
+              <a:pPr algn="ctr"/>
+              <a:r>
+                <a:rPr lang="fr-FR" sz="1200" b="1" dirty="0">
+                  <a:solidFill>
+                    <a:schemeClr val="accent2"/>
+                  </a:solidFill>
+                </a:rPr>
+                <a:t>A</a:t>
+              </a:r>
+            </a:p>
+          </p:txBody>
+        </p:sp>
+        <p:sp>
+          <p:nvSpPr>
+            <p:cNvPr id="104" name="Ellipse 103">
+              <a:extLst>
+                <a:ext uri="{FF2B5EF4-FFF2-40B4-BE49-F238E27FC236}">
+                  <a16:creationId xmlns:a16="http://schemas.microsoft.com/office/drawing/2014/main" id="{CC0541B2-74A7-AEC7-F713-A5743C18F87A}"/>
+                </a:ext>
+              </a:extLst>
+            </p:cNvPr>
+            <p:cNvSpPr/>
+            <p:nvPr/>
+          </p:nvSpPr>
+          <p:spPr>
+            <a:xfrm>
+              <a:off x="6567435" y="4144774"/>
+              <a:ext cx="288000" cy="288000"/>
+            </a:xfrm>
+            <a:prstGeom prst="ellipse">
+              <a:avLst/>
+            </a:prstGeom>
+            <a:solidFill>
+              <a:schemeClr val="bg1"/>
+            </a:solidFill>
+            <a:ln w="19050">
+              <a:solidFill>
+                <a:schemeClr val="accent2"/>
+              </a:solidFill>
+            </a:ln>
+          </p:spPr>
+          <p:style>
+            <a:lnRef idx="2">
+              <a:schemeClr val="accent1"/>
+            </a:lnRef>
+            <a:fillRef idx="0">
+              <a:schemeClr val="accent1"/>
+            </a:fillRef>
+            <a:effectRef idx="1">
+              <a:schemeClr val="accent1"/>
+            </a:effectRef>
+            <a:fontRef idx="minor">
+              <a:schemeClr val="tx1"/>
+            </a:fontRef>
+          </p:style>
+          <p:txBody>
+            <a:bodyPr rtlCol="0" anchor="ctr"/>
+            <a:lstStyle/>
+            <a:p>
+              <a:pPr algn="ctr"/>
+              <a:r>
+                <a:rPr lang="fr-FR" sz="1200" b="1" dirty="0">
+                  <a:solidFill>
+                    <a:schemeClr val="accent2"/>
+                  </a:solidFill>
+                </a:rPr>
+                <a:t>B</a:t>
+              </a:r>
+            </a:p>
+          </p:txBody>
+        </p:sp>
+      </p:grpSp>
+    </p:spTree>
+    <p:extLst>
+      <p:ext uri="{BB962C8B-B14F-4D97-AF65-F5344CB8AC3E}">
+        <p14:creationId xmlns:p14="http://schemas.microsoft.com/office/powerpoint/2010/main" val="2625111438"/>
+      </p:ext>
+    </p:extLst>
+  </p:cSld>
+  <p:clrMapOvr>
+    <a:masterClrMapping/>
+  </p:clrMapOvr>
+</p:sld>
+</file>
+
+<file path=ppt/slides/slide4.xml><?xml version="1.0" encoding="utf-8"?>
+<p:sld xmlns:a="http://schemas.openxmlformats.org/drawingml/2006/main" xmlns:r="http://schemas.openxmlformats.org/officeDocument/2006/relationships" xmlns:p="http://schemas.openxmlformats.org/presentationml/2006/main">
+  <p:cSld>
+    <p:spTree>
+      <p:nvGrpSpPr>
+        <p:cNvPr id="1" name=""/>
+        <p:cNvGrpSpPr/>
+        <p:nvPr/>
+      </p:nvGrpSpPr>
+      <p:grpSpPr>
+        <a:xfrm>
+          <a:off x="0" y="0"/>
+          <a:ext cx="0" cy="0"/>
+          <a:chOff x="0" y="0"/>
+          <a:chExt cx="0" cy="0"/>
+        </a:xfrm>
+      </p:grpSpPr>
+      <p:pic>
+        <p:nvPicPr>
+          <p:cNvPr id="4" name="Image 3">
+            <a:extLst>
+              <a:ext uri="{FF2B5EF4-FFF2-40B4-BE49-F238E27FC236}">
+                <a16:creationId xmlns:a16="http://schemas.microsoft.com/office/drawing/2014/main" id="{EED9C0C1-49E1-04E2-6D64-0DFBB30DB0B4}"/>
+              </a:ext>
+            </a:extLst>
+          </p:cNvPr>
+          <p:cNvPicPr>
+            <a:picLocks noChangeAspect="1"/>
+          </p:cNvPicPr>
+          <p:nvPr/>
+        </p:nvPicPr>
+        <p:blipFill>
+          <a:blip r:embed="rId2"/>
+          <a:stretch>
+            <a:fillRect/>
+          </a:stretch>
+        </p:blipFill>
+        <p:spPr>
+          <a:xfrm>
+            <a:off x="4136729" y="1888112"/>
+            <a:ext cx="3895682" cy="2853175"/>
+          </a:xfrm>
+          <a:prstGeom prst="rect">
+            <a:avLst/>
+          </a:prstGeom>
+        </p:spPr>
+      </p:pic>
+      <p:pic>
+        <p:nvPicPr>
+          <p:cNvPr id="5" name="Image 4">
+            <a:extLst>
+              <a:ext uri="{FF2B5EF4-FFF2-40B4-BE49-F238E27FC236}">
+                <a16:creationId xmlns:a16="http://schemas.microsoft.com/office/drawing/2014/main" id="{FE58AEA9-7DDF-1062-9481-23F08F2E787F}"/>
+              </a:ext>
+            </a:extLst>
+          </p:cNvPr>
+          <p:cNvPicPr>
+            <a:picLocks noChangeAspect="1"/>
+          </p:cNvPicPr>
+          <p:nvPr/>
+        </p:nvPicPr>
+        <p:blipFill>
+          <a:blip r:embed="rId3"/>
+          <a:stretch>
+            <a:fillRect/>
+          </a:stretch>
+        </p:blipFill>
+        <p:spPr>
+          <a:xfrm>
+            <a:off x="8057219" y="1888112"/>
+            <a:ext cx="3895682" cy="2865368"/>
+          </a:xfrm>
+          <a:prstGeom prst="rect">
+            <a:avLst/>
+          </a:prstGeom>
+        </p:spPr>
+      </p:pic>
+      <p:pic>
+        <p:nvPicPr>
+          <p:cNvPr id="6" name="Image 5">
+            <a:extLst>
+              <a:ext uri="{FF2B5EF4-FFF2-40B4-BE49-F238E27FC236}">
+                <a16:creationId xmlns:a16="http://schemas.microsoft.com/office/drawing/2014/main" id="{12773ECB-794B-0C74-64D0-6CC411730770}"/>
+              </a:ext>
+            </a:extLst>
+          </p:cNvPr>
+          <p:cNvPicPr>
+            <a:picLocks noChangeAspect="1"/>
+          </p:cNvPicPr>
+          <p:nvPr/>
+        </p:nvPicPr>
+        <p:blipFill>
+          <a:blip r:embed="rId4"/>
+          <a:stretch>
+            <a:fillRect/>
+          </a:stretch>
+        </p:blipFill>
+        <p:spPr>
+          <a:xfrm>
+            <a:off x="818612" y="1943638"/>
+            <a:ext cx="1581688" cy="2742122"/>
+          </a:xfrm>
+          <a:prstGeom prst="rect">
+            <a:avLst/>
+          </a:prstGeom>
+        </p:spPr>
+      </p:pic>
+      <p:grpSp>
+        <p:nvGrpSpPr>
+          <p:cNvPr id="39" name="Groupe 38">
+            <a:extLst>
+              <a:ext uri="{FF2B5EF4-FFF2-40B4-BE49-F238E27FC236}">
+                <a16:creationId xmlns:a16="http://schemas.microsoft.com/office/drawing/2014/main" id="{75300CA4-4749-FAB1-B374-CC8CFA9BE851}"/>
+              </a:ext>
+            </a:extLst>
+          </p:cNvPr>
+          <p:cNvGrpSpPr/>
+          <p:nvPr/>
+        </p:nvGrpSpPr>
+        <p:grpSpPr>
+          <a:xfrm>
+            <a:off x="2657474" y="2504695"/>
+            <a:ext cx="1451222" cy="1486657"/>
+            <a:chOff x="2524124" y="779229"/>
+            <a:chExt cx="1451222" cy="1486657"/>
+          </a:xfrm>
+        </p:grpSpPr>
+        <p:grpSp>
+          <p:nvGrpSpPr>
+            <p:cNvPr id="13" name="Groupe 12">
+              <a:extLst>
+                <a:ext uri="{FF2B5EF4-FFF2-40B4-BE49-F238E27FC236}">
+                  <a16:creationId xmlns:a16="http://schemas.microsoft.com/office/drawing/2014/main" id="{79868458-5A8A-20EE-60E9-3D6258AFA72E}"/>
+                </a:ext>
+              </a:extLst>
+            </p:cNvPr>
+            <p:cNvGrpSpPr/>
+            <p:nvPr/>
+          </p:nvGrpSpPr>
+          <p:grpSpPr>
+            <a:xfrm rot="19800000">
+              <a:off x="2856714" y="851193"/>
+              <a:ext cx="720000" cy="720000"/>
+              <a:chOff x="9707534" y="2709000"/>
+              <a:chExt cx="720000" cy="720000"/>
+            </a:xfrm>
+          </p:grpSpPr>
+          <p:cxnSp>
+            <p:nvCxnSpPr>
+              <p:cNvPr id="24" name="Connecteur droit 23">
+                <a:extLst>
+                  <a:ext uri="{FF2B5EF4-FFF2-40B4-BE49-F238E27FC236}">
+                    <a16:creationId xmlns:a16="http://schemas.microsoft.com/office/drawing/2014/main" id="{76D2693E-6F6C-05E0-93D6-33EEFD0C58B5}"/>
+                  </a:ext>
+                </a:extLst>
+              </p:cNvPr>
+              <p:cNvCxnSpPr>
+                <a:cxnSpLocks/>
+              </p:cNvCxnSpPr>
+              <p:nvPr/>
+            </p:nvCxnSpPr>
+            <p:spPr>
+              <a:xfrm flipV="1">
+                <a:off x="9707534" y="2709000"/>
+                <a:ext cx="0" cy="720000"/>
+              </a:xfrm>
+              <a:prstGeom prst="line">
+                <a:avLst/>
+              </a:prstGeom>
+              <a:ln w="12700">
+                <a:solidFill>
+                  <a:schemeClr val="accent1"/>
+                </a:solidFill>
+                <a:tailEnd type="stealth" w="med" len="lg"/>
+              </a:ln>
+            </p:spPr>
+            <p:style>
+              <a:lnRef idx="2">
+                <a:schemeClr val="accent1"/>
+              </a:lnRef>
+              <a:fillRef idx="0">
+                <a:schemeClr val="accent1"/>
+              </a:fillRef>
+              <a:effectRef idx="1">
+                <a:schemeClr val="accent1"/>
+              </a:effectRef>
+              <a:fontRef idx="minor">
+                <a:schemeClr val="tx1"/>
+              </a:fontRef>
+            </p:style>
+          </p:cxnSp>
+          <p:cxnSp>
+            <p:nvCxnSpPr>
+              <p:cNvPr id="25" name="Connecteur droit 24">
+                <a:extLst>
+                  <a:ext uri="{FF2B5EF4-FFF2-40B4-BE49-F238E27FC236}">
+                    <a16:creationId xmlns:a16="http://schemas.microsoft.com/office/drawing/2014/main" id="{E16D134E-33CD-4794-98D5-A75892F993BE}"/>
+                  </a:ext>
+                </a:extLst>
+              </p:cNvPr>
+              <p:cNvCxnSpPr>
+                <a:cxnSpLocks/>
+              </p:cNvCxnSpPr>
+              <p:nvPr/>
+            </p:nvCxnSpPr>
+            <p:spPr>
+              <a:xfrm>
+                <a:off x="9707534" y="3429000"/>
+                <a:ext cx="720000" cy="0"/>
+              </a:xfrm>
+              <a:prstGeom prst="line">
+                <a:avLst/>
+              </a:prstGeom>
+              <a:ln w="12700">
+                <a:solidFill>
+                  <a:schemeClr val="accent1"/>
+                </a:solidFill>
+                <a:tailEnd type="stealth" w="med" len="lg"/>
+              </a:ln>
+            </p:spPr>
+            <p:style>
+              <a:lnRef idx="2">
+                <a:schemeClr val="accent1"/>
+              </a:lnRef>
+              <a:fillRef idx="0">
+                <a:schemeClr val="accent1"/>
+              </a:fillRef>
+              <a:effectRef idx="1">
+                <a:schemeClr val="accent1"/>
+              </a:effectRef>
+              <a:fontRef idx="minor">
+                <a:schemeClr val="tx1"/>
+              </a:fontRef>
+            </p:style>
+          </p:cxnSp>
+        </p:grpSp>
+        <p:sp>
+          <p:nvSpPr>
+            <p:cNvPr id="9" name="Arc 8">
+              <a:extLst>
+                <a:ext uri="{FF2B5EF4-FFF2-40B4-BE49-F238E27FC236}">
+                  <a16:creationId xmlns:a16="http://schemas.microsoft.com/office/drawing/2014/main" id="{5C0053E5-141A-4E4F-6D77-90C2885ED464}"/>
+                </a:ext>
+              </a:extLst>
+            </p:cNvPr>
+            <p:cNvSpPr/>
+            <p:nvPr/>
+          </p:nvSpPr>
+          <p:spPr>
+            <a:xfrm>
+              <a:off x="2524124" y="1145974"/>
+              <a:ext cx="1119912" cy="1119912"/>
+            </a:xfrm>
+            <a:prstGeom prst="arc">
+              <a:avLst>
+                <a:gd name="adj1" fmla="val 20645190"/>
+                <a:gd name="adj2" fmla="val 0"/>
+              </a:avLst>
+            </a:prstGeom>
+            <a:ln w="12700">
+              <a:solidFill>
+                <a:schemeClr val="accent2"/>
+              </a:solidFill>
+              <a:headEnd type="stealth" w="sm" len="med"/>
+              <a:tailEnd type="none" w="med" len="sm"/>
+            </a:ln>
+          </p:spPr>
+          <p:style>
+            <a:lnRef idx="2">
+              <a:schemeClr val="accent1"/>
+            </a:lnRef>
+            <a:fillRef idx="0">
+              <a:schemeClr val="accent1"/>
+            </a:fillRef>
+            <a:effectRef idx="1">
+              <a:schemeClr val="accent1"/>
+            </a:effectRef>
+            <a:fontRef idx="minor">
+              <a:schemeClr val="tx1"/>
+            </a:fontRef>
+          </p:style>
+          <p:txBody>
+            <a:bodyPr rtlCol="0" anchor="ctr"/>
+            <a:lstStyle/>
+            <a:p>
+              <a:pPr algn="ctr"/>
+              <a:endParaRPr lang="fr-FR"/>
+            </a:p>
+          </p:txBody>
+        </p:sp>
+        <p:grpSp>
+          <p:nvGrpSpPr>
+            <p:cNvPr id="10" name="Groupe 9">
+              <a:extLst>
+                <a:ext uri="{FF2B5EF4-FFF2-40B4-BE49-F238E27FC236}">
+                  <a16:creationId xmlns:a16="http://schemas.microsoft.com/office/drawing/2014/main" id="{5A43CD39-A620-55B5-3A74-74B07CB99872}"/>
+                </a:ext>
+              </a:extLst>
+            </p:cNvPr>
+            <p:cNvGrpSpPr/>
+            <p:nvPr/>
+          </p:nvGrpSpPr>
+          <p:grpSpPr>
+            <a:xfrm>
+              <a:off x="2803684" y="779229"/>
+              <a:ext cx="1171662" cy="1009379"/>
+              <a:chOff x="9429712" y="2504259"/>
+              <a:chExt cx="1171662" cy="1009379"/>
+            </a:xfrm>
+          </p:grpSpPr>
+          <p:grpSp>
+            <p:nvGrpSpPr>
+              <p:cNvPr id="26" name="Groupe 25">
+                <a:extLst>
+                  <a:ext uri="{FF2B5EF4-FFF2-40B4-BE49-F238E27FC236}">
+                    <a16:creationId xmlns:a16="http://schemas.microsoft.com/office/drawing/2014/main" id="{145AFDAE-2AE8-EA21-7E05-7A1522CB3330}"/>
+                  </a:ext>
+                </a:extLst>
+              </p:cNvPr>
+              <p:cNvGrpSpPr/>
+              <p:nvPr/>
+            </p:nvGrpSpPr>
+            <p:grpSpPr>
+              <a:xfrm rot="20700000">
+                <a:off x="9607576" y="2619092"/>
+                <a:ext cx="720000" cy="720000"/>
+                <a:chOff x="9707534" y="2709000"/>
+                <a:chExt cx="720000" cy="720000"/>
+              </a:xfrm>
+            </p:grpSpPr>
+            <p:cxnSp>
+              <p:nvCxnSpPr>
+                <p:cNvPr id="37" name="Connecteur droit 36">
+                  <a:extLst>
+                    <a:ext uri="{FF2B5EF4-FFF2-40B4-BE49-F238E27FC236}">
+                      <a16:creationId xmlns:a16="http://schemas.microsoft.com/office/drawing/2014/main" id="{315D84C3-CF3C-55BE-E735-B9F74D1D1F95}"/>
+                    </a:ext>
+                  </a:extLst>
+                </p:cNvPr>
+                <p:cNvCxnSpPr>
+                  <a:cxnSpLocks/>
+                </p:cNvCxnSpPr>
+                <p:nvPr/>
+              </p:nvCxnSpPr>
+              <p:spPr>
+                <a:xfrm flipV="1">
+                  <a:off x="9707534" y="2709000"/>
+                  <a:ext cx="0" cy="720000"/>
+                </a:xfrm>
+                <a:prstGeom prst="line">
+                  <a:avLst/>
+                </a:prstGeom>
+                <a:ln w="12700">
+                  <a:solidFill>
+                    <a:schemeClr val="accent2"/>
+                  </a:solidFill>
+                  <a:tailEnd type="stealth" w="med" len="lg"/>
+                </a:ln>
+              </p:spPr>
+              <p:style>
+                <a:lnRef idx="2">
+                  <a:schemeClr val="accent1"/>
+                </a:lnRef>
+                <a:fillRef idx="0">
+                  <a:schemeClr val="accent1"/>
+                </a:fillRef>
+                <a:effectRef idx="1">
+                  <a:schemeClr val="accent1"/>
+                </a:effectRef>
+                <a:fontRef idx="minor">
+                  <a:schemeClr val="tx1"/>
+                </a:fontRef>
+              </p:style>
+            </p:cxnSp>
+            <p:cxnSp>
+              <p:nvCxnSpPr>
+                <p:cNvPr id="38" name="Connecteur droit 37">
+                  <a:extLst>
+                    <a:ext uri="{FF2B5EF4-FFF2-40B4-BE49-F238E27FC236}">
+                      <a16:creationId xmlns:a16="http://schemas.microsoft.com/office/drawing/2014/main" id="{11E333C5-E60D-1B03-8CCC-7A31BFC45564}"/>
+                    </a:ext>
+                  </a:extLst>
+                </p:cNvPr>
+                <p:cNvCxnSpPr>
+                  <a:cxnSpLocks/>
+                </p:cNvCxnSpPr>
+                <p:nvPr/>
+              </p:nvCxnSpPr>
+              <p:spPr>
+                <a:xfrm>
+                  <a:off x="9707534" y="3429000"/>
+                  <a:ext cx="720000" cy="0"/>
+                </a:xfrm>
+                <a:prstGeom prst="line">
+                  <a:avLst/>
+                </a:prstGeom>
+                <a:ln w="12700">
+                  <a:solidFill>
+                    <a:schemeClr val="accent2"/>
+                  </a:solidFill>
+                  <a:tailEnd type="stealth" w="med" len="lg"/>
+                </a:ln>
+              </p:spPr>
+              <p:style>
+                <a:lnRef idx="2">
+                  <a:schemeClr val="accent1"/>
+                </a:lnRef>
+                <a:fillRef idx="0">
+                  <a:schemeClr val="accent1"/>
+                </a:fillRef>
+                <a:effectRef idx="1">
+                  <a:schemeClr val="accent1"/>
+                </a:effectRef>
+                <a:fontRef idx="minor">
+                  <a:schemeClr val="tx1"/>
+                </a:fontRef>
+              </p:style>
+            </p:cxnSp>
+          </p:grpSp>
+          <mc:AlternateContent xmlns:mc="http://schemas.openxmlformats.org/markup-compatibility/2006">
+            <mc:Choice xmlns:a14="http://schemas.microsoft.com/office/drawing/2010/main" Requires="a14">
+              <p:sp>
+                <p:nvSpPr>
+                  <p:cNvPr id="27" name="ZoneTexte 26">
+                    <a:extLst>
+                      <a:ext uri="{FF2B5EF4-FFF2-40B4-BE49-F238E27FC236}">
+                        <a16:creationId xmlns:a16="http://schemas.microsoft.com/office/drawing/2014/main" id="{64C692FA-0F98-1B93-2D4A-D464DB370C8D}"/>
+                      </a:ext>
+                    </a:extLst>
+                  </p:cNvPr>
+                  <p:cNvSpPr txBox="1"/>
+                  <p:nvPr/>
+                </p:nvSpPr>
+                <p:spPr>
+                  <a:xfrm>
+                    <a:off x="10441908" y="3344361"/>
+                    <a:ext cx="159466" cy="169277"/>
+                  </a:xfrm>
+                  <a:prstGeom prst="rect">
+                    <a:avLst/>
+                  </a:prstGeom>
+                  <a:noFill/>
+                </p:spPr>
+                <p:txBody>
+                  <a:bodyPr wrap="none" lIns="0" tIns="0" rIns="0" bIns="0" rtlCol="0">
+                    <a:spAutoFit/>
+                  </a:bodyPr>
+                  <a:lstStyle/>
+                  <a:p>
+                    <a:pPr/>
+                    <a14:m>
+                      <m:oMathPara xmlns:m="http://schemas.openxmlformats.org/officeDocument/2006/math">
+                        <m:oMathParaPr>
+                          <m:jc m:val="centerGroup"/>
+                        </m:oMathParaPr>
+                        <m:oMath xmlns:m="http://schemas.openxmlformats.org/officeDocument/2006/math">
+                          <m:acc>
+                            <m:accPr>
+                              <m:chr m:val="⃗"/>
+                              <m:ctrlPr>
+                                <a:rPr lang="fr-FR" sz="1100" b="0" i="1" smtClean="0">
+                                  <a:latin typeface="Cambria Math" panose="02040503050406030204" pitchFamily="18" charset="0"/>
+                                </a:rPr>
+                              </m:ctrlPr>
+                            </m:accPr>
+                            <m:e>
+                              <m:sSub>
+                                <m:sSubPr>
+                                  <m:ctrlPr>
+                                    <a:rPr lang="fr-FR" sz="1100" b="0" i="1" smtClean="0">
+                                      <a:latin typeface="Cambria Math" panose="02040503050406030204" pitchFamily="18" charset="0"/>
+                                    </a:rPr>
+                                  </m:ctrlPr>
+                                </m:sSubPr>
+                                <m:e>
+                                  <m:r>
+                                    <a:rPr lang="fr-FR" sz="1100" b="0" i="1" smtClean="0">
+                                      <a:latin typeface="Cambria Math" panose="02040503050406030204" pitchFamily="18" charset="0"/>
+                                    </a:rPr>
+                                    <m:t>𝑧</m:t>
+                                  </m:r>
+                                </m:e>
+                                <m:sub>
+                                  <m:r>
+                                    <a:rPr lang="fr-FR" sz="1100" b="0" i="1" smtClean="0">
+                                      <a:latin typeface="Cambria Math" panose="02040503050406030204" pitchFamily="18" charset="0"/>
+                                    </a:rPr>
+                                    <m:t>3</m:t>
+                                  </m:r>
+                                </m:sub>
+                              </m:sSub>
+                            </m:e>
+                          </m:acc>
+                        </m:oMath>
+                      </m:oMathPara>
+                    </a14:m>
+                    <a:endParaRPr lang="fr-FR" sz="1100" dirty="0"/>
+                  </a:p>
+                </p:txBody>
+              </p:sp>
+            </mc:Choice>
+            <mc:Fallback>
+              <p:sp>
+                <p:nvSpPr>
+                  <p:cNvPr id="27" name="ZoneTexte 26">
+                    <a:extLst>
+                      <a:ext uri="{FF2B5EF4-FFF2-40B4-BE49-F238E27FC236}">
+                        <a16:creationId xmlns:a16="http://schemas.microsoft.com/office/drawing/2014/main" id="{64C692FA-0F98-1B93-2D4A-D464DB370C8D}"/>
+                      </a:ext>
+                    </a:extLst>
+                  </p:cNvPr>
+                  <p:cNvSpPr txBox="1">
+                    <a:spLocks noRot="1" noChangeAspect="1" noMove="1" noResize="1" noEditPoints="1" noAdjustHandles="1" noChangeArrowheads="1" noChangeShapeType="1" noTextEdit="1"/>
+                  </p:cNvSpPr>
+                  <p:nvPr/>
+                </p:nvSpPr>
+                <p:spPr>
+                  <a:xfrm>
+                    <a:off x="10441908" y="3344361"/>
+                    <a:ext cx="159466" cy="169277"/>
+                  </a:xfrm>
+                  <a:prstGeom prst="rect">
+                    <a:avLst/>
+                  </a:prstGeom>
+                  <a:blipFill>
+                    <a:blip r:embed="rId5"/>
+                    <a:stretch>
+                      <a:fillRect l="-15385" r="-7692" b="-18519"/>
+                    </a:stretch>
+                  </a:blipFill>
+                </p:spPr>
+                <p:txBody>
+                  <a:bodyPr/>
+                  <a:lstStyle/>
+                  <a:p>
+                    <a:r>
+                      <a:rPr lang="fr-FR">
+                        <a:noFill/>
+                      </a:rPr>
+                      <a:t> </a:t>
+                    </a:r>
+                  </a:p>
+                </p:txBody>
+              </p:sp>
+            </mc:Fallback>
+          </mc:AlternateContent>
+          <p:grpSp>
+            <p:nvGrpSpPr>
+              <p:cNvPr id="28" name="Groupe 27">
+                <a:extLst>
+                  <a:ext uri="{FF2B5EF4-FFF2-40B4-BE49-F238E27FC236}">
+                    <a16:creationId xmlns:a16="http://schemas.microsoft.com/office/drawing/2014/main" id="{F220B867-C630-53AE-0A04-8D7CD984BAE2}"/>
+                  </a:ext>
+                </a:extLst>
+              </p:cNvPr>
+              <p:cNvGrpSpPr/>
+              <p:nvPr/>
+            </p:nvGrpSpPr>
+            <p:grpSpPr>
+              <a:xfrm>
+                <a:off x="9707534" y="2709000"/>
+                <a:ext cx="720000" cy="720000"/>
+                <a:chOff x="9707534" y="2709000"/>
+                <a:chExt cx="720000" cy="720000"/>
+              </a:xfrm>
+            </p:grpSpPr>
+            <p:cxnSp>
+              <p:nvCxnSpPr>
+                <p:cNvPr id="35" name="Connecteur droit 34">
+                  <a:extLst>
+                    <a:ext uri="{FF2B5EF4-FFF2-40B4-BE49-F238E27FC236}">
+                      <a16:creationId xmlns:a16="http://schemas.microsoft.com/office/drawing/2014/main" id="{5DDB5264-7006-BBF1-4A8D-43F9D03FAEC2}"/>
+                    </a:ext>
+                  </a:extLst>
+                </p:cNvPr>
+                <p:cNvCxnSpPr>
+                  <a:cxnSpLocks/>
+                </p:cNvCxnSpPr>
+                <p:nvPr/>
+              </p:nvCxnSpPr>
+              <p:spPr>
+                <a:xfrm flipV="1">
+                  <a:off x="9707534" y="2709000"/>
+                  <a:ext cx="0" cy="720000"/>
+                </a:xfrm>
+                <a:prstGeom prst="line">
+                  <a:avLst/>
+                </a:prstGeom>
+                <a:ln w="12700">
+                  <a:solidFill>
+                    <a:schemeClr val="accent5"/>
+                  </a:solidFill>
+                  <a:tailEnd type="stealth" w="med" len="lg"/>
+                </a:ln>
+              </p:spPr>
+              <p:style>
+                <a:lnRef idx="2">
+                  <a:schemeClr val="accent1"/>
+                </a:lnRef>
+                <a:fillRef idx="0">
+                  <a:schemeClr val="accent1"/>
+                </a:fillRef>
+                <a:effectRef idx="1">
+                  <a:schemeClr val="accent1"/>
+                </a:effectRef>
+                <a:fontRef idx="minor">
+                  <a:schemeClr val="tx1"/>
+                </a:fontRef>
+              </p:style>
+            </p:cxnSp>
+            <p:cxnSp>
+              <p:nvCxnSpPr>
+                <p:cNvPr id="36" name="Connecteur droit 35">
+                  <a:extLst>
+                    <a:ext uri="{FF2B5EF4-FFF2-40B4-BE49-F238E27FC236}">
+                      <a16:creationId xmlns:a16="http://schemas.microsoft.com/office/drawing/2014/main" id="{DD35F199-91FC-D0DC-417E-750A4716367B}"/>
+                    </a:ext>
+                  </a:extLst>
+                </p:cNvPr>
+                <p:cNvCxnSpPr>
+                  <a:cxnSpLocks/>
+                </p:cNvCxnSpPr>
+                <p:nvPr/>
+              </p:nvCxnSpPr>
+              <p:spPr>
+                <a:xfrm>
+                  <a:off x="9707534" y="3429000"/>
+                  <a:ext cx="720000" cy="0"/>
+                </a:xfrm>
+                <a:prstGeom prst="line">
+                  <a:avLst/>
+                </a:prstGeom>
+                <a:ln w="12700">
+                  <a:solidFill>
+                    <a:schemeClr val="accent5"/>
+                  </a:solidFill>
+                  <a:tailEnd type="stealth" w="med" len="lg"/>
+                </a:ln>
+              </p:spPr>
+              <p:style>
+                <a:lnRef idx="2">
+                  <a:schemeClr val="accent1"/>
+                </a:lnRef>
+                <a:fillRef idx="0">
+                  <a:schemeClr val="accent1"/>
+                </a:fillRef>
+                <a:effectRef idx="1">
+                  <a:schemeClr val="accent1"/>
+                </a:effectRef>
+                <a:fontRef idx="minor">
+                  <a:schemeClr val="tx1"/>
+                </a:fontRef>
+              </p:style>
+            </p:cxnSp>
+          </p:grpSp>
+          <p:sp>
+            <p:nvSpPr>
+              <p:cNvPr id="29" name="Ellipse 28">
+                <a:extLst>
+                  <a:ext uri="{FF2B5EF4-FFF2-40B4-BE49-F238E27FC236}">
+                    <a16:creationId xmlns:a16="http://schemas.microsoft.com/office/drawing/2014/main" id="{24A8C418-7D7F-3DC3-4398-892E221C98E1}"/>
+                  </a:ext>
+                </a:extLst>
+              </p:cNvPr>
+              <p:cNvSpPr/>
+              <p:nvPr/>
+            </p:nvSpPr>
+            <p:spPr>
+              <a:xfrm>
+                <a:off x="9655875" y="3375001"/>
+                <a:ext cx="108000" cy="108000"/>
+              </a:xfrm>
+              <a:prstGeom prst="ellipse">
+                <a:avLst/>
+              </a:prstGeom>
+              <a:solidFill>
+                <a:schemeClr val="bg1"/>
+              </a:solidFill>
+              <a:ln w="19050">
+                <a:solidFill>
+                  <a:schemeClr val="accent5"/>
+                </a:solidFill>
+              </a:ln>
+            </p:spPr>
+            <p:style>
+              <a:lnRef idx="2">
+                <a:schemeClr val="accent1"/>
+              </a:lnRef>
+              <a:fillRef idx="0">
+                <a:schemeClr val="accent1"/>
+              </a:fillRef>
+              <a:effectRef idx="1">
+                <a:schemeClr val="accent1"/>
+              </a:effectRef>
+              <a:fontRef idx="minor">
+                <a:schemeClr val="tx1"/>
+              </a:fontRef>
+            </p:style>
+            <p:txBody>
+              <a:bodyPr lIns="0" rIns="0" rtlCol="0" anchor="ctr"/>
+              <a:lstStyle/>
+              <a:p>
+                <a:pPr algn="ctr"/>
+                <a:endParaRPr lang="fr-FR" sz="1200" b="1" dirty="0">
+                  <a:solidFill>
+                    <a:schemeClr val="accent5"/>
+                  </a:solidFill>
+                </a:endParaRPr>
+              </a:p>
+            </p:txBody>
+          </p:sp>
+          <p:sp>
+            <p:nvSpPr>
+              <p:cNvPr id="30" name="Ellipse 29">
+                <a:extLst>
+                  <a:ext uri="{FF2B5EF4-FFF2-40B4-BE49-F238E27FC236}">
+                    <a16:creationId xmlns:a16="http://schemas.microsoft.com/office/drawing/2014/main" id="{ADC25C28-6B36-2A8E-54D6-B88E4414952F}"/>
+                  </a:ext>
+                </a:extLst>
+              </p:cNvPr>
+              <p:cNvSpPr/>
+              <p:nvPr/>
+            </p:nvSpPr>
+            <p:spPr>
+              <a:xfrm>
+                <a:off x="9693160" y="3411000"/>
+                <a:ext cx="36000" cy="36000"/>
+              </a:xfrm>
+              <a:prstGeom prst="ellipse">
+                <a:avLst/>
+              </a:prstGeom>
+              <a:solidFill>
+                <a:schemeClr val="accent5"/>
+              </a:solidFill>
+              <a:ln w="19050">
+                <a:solidFill>
+                  <a:schemeClr val="accent5"/>
+                </a:solidFill>
+              </a:ln>
+            </p:spPr>
+            <p:style>
+              <a:lnRef idx="2">
+                <a:schemeClr val="accent1"/>
+              </a:lnRef>
+              <a:fillRef idx="0">
+                <a:schemeClr val="accent1"/>
+              </a:fillRef>
+              <a:effectRef idx="1">
+                <a:schemeClr val="accent1"/>
+              </a:effectRef>
+              <a:fontRef idx="minor">
+                <a:schemeClr val="tx1"/>
+              </a:fontRef>
+            </p:style>
+            <p:txBody>
+              <a:bodyPr lIns="0" rIns="0" rtlCol="0" anchor="ctr"/>
+              <a:lstStyle/>
+              <a:p>
+                <a:pPr algn="ctr"/>
+                <a:endParaRPr lang="fr-FR" sz="1200" b="1" dirty="0">
+                  <a:solidFill>
+                    <a:schemeClr val="accent5"/>
+                  </a:solidFill>
+                </a:endParaRPr>
+              </a:p>
+            </p:txBody>
+          </p:sp>
+          <mc:AlternateContent xmlns:mc="http://schemas.openxmlformats.org/markup-compatibility/2006">
+            <mc:Choice xmlns:a14="http://schemas.microsoft.com/office/drawing/2010/main" Requires="a14">
+              <p:sp>
+                <p:nvSpPr>
+                  <p:cNvPr id="31" name="ZoneTexte 30">
+                    <a:extLst>
+                      <a:ext uri="{FF2B5EF4-FFF2-40B4-BE49-F238E27FC236}">
+                        <a16:creationId xmlns:a16="http://schemas.microsoft.com/office/drawing/2014/main" id="{100F38DF-EAEC-572B-A3F8-D23DAB889DF2}"/>
+                      </a:ext>
+                    </a:extLst>
+                  </p:cNvPr>
+                  <p:cNvSpPr txBox="1"/>
+                  <p:nvPr/>
+                </p:nvSpPr>
+                <p:spPr>
+                  <a:xfrm>
+                    <a:off x="9634593" y="2504259"/>
+                    <a:ext cx="167995" cy="169277"/>
+                  </a:xfrm>
+                  <a:prstGeom prst="rect">
+                    <a:avLst/>
+                  </a:prstGeom>
+                  <a:noFill/>
+                </p:spPr>
+                <p:txBody>
+                  <a:bodyPr wrap="none" lIns="0" tIns="0" rIns="0" bIns="0" rtlCol="0">
+                    <a:spAutoFit/>
+                  </a:bodyPr>
+                  <a:lstStyle/>
+                  <a:p>
+                    <a:pPr/>
+                    <a14:m>
+                      <m:oMathPara xmlns:m="http://schemas.openxmlformats.org/officeDocument/2006/math">
+                        <m:oMathParaPr>
+                          <m:jc m:val="centerGroup"/>
+                        </m:oMathParaPr>
+                        <m:oMath xmlns:m="http://schemas.openxmlformats.org/officeDocument/2006/math">
+                          <m:acc>
+                            <m:accPr>
+                              <m:chr m:val="⃗"/>
+                              <m:ctrlPr>
+                                <a:rPr lang="fr-FR" sz="1100" b="0" i="1" smtClean="0">
+                                  <a:latin typeface="Cambria Math" panose="02040503050406030204" pitchFamily="18" charset="0"/>
+                                </a:rPr>
+                              </m:ctrlPr>
+                            </m:accPr>
+                            <m:e>
+                              <m:sSub>
+                                <m:sSubPr>
+                                  <m:ctrlPr>
+                                    <a:rPr lang="fr-FR" sz="1100" b="0" i="1" smtClean="0">
+                                      <a:latin typeface="Cambria Math" panose="02040503050406030204" pitchFamily="18" charset="0"/>
+                                    </a:rPr>
+                                  </m:ctrlPr>
+                                </m:sSubPr>
+                                <m:e>
+                                  <m:r>
+                                    <a:rPr lang="fr-FR" sz="1100" b="0" i="1" smtClean="0">
+                                      <a:latin typeface="Cambria Math" panose="02040503050406030204" pitchFamily="18" charset="0"/>
+                                    </a:rPr>
+                                    <m:t>𝑥</m:t>
+                                  </m:r>
+                                </m:e>
+                                <m:sub>
+                                  <m:r>
+                                    <a:rPr lang="fr-FR" sz="1100" b="0" i="1" smtClean="0">
+                                      <a:latin typeface="Cambria Math" panose="02040503050406030204" pitchFamily="18" charset="0"/>
+                                    </a:rPr>
+                                    <m:t>3</m:t>
+                                  </m:r>
+                                </m:sub>
+                              </m:sSub>
+                            </m:e>
+                          </m:acc>
+                        </m:oMath>
+                      </m:oMathPara>
+                    </a14:m>
+                    <a:endParaRPr lang="fr-FR" sz="1100" dirty="0"/>
+                  </a:p>
+                </p:txBody>
+              </p:sp>
+            </mc:Choice>
+            <mc:Fallback>
+              <p:sp>
+                <p:nvSpPr>
+                  <p:cNvPr id="31" name="ZoneTexte 30">
+                    <a:extLst>
+                      <a:ext uri="{FF2B5EF4-FFF2-40B4-BE49-F238E27FC236}">
+                        <a16:creationId xmlns:a16="http://schemas.microsoft.com/office/drawing/2014/main" id="{100F38DF-EAEC-572B-A3F8-D23DAB889DF2}"/>
+                      </a:ext>
+                    </a:extLst>
+                  </p:cNvPr>
+                  <p:cNvSpPr txBox="1">
+                    <a:spLocks noRot="1" noChangeAspect="1" noMove="1" noResize="1" noEditPoints="1" noAdjustHandles="1" noChangeArrowheads="1" noChangeShapeType="1" noTextEdit="1"/>
+                  </p:cNvSpPr>
+                  <p:nvPr/>
+                </p:nvSpPr>
+                <p:spPr>
+                  <a:xfrm>
+                    <a:off x="9634593" y="2504259"/>
+                    <a:ext cx="167995" cy="169277"/>
+                  </a:xfrm>
+                  <a:prstGeom prst="rect">
+                    <a:avLst/>
+                  </a:prstGeom>
+                  <a:blipFill>
+                    <a:blip r:embed="rId6"/>
+                    <a:stretch>
+                      <a:fillRect l="-14286" r="-7143" b="-14286"/>
+                    </a:stretch>
+                  </a:blipFill>
+                </p:spPr>
+                <p:txBody>
+                  <a:bodyPr/>
+                  <a:lstStyle/>
+                  <a:p>
+                    <a:r>
+                      <a:rPr lang="fr-FR">
+                        <a:noFill/>
+                      </a:rPr>
+                      <a:t> </a:t>
+                    </a:r>
+                  </a:p>
+                </p:txBody>
+              </p:sp>
+            </mc:Fallback>
+          </mc:AlternateContent>
+          <mc:AlternateContent xmlns:mc="http://schemas.openxmlformats.org/markup-compatibility/2006">
+            <mc:Choice xmlns:a14="http://schemas.microsoft.com/office/drawing/2010/main" Requires="a14">
+              <p:sp>
+                <p:nvSpPr>
+                  <p:cNvPr id="32" name="ZoneTexte 31">
+                    <a:extLst>
+                      <a:ext uri="{FF2B5EF4-FFF2-40B4-BE49-F238E27FC236}">
+                        <a16:creationId xmlns:a16="http://schemas.microsoft.com/office/drawing/2014/main" id="{BEEEDBCE-9CE8-0769-C8A7-DB62FD72AA53}"/>
+                      </a:ext>
+                    </a:extLst>
+                  </p:cNvPr>
+                  <p:cNvSpPr txBox="1"/>
+                  <p:nvPr/>
+                </p:nvSpPr>
+                <p:spPr>
+                  <a:xfrm>
+                    <a:off x="9429712" y="2555256"/>
+                    <a:ext cx="167995" cy="169277"/>
+                  </a:xfrm>
+                  <a:prstGeom prst="rect">
+                    <a:avLst/>
+                  </a:prstGeom>
+                  <a:noFill/>
+                </p:spPr>
+                <p:txBody>
+                  <a:bodyPr wrap="none" lIns="0" tIns="0" rIns="0" bIns="0" rtlCol="0">
+                    <a:spAutoFit/>
+                  </a:bodyPr>
+                  <a:lstStyle/>
+                  <a:p>
+                    <a:pPr/>
+                    <a14:m>
+                      <m:oMathPara xmlns:m="http://schemas.openxmlformats.org/officeDocument/2006/math">
+                        <m:oMathParaPr>
+                          <m:jc m:val="centerGroup"/>
+                        </m:oMathParaPr>
+                        <m:oMath xmlns:m="http://schemas.openxmlformats.org/officeDocument/2006/math">
+                          <m:acc>
+                            <m:accPr>
+                              <m:chr m:val="⃗"/>
+                              <m:ctrlPr>
+                                <a:rPr lang="fr-FR" sz="1100" b="0" i="1" smtClean="0">
+                                  <a:latin typeface="Cambria Math" panose="02040503050406030204" pitchFamily="18" charset="0"/>
+                                </a:rPr>
+                              </m:ctrlPr>
+                            </m:accPr>
+                            <m:e>
+                              <m:sSub>
+                                <m:sSubPr>
+                                  <m:ctrlPr>
+                                    <a:rPr lang="fr-FR" sz="1100" b="0" i="1" smtClean="0">
+                                      <a:latin typeface="Cambria Math" panose="02040503050406030204" pitchFamily="18" charset="0"/>
+                                    </a:rPr>
+                                  </m:ctrlPr>
+                                </m:sSubPr>
+                                <m:e>
+                                  <m:r>
+                                    <a:rPr lang="fr-FR" sz="1100" b="0" i="1" smtClean="0">
+                                      <a:latin typeface="Cambria Math" panose="02040503050406030204" pitchFamily="18" charset="0"/>
+                                    </a:rPr>
+                                    <m:t>𝑥</m:t>
+                                  </m:r>
+                                </m:e>
+                                <m:sub>
+                                  <m:r>
+                                    <a:rPr lang="fr-FR" sz="1100" b="0" i="1" smtClean="0">
+                                      <a:latin typeface="Cambria Math" panose="02040503050406030204" pitchFamily="18" charset="0"/>
+                                    </a:rPr>
+                                    <m:t>7</m:t>
+                                  </m:r>
+                                </m:sub>
+                              </m:sSub>
+                            </m:e>
+                          </m:acc>
+                        </m:oMath>
+                      </m:oMathPara>
+                    </a14:m>
+                    <a:endParaRPr lang="fr-FR" sz="1100" dirty="0"/>
+                  </a:p>
+                </p:txBody>
+              </p:sp>
+            </mc:Choice>
+            <mc:Fallback>
+              <p:sp>
+                <p:nvSpPr>
+                  <p:cNvPr id="32" name="ZoneTexte 31">
+                    <a:extLst>
+                      <a:ext uri="{FF2B5EF4-FFF2-40B4-BE49-F238E27FC236}">
+                        <a16:creationId xmlns:a16="http://schemas.microsoft.com/office/drawing/2014/main" id="{BEEEDBCE-9CE8-0769-C8A7-DB62FD72AA53}"/>
+                      </a:ext>
+                    </a:extLst>
+                  </p:cNvPr>
+                  <p:cNvSpPr txBox="1">
+                    <a:spLocks noRot="1" noChangeAspect="1" noMove="1" noResize="1" noEditPoints="1" noAdjustHandles="1" noChangeArrowheads="1" noChangeShapeType="1" noTextEdit="1"/>
+                  </p:cNvSpPr>
+                  <p:nvPr/>
+                </p:nvSpPr>
+                <p:spPr>
+                  <a:xfrm>
+                    <a:off x="9429712" y="2555256"/>
+                    <a:ext cx="167995" cy="169277"/>
+                  </a:xfrm>
+                  <a:prstGeom prst="rect">
+                    <a:avLst/>
+                  </a:prstGeom>
+                  <a:blipFill>
+                    <a:blip r:embed="rId7"/>
+                    <a:stretch>
+                      <a:fillRect l="-14815" r="-11111" b="-14286"/>
+                    </a:stretch>
+                  </a:blipFill>
+                </p:spPr>
+                <p:txBody>
+                  <a:bodyPr/>
+                  <a:lstStyle/>
+                  <a:p>
+                    <a:r>
+                      <a:rPr lang="fr-FR">
+                        <a:noFill/>
+                      </a:rPr>
+                      <a:t> </a:t>
+                    </a:r>
+                  </a:p>
+                </p:txBody>
+              </p:sp>
+            </mc:Fallback>
+          </mc:AlternateContent>
+          <mc:AlternateContent xmlns:mc="http://schemas.openxmlformats.org/markup-compatibility/2006">
+            <mc:Choice xmlns:a14="http://schemas.microsoft.com/office/drawing/2010/main" Requires="a14">
+              <p:sp>
+                <p:nvSpPr>
+                  <p:cNvPr id="33" name="ZoneTexte 32">
+                    <a:extLst>
+                      <a:ext uri="{FF2B5EF4-FFF2-40B4-BE49-F238E27FC236}">
+                        <a16:creationId xmlns:a16="http://schemas.microsoft.com/office/drawing/2014/main" id="{FE94BA54-753A-522B-EAB7-48294C6A4988}"/>
+                      </a:ext>
+                    </a:extLst>
+                  </p:cNvPr>
+                  <p:cNvSpPr txBox="1"/>
+                  <p:nvPr/>
+                </p:nvSpPr>
+                <p:spPr>
+                  <a:xfrm>
+                    <a:off x="10362175" y="3059873"/>
+                    <a:ext cx="159466" cy="169277"/>
+                  </a:xfrm>
+                  <a:prstGeom prst="rect">
+                    <a:avLst/>
+                  </a:prstGeom>
+                  <a:noFill/>
+                </p:spPr>
+                <p:txBody>
+                  <a:bodyPr wrap="none" lIns="0" tIns="0" rIns="0" bIns="0" rtlCol="0">
+                    <a:spAutoFit/>
+                  </a:bodyPr>
+                  <a:lstStyle/>
+                  <a:p>
+                    <a:pPr/>
+                    <a14:m>
+                      <m:oMathPara xmlns:m="http://schemas.openxmlformats.org/officeDocument/2006/math">
+                        <m:oMathParaPr>
+                          <m:jc m:val="centerGroup"/>
+                        </m:oMathParaPr>
+                        <m:oMath xmlns:m="http://schemas.openxmlformats.org/officeDocument/2006/math">
+                          <m:acc>
+                            <m:accPr>
+                              <m:chr m:val="⃗"/>
+                              <m:ctrlPr>
+                                <a:rPr lang="fr-FR" sz="1100" b="0" i="1" smtClean="0">
+                                  <a:latin typeface="Cambria Math" panose="02040503050406030204" pitchFamily="18" charset="0"/>
+                                </a:rPr>
+                              </m:ctrlPr>
+                            </m:accPr>
+                            <m:e>
+                              <m:sSub>
+                                <m:sSubPr>
+                                  <m:ctrlPr>
+                                    <a:rPr lang="fr-FR" sz="1100" b="0" i="1" smtClean="0">
+                                      <a:latin typeface="Cambria Math" panose="02040503050406030204" pitchFamily="18" charset="0"/>
+                                    </a:rPr>
+                                  </m:ctrlPr>
+                                </m:sSubPr>
+                                <m:e>
+                                  <m:r>
+                                    <a:rPr lang="fr-FR" sz="1100" b="0" i="1" smtClean="0">
+                                      <a:latin typeface="Cambria Math" panose="02040503050406030204" pitchFamily="18" charset="0"/>
+                                    </a:rPr>
+                                    <m:t>𝑧</m:t>
+                                  </m:r>
+                                </m:e>
+                                <m:sub>
+                                  <m:r>
+                                    <a:rPr lang="fr-FR" sz="1100" b="0" i="1" smtClean="0">
+                                      <a:latin typeface="Cambria Math" panose="02040503050406030204" pitchFamily="18" charset="0"/>
+                                    </a:rPr>
+                                    <m:t>7</m:t>
+                                  </m:r>
+                                </m:sub>
+                              </m:sSub>
+                            </m:e>
+                          </m:acc>
+                        </m:oMath>
+                      </m:oMathPara>
+                    </a14:m>
+                    <a:endParaRPr lang="fr-FR" sz="1100" dirty="0"/>
+                  </a:p>
+                </p:txBody>
+              </p:sp>
+            </mc:Choice>
+            <mc:Fallback>
+              <p:sp>
+                <p:nvSpPr>
+                  <p:cNvPr id="33" name="ZoneTexte 32">
+                    <a:extLst>
+                      <a:ext uri="{FF2B5EF4-FFF2-40B4-BE49-F238E27FC236}">
+                        <a16:creationId xmlns:a16="http://schemas.microsoft.com/office/drawing/2014/main" id="{FE94BA54-753A-522B-EAB7-48294C6A4988}"/>
+                      </a:ext>
+                    </a:extLst>
+                  </p:cNvPr>
+                  <p:cNvSpPr txBox="1">
+                    <a:spLocks noRot="1" noChangeAspect="1" noMove="1" noResize="1" noEditPoints="1" noAdjustHandles="1" noChangeArrowheads="1" noChangeShapeType="1" noTextEdit="1"/>
+                  </p:cNvSpPr>
+                  <p:nvPr/>
+                </p:nvSpPr>
+                <p:spPr>
+                  <a:xfrm>
+                    <a:off x="10362175" y="3059873"/>
+                    <a:ext cx="159466" cy="169277"/>
+                  </a:xfrm>
+                  <a:prstGeom prst="rect">
+                    <a:avLst/>
+                  </a:prstGeom>
+                  <a:blipFill>
+                    <a:blip r:embed="rId8"/>
+                    <a:stretch>
+                      <a:fillRect l="-15385" r="-7692" b="-14286"/>
+                    </a:stretch>
+                  </a:blipFill>
+                </p:spPr>
+                <p:txBody>
+                  <a:bodyPr/>
+                  <a:lstStyle/>
+                  <a:p>
+                    <a:r>
+                      <a:rPr lang="fr-FR">
+                        <a:noFill/>
+                      </a:rPr>
+                      <a:t> </a:t>
+                    </a:r>
+                  </a:p>
+                </p:txBody>
+              </p:sp>
+            </mc:Fallback>
+          </mc:AlternateContent>
+          <mc:AlternateContent xmlns:mc="http://schemas.openxmlformats.org/markup-compatibility/2006">
+            <mc:Choice xmlns:a14="http://schemas.microsoft.com/office/drawing/2010/main" Requires="a14">
+              <p:sp>
+                <p:nvSpPr>
+                  <p:cNvPr id="34" name="ZoneTexte 33">
+                    <a:extLst>
+                      <a:ext uri="{FF2B5EF4-FFF2-40B4-BE49-F238E27FC236}">
+                        <a16:creationId xmlns:a16="http://schemas.microsoft.com/office/drawing/2014/main" id="{EB17BF83-D26E-1197-55D2-28BCF4DDA6CA}"/>
+                      </a:ext>
+                    </a:extLst>
+                  </p:cNvPr>
+                  <p:cNvSpPr txBox="1"/>
+                  <p:nvPr/>
+                </p:nvSpPr>
+                <p:spPr>
+                  <a:xfrm>
+                    <a:off x="10364547" y="3223136"/>
+                    <a:ext cx="106375" cy="169277"/>
+                  </a:xfrm>
+                  <a:prstGeom prst="rect">
+                    <a:avLst/>
+                  </a:prstGeom>
+                  <a:noFill/>
+                </p:spPr>
+                <p:txBody>
+                  <a:bodyPr wrap="none" lIns="0" tIns="0" rIns="0" bIns="0" rtlCol="0">
+                    <a:spAutoFit/>
+                  </a:bodyPr>
+                  <a:lstStyle/>
+                  <a:p>
+                    <a:pPr/>
+                    <a14:m>
+                      <m:oMathPara xmlns:m="http://schemas.openxmlformats.org/officeDocument/2006/math">
+                        <m:oMathParaPr>
+                          <m:jc m:val="centerGroup"/>
+                        </m:oMathParaPr>
+                        <m:oMath xmlns:m="http://schemas.openxmlformats.org/officeDocument/2006/math">
+                          <m:r>
+                            <a:rPr lang="fr-FR" sz="1100" b="0" i="1" smtClean="0">
+                              <a:latin typeface="Cambria Math" panose="02040503050406030204" pitchFamily="18" charset="0"/>
+                            </a:rPr>
+                            <m:t>𝛾</m:t>
+                          </m:r>
+                        </m:oMath>
+                      </m:oMathPara>
+                    </a14:m>
+                    <a:endParaRPr lang="fr-FR" sz="1100" dirty="0"/>
+                  </a:p>
+                </p:txBody>
+              </p:sp>
+            </mc:Choice>
+            <mc:Fallback>
+              <p:sp>
+                <p:nvSpPr>
+                  <p:cNvPr id="34" name="ZoneTexte 33">
+                    <a:extLst>
+                      <a:ext uri="{FF2B5EF4-FFF2-40B4-BE49-F238E27FC236}">
+                        <a16:creationId xmlns:a16="http://schemas.microsoft.com/office/drawing/2014/main" id="{EB17BF83-D26E-1197-55D2-28BCF4DDA6CA}"/>
+                      </a:ext>
+                    </a:extLst>
+                  </p:cNvPr>
+                  <p:cNvSpPr txBox="1">
+                    <a:spLocks noRot="1" noChangeAspect="1" noMove="1" noResize="1" noEditPoints="1" noAdjustHandles="1" noChangeArrowheads="1" noChangeShapeType="1" noTextEdit="1"/>
+                  </p:cNvSpPr>
+                  <p:nvPr/>
+                </p:nvSpPr>
+                <p:spPr>
+                  <a:xfrm>
+                    <a:off x="10364547" y="3223136"/>
+                    <a:ext cx="106375" cy="169277"/>
+                  </a:xfrm>
+                  <a:prstGeom prst="rect">
+                    <a:avLst/>
+                  </a:prstGeom>
+                  <a:blipFill>
+                    <a:blip r:embed="rId9"/>
+                    <a:stretch>
+                      <a:fillRect l="-33333" r="-22222" b="-17857"/>
+                    </a:stretch>
+                  </a:blipFill>
+                </p:spPr>
+                <p:txBody>
+                  <a:bodyPr/>
+                  <a:lstStyle/>
+                  <a:p>
+                    <a:r>
+                      <a:rPr lang="fr-FR">
+                        <a:noFill/>
+                      </a:rPr>
+                      <a:t> </a:t>
+                    </a:r>
+                  </a:p>
+                </p:txBody>
+              </p:sp>
+            </mc:Fallback>
+          </mc:AlternateContent>
+        </p:grpSp>
+        <mc:AlternateContent xmlns:mc="http://schemas.openxmlformats.org/markup-compatibility/2006">
+          <mc:Choice xmlns:a14="http://schemas.microsoft.com/office/drawing/2010/main" Requires="a14">
+            <p:sp>
+              <p:nvSpPr>
+                <p:cNvPr id="19" name="ZoneTexte 18">
+                  <a:extLst>
+                    <a:ext uri="{FF2B5EF4-FFF2-40B4-BE49-F238E27FC236}">
+                      <a16:creationId xmlns:a16="http://schemas.microsoft.com/office/drawing/2014/main" id="{E8C2ABEB-9810-4FCD-DC79-03A465221AF5}"/>
+                    </a:ext>
+                  </a:extLst>
+                </p:cNvPr>
+                <p:cNvSpPr txBox="1"/>
+                <p:nvPr/>
+              </p:nvSpPr>
+              <p:spPr>
+                <a:xfrm>
+                  <a:off x="2538757" y="914864"/>
+                  <a:ext cx="224036" cy="169277"/>
+                </a:xfrm>
+                <a:prstGeom prst="rect">
+                  <a:avLst/>
+                </a:prstGeom>
+                <a:noFill/>
+              </p:spPr>
+              <p:txBody>
+                <a:bodyPr wrap="none" lIns="0" tIns="0" rIns="0" bIns="0" rtlCol="0">
+                  <a:spAutoFit/>
+                </a:bodyPr>
+                <a:lstStyle/>
+                <a:p>
+                  <a:pPr/>
+                  <a14:m>
+                    <m:oMathPara xmlns:m="http://schemas.openxmlformats.org/officeDocument/2006/math">
+                      <m:oMathParaPr>
+                        <m:jc m:val="centerGroup"/>
+                      </m:oMathParaPr>
+                      <m:oMath xmlns:m="http://schemas.openxmlformats.org/officeDocument/2006/math">
+                        <m:acc>
+                          <m:accPr>
+                            <m:chr m:val="⃗"/>
+                            <m:ctrlPr>
+                              <a:rPr lang="fr-FR" sz="1100" b="0" i="1" smtClean="0">
+                                <a:latin typeface="Cambria Math" panose="02040503050406030204" pitchFamily="18" charset="0"/>
+                              </a:rPr>
+                            </m:ctrlPr>
+                          </m:accPr>
+                          <m:e>
+                            <m:sSub>
+                              <m:sSubPr>
+                                <m:ctrlPr>
+                                  <a:rPr lang="fr-FR" sz="1100" b="0" i="1" smtClean="0">
+                                    <a:latin typeface="Cambria Math" panose="02040503050406030204" pitchFamily="18" charset="0"/>
+                                  </a:rPr>
+                                </m:ctrlPr>
+                              </m:sSubPr>
+                              <m:e>
+                                <m:r>
+                                  <a:rPr lang="fr-FR" sz="1100" b="0" i="1" smtClean="0">
+                                    <a:latin typeface="Cambria Math" panose="02040503050406030204" pitchFamily="18" charset="0"/>
+                                  </a:rPr>
+                                  <m:t>𝑥</m:t>
+                                </m:r>
+                              </m:e>
+                              <m:sub>
+                                <m:r>
+                                  <a:rPr lang="fr-FR" sz="1100" b="0" i="1" smtClean="0">
+                                    <a:latin typeface="Cambria Math" panose="02040503050406030204" pitchFamily="18" charset="0"/>
+                                  </a:rPr>
+                                  <m:t>11</m:t>
+                                </m:r>
+                              </m:sub>
+                            </m:sSub>
+                          </m:e>
+                        </m:acc>
+                      </m:oMath>
+                    </m:oMathPara>
+                  </a14:m>
+                  <a:endParaRPr lang="fr-FR" sz="1100" dirty="0"/>
+                </a:p>
+              </p:txBody>
+            </p:sp>
+          </mc:Choice>
+          <mc:Fallback>
+            <p:sp>
+              <p:nvSpPr>
+                <p:cNvPr id="19" name="ZoneTexte 18">
+                  <a:extLst>
+                    <a:ext uri="{FF2B5EF4-FFF2-40B4-BE49-F238E27FC236}">
+                      <a16:creationId xmlns:a16="http://schemas.microsoft.com/office/drawing/2014/main" id="{E8C2ABEB-9810-4FCD-DC79-03A465221AF5}"/>
+                    </a:ext>
+                  </a:extLst>
+                </p:cNvPr>
+                <p:cNvSpPr txBox="1">
+                  <a:spLocks noRot="1" noChangeAspect="1" noMove="1" noResize="1" noEditPoints="1" noAdjustHandles="1" noChangeArrowheads="1" noChangeShapeType="1" noTextEdit="1"/>
+                </p:cNvSpPr>
+                <p:nvPr/>
+              </p:nvSpPr>
+              <p:spPr>
+                <a:xfrm>
+                  <a:off x="2538757" y="914864"/>
+                  <a:ext cx="224036" cy="169277"/>
+                </a:xfrm>
+                <a:prstGeom prst="rect">
+                  <a:avLst/>
+                </a:prstGeom>
+                <a:blipFill>
+                  <a:blip r:embed="rId10"/>
+                  <a:stretch>
+                    <a:fillRect l="-8108" r="-8108" b="-14286"/>
+                  </a:stretch>
+                </a:blipFill>
+              </p:spPr>
+              <p:txBody>
+                <a:bodyPr/>
+                <a:lstStyle/>
+                <a:p>
+                  <a:r>
+                    <a:rPr lang="fr-FR">
+                      <a:noFill/>
+                    </a:rPr>
+                    <a:t> </a:t>
+                  </a:r>
+                </a:p>
+              </p:txBody>
+            </p:sp>
+          </mc:Fallback>
+        </mc:AlternateContent>
+        <mc:AlternateContent xmlns:mc="http://schemas.openxmlformats.org/markup-compatibility/2006">
+          <mc:Choice xmlns:a14="http://schemas.microsoft.com/office/drawing/2010/main" Requires="a14">
+            <p:sp>
+              <p:nvSpPr>
+                <p:cNvPr id="20" name="ZoneTexte 19">
+                  <a:extLst>
+                    <a:ext uri="{FF2B5EF4-FFF2-40B4-BE49-F238E27FC236}">
+                      <a16:creationId xmlns:a16="http://schemas.microsoft.com/office/drawing/2014/main" id="{9481A807-9643-D52A-615C-2D3B814D1371}"/>
+                    </a:ext>
+                  </a:extLst>
+                </p:cNvPr>
+                <p:cNvSpPr txBox="1"/>
+                <p:nvPr/>
+              </p:nvSpPr>
+              <p:spPr>
+                <a:xfrm>
+                  <a:off x="3561711" y="1154126"/>
+                  <a:ext cx="215508" cy="169277"/>
+                </a:xfrm>
+                <a:prstGeom prst="rect">
+                  <a:avLst/>
+                </a:prstGeom>
+                <a:noFill/>
+              </p:spPr>
+              <p:txBody>
+                <a:bodyPr wrap="none" lIns="0" tIns="0" rIns="0" bIns="0" rtlCol="0">
+                  <a:spAutoFit/>
+                </a:bodyPr>
+                <a:lstStyle/>
+                <a:p>
+                  <a:pPr/>
+                  <a14:m>
+                    <m:oMathPara xmlns:m="http://schemas.openxmlformats.org/officeDocument/2006/math">
+                      <m:oMathParaPr>
+                        <m:jc m:val="centerGroup"/>
+                      </m:oMathParaPr>
+                      <m:oMath xmlns:m="http://schemas.openxmlformats.org/officeDocument/2006/math">
+                        <m:acc>
+                          <m:accPr>
+                            <m:chr m:val="⃗"/>
+                            <m:ctrlPr>
+                              <a:rPr lang="fr-FR" sz="1100" b="0" i="1" smtClean="0">
+                                <a:latin typeface="Cambria Math" panose="02040503050406030204" pitchFamily="18" charset="0"/>
+                              </a:rPr>
+                            </m:ctrlPr>
+                          </m:accPr>
+                          <m:e>
+                            <m:sSub>
+                              <m:sSubPr>
+                                <m:ctrlPr>
+                                  <a:rPr lang="fr-FR" sz="1100" b="0" i="1" smtClean="0">
+                                    <a:latin typeface="Cambria Math" panose="02040503050406030204" pitchFamily="18" charset="0"/>
+                                  </a:rPr>
+                                </m:ctrlPr>
+                              </m:sSubPr>
+                              <m:e>
+                                <m:r>
+                                  <a:rPr lang="fr-FR" sz="1100" b="0" i="1" smtClean="0">
+                                    <a:latin typeface="Cambria Math" panose="02040503050406030204" pitchFamily="18" charset="0"/>
+                                  </a:rPr>
+                                  <m:t>𝑧</m:t>
+                                </m:r>
+                              </m:e>
+                              <m:sub>
+                                <m:r>
+                                  <a:rPr lang="fr-FR" sz="1100" b="0" i="1" smtClean="0">
+                                    <a:latin typeface="Cambria Math" panose="02040503050406030204" pitchFamily="18" charset="0"/>
+                                  </a:rPr>
+                                  <m:t>11</m:t>
+                                </m:r>
+                              </m:sub>
+                            </m:sSub>
+                          </m:e>
+                        </m:acc>
+                      </m:oMath>
+                    </m:oMathPara>
+                  </a14:m>
+                  <a:endParaRPr lang="fr-FR" sz="1100" dirty="0"/>
+                </a:p>
+              </p:txBody>
+            </p:sp>
+          </mc:Choice>
+          <mc:Fallback>
+            <p:sp>
+              <p:nvSpPr>
+                <p:cNvPr id="20" name="ZoneTexte 19">
+                  <a:extLst>
+                    <a:ext uri="{FF2B5EF4-FFF2-40B4-BE49-F238E27FC236}">
+                      <a16:creationId xmlns:a16="http://schemas.microsoft.com/office/drawing/2014/main" id="{9481A807-9643-D52A-615C-2D3B814D1371}"/>
+                    </a:ext>
+                  </a:extLst>
+                </p:cNvPr>
+                <p:cNvSpPr txBox="1">
+                  <a:spLocks noRot="1" noChangeAspect="1" noMove="1" noResize="1" noEditPoints="1" noAdjustHandles="1" noChangeArrowheads="1" noChangeShapeType="1" noTextEdit="1"/>
+                </p:cNvSpPr>
+                <p:nvPr/>
+              </p:nvSpPr>
+              <p:spPr>
+                <a:xfrm>
+                  <a:off x="3561711" y="1154126"/>
+                  <a:ext cx="215508" cy="169277"/>
+                </a:xfrm>
+                <a:prstGeom prst="rect">
+                  <a:avLst/>
+                </a:prstGeom>
+                <a:blipFill>
+                  <a:blip r:embed="rId11"/>
+                  <a:stretch>
+                    <a:fillRect l="-11429" r="-8571" b="-14286"/>
+                  </a:stretch>
+                </a:blipFill>
+              </p:spPr>
+              <p:txBody>
+                <a:bodyPr/>
+                <a:lstStyle/>
+                <a:p>
+                  <a:r>
+                    <a:rPr lang="fr-FR">
+                      <a:noFill/>
+                    </a:rPr>
+                    <a:t> </a:t>
+                  </a:r>
+                </a:p>
+              </p:txBody>
+            </p:sp>
+          </mc:Fallback>
+        </mc:AlternateContent>
+        <mc:AlternateContent xmlns:mc="http://schemas.openxmlformats.org/markup-compatibility/2006">
+          <mc:Choice xmlns:a14="http://schemas.microsoft.com/office/drawing/2010/main" Requires="a14">
+            <p:sp>
+              <p:nvSpPr>
+                <p:cNvPr id="21" name="ZoneTexte 20">
+                  <a:extLst>
+                    <a:ext uri="{FF2B5EF4-FFF2-40B4-BE49-F238E27FC236}">
+                      <a16:creationId xmlns:a16="http://schemas.microsoft.com/office/drawing/2014/main" id="{241F2295-1B00-D183-599A-5DAE694CE19B}"/>
+                    </a:ext>
+                  </a:extLst>
+                </p:cNvPr>
+                <p:cNvSpPr txBox="1"/>
+                <p:nvPr/>
+              </p:nvSpPr>
+              <p:spPr>
+                <a:xfrm>
+                  <a:off x="3312959" y="1348664"/>
+                  <a:ext cx="118109" cy="169277"/>
+                </a:xfrm>
+                <a:prstGeom prst="rect">
+                  <a:avLst/>
+                </a:prstGeom>
+                <a:noFill/>
+              </p:spPr>
+              <p:txBody>
+                <a:bodyPr wrap="none" lIns="0" tIns="0" rIns="0" bIns="0" rtlCol="0">
+                  <a:spAutoFit/>
+                </a:bodyPr>
+                <a:lstStyle/>
+                <a:p>
+                  <a:pPr/>
+                  <a14:m>
+                    <m:oMathPara xmlns:m="http://schemas.openxmlformats.org/officeDocument/2006/math">
+                      <m:oMathParaPr>
+                        <m:jc m:val="centerGroup"/>
+                      </m:oMathParaPr>
+                      <m:oMath xmlns:m="http://schemas.openxmlformats.org/officeDocument/2006/math">
+                        <m:r>
+                          <a:rPr lang="fr-FR" sz="1100" b="0" i="1" smtClean="0">
+                            <a:latin typeface="Cambria Math" panose="02040503050406030204" pitchFamily="18" charset="0"/>
+                          </a:rPr>
+                          <m:t>𝛽</m:t>
+                        </m:r>
+                      </m:oMath>
+                    </m:oMathPara>
+                  </a14:m>
+                  <a:endParaRPr lang="fr-FR" sz="1100" dirty="0"/>
+                </a:p>
+              </p:txBody>
+            </p:sp>
+          </mc:Choice>
+          <mc:Fallback>
+            <p:sp>
+              <p:nvSpPr>
+                <p:cNvPr id="21" name="ZoneTexte 20">
+                  <a:extLst>
+                    <a:ext uri="{FF2B5EF4-FFF2-40B4-BE49-F238E27FC236}">
+                      <a16:creationId xmlns:a16="http://schemas.microsoft.com/office/drawing/2014/main" id="{241F2295-1B00-D183-599A-5DAE694CE19B}"/>
+                    </a:ext>
+                  </a:extLst>
+                </p:cNvPr>
+                <p:cNvSpPr txBox="1">
+                  <a:spLocks noRot="1" noChangeAspect="1" noMove="1" noResize="1" noEditPoints="1" noAdjustHandles="1" noChangeArrowheads="1" noChangeShapeType="1" noTextEdit="1"/>
+                </p:cNvSpPr>
+                <p:nvPr/>
+              </p:nvSpPr>
+              <p:spPr>
+                <a:xfrm>
+                  <a:off x="3312959" y="1348664"/>
+                  <a:ext cx="118109" cy="169277"/>
+                </a:xfrm>
+                <a:prstGeom prst="rect">
+                  <a:avLst/>
+                </a:prstGeom>
+                <a:blipFill>
+                  <a:blip r:embed="rId12"/>
+                  <a:stretch>
+                    <a:fillRect l="-45000" r="-35000" b="-32143"/>
+                  </a:stretch>
+                </a:blipFill>
+              </p:spPr>
+              <p:txBody>
+                <a:bodyPr/>
+                <a:lstStyle/>
+                <a:p>
+                  <a:r>
+                    <a:rPr lang="fr-FR">
+                      <a:noFill/>
+                    </a:rPr>
+                    <a:t> </a:t>
+                  </a:r>
+                </a:p>
+              </p:txBody>
+            </p:sp>
+          </mc:Fallback>
+        </mc:AlternateContent>
+        <p:sp>
+          <p:nvSpPr>
+            <p:cNvPr id="12" name="Arc 11">
+              <a:extLst>
+                <a:ext uri="{FF2B5EF4-FFF2-40B4-BE49-F238E27FC236}">
+                  <a16:creationId xmlns:a16="http://schemas.microsoft.com/office/drawing/2014/main" id="{61FEDC5A-7E3B-C32B-9F02-E3A4CDE47C8D}"/>
+                </a:ext>
+              </a:extLst>
+            </p:cNvPr>
+            <p:cNvSpPr/>
+            <p:nvPr/>
+          </p:nvSpPr>
+          <p:spPr>
+            <a:xfrm>
+              <a:off x="2707638" y="1319840"/>
+              <a:ext cx="750260" cy="750260"/>
+            </a:xfrm>
+            <a:prstGeom prst="arc">
+              <a:avLst>
+                <a:gd name="adj1" fmla="val 19957009"/>
+                <a:gd name="adj2" fmla="val 0"/>
+              </a:avLst>
+            </a:prstGeom>
+            <a:ln w="12700">
+              <a:solidFill>
+                <a:schemeClr val="accent1"/>
+              </a:solidFill>
+              <a:headEnd type="stealth" w="sm" len="med"/>
+              <a:tailEnd type="none" w="med" len="sm"/>
+            </a:ln>
+          </p:spPr>
+          <p:style>
+            <a:lnRef idx="2">
+              <a:schemeClr val="accent1"/>
+            </a:lnRef>
+            <a:fillRef idx="0">
+              <a:schemeClr val="accent1"/>
+            </a:fillRef>
+            <a:effectRef idx="1">
+              <a:schemeClr val="accent1"/>
+            </a:effectRef>
+            <a:fontRef idx="minor">
+              <a:schemeClr val="tx1"/>
+            </a:fontRef>
+          </p:style>
+          <p:txBody>
+            <a:bodyPr rtlCol="0" anchor="ctr"/>
+            <a:lstStyle/>
+            <a:p>
+              <a:pPr algn="ctr"/>
+              <a:endParaRPr lang="fr-FR"/>
+            </a:p>
+          </p:txBody>
+        </p:sp>
+      </p:grpSp>
+    </p:spTree>
+    <p:extLst>
+      <p:ext uri="{BB962C8B-B14F-4D97-AF65-F5344CB8AC3E}">
+        <p14:creationId xmlns:p14="http://schemas.microsoft.com/office/powerpoint/2010/main" val="624655957"/>
       </p:ext>
     </p:extLst>
   </p:cSld>
